--- a/SCSJ2100424_Presentation Slide_Sept-Dec 2025.pptx
+++ b/SCSJ2100424_Presentation Slide_Sept-Dec 2025.pptx
@@ -1,33 +1,32 @@
 
 <file path=ppt/presentation.xml><?xml version="1.0" encoding="utf-8"?>
-<p:presentation xmlns:a="http://schemas.openxmlformats.org/drawingml/2006/main" xmlns:r="http://schemas.openxmlformats.org/officeDocument/2006/relationships" xmlns:p="http://schemas.openxmlformats.org/presentationml/2006/main" saveSubsetFonts="1" embedTrueTypeFonts="true">
+<p:presentation xmlns:a="http://schemas.openxmlformats.org/drawingml/2006/main" xmlns:r="http://schemas.openxmlformats.org/officeDocument/2006/relationships" xmlns:p="http://schemas.openxmlformats.org/presentationml/2006/main" embedTrueTypeFonts="1" saveSubsetFonts="1">
   <p:sldMasterIdLst>
     <p:sldMasterId id="2147483648" r:id="rId1"/>
   </p:sldMasterIdLst>
   <p:notesMasterIdLst>
-    <p:notesMasterId r:id="rId15"/>
+    <p:notesMasterId r:id="rId10"/>
   </p:notesMasterIdLst>
   <p:sldIdLst>
-    <p:sldId id="256" r:id="rId6"/>
-    <p:sldId id="257" r:id="rId7"/>
-    <p:sldId id="258" r:id="rId8"/>
-    <p:sldId id="259" r:id="rId9"/>
-    <p:sldId id="260" r:id="rId10"/>
-    <p:sldId id="261" r:id="rId11"/>
-    <p:sldId id="262" r:id="rId12"/>
-    <p:sldId id="263" r:id="rId13"/>
-    <p:sldId id="264" r:id="rId14"/>
+    <p:sldId id="256" r:id="rId2"/>
+    <p:sldId id="257" r:id="rId3"/>
+    <p:sldId id="259" r:id="rId4"/>
+    <p:sldId id="260" r:id="rId5"/>
+    <p:sldId id="261" r:id="rId6"/>
+    <p:sldId id="262" r:id="rId7"/>
+    <p:sldId id="263" r:id="rId8"/>
+    <p:sldId id="264" r:id="rId9"/>
   </p:sldIdLst>
   <p:sldSz cx="18288000" cy="10287000"/>
   <p:notesSz cx="6858000" cy="9144000"/>
   <p:embeddedFontLst>
     <p:embeddedFont>
-      <p:font typeface="Arimo Bold" charset="1" panose="020B0704020202020204"/>
-      <p:regular r:id="rId18"/>
+      <p:font typeface="Arimo" panose="020B0604020202020204" charset="0"/>
+      <p:regular r:id="rId11"/>
     </p:embeddedFont>
     <p:embeddedFont>
-      <p:font typeface="Arimo" charset="1" panose="020B0604020202020204"/>
-      <p:regular r:id="rId19"/>
+      <p:font typeface="Arimo Bold" panose="020B0604020202020204" charset="0"/>
+      <p:regular r:id="rId12"/>
     </p:embeddedFont>
   </p:embeddedFontLst>
   <p:defaultTextStyle>
@@ -125,6 +124,22 @@
       </a:defRPr>
     </a:lvl9pPr>
   </p:defaultTextStyle>
+  <p:extLst>
+    <p:ext uri="{EFAFB233-063F-42B5-8137-9DF3F51BA10A}">
+      <p15:sldGuideLst xmlns:p15="http://schemas.microsoft.com/office/powerpoint/2012/main">
+        <p15:guide id="1" orient="horz" pos="2160">
+          <p15:clr>
+            <a:srgbClr val="A4A3A4"/>
+          </p15:clr>
+        </p15:guide>
+        <p15:guide id="2" pos="2880">
+          <p15:clr>
+            <a:srgbClr val="A4A3A4"/>
+          </p15:clr>
+        </p15:guide>
+      </p15:sldGuideLst>
+    </p:ext>
+  </p:extLst>
 </p:presentation>
 </file>
 
@@ -210,7 +225,7 @@
           <a:p>
             <a:fld id="{B7268E1E-0E44-426D-905E-8AD9B19D2182}" type="datetimeFigureOut">
               <a:rPr lang="cs-CZ" smtClean="0"/>
-              <a:t>1.7.2013</a:t>
+              <a:t>08.12.2025</a:t>
             </a:fld>
             <a:endParaRPr lang="cs-CZ"/>
           </a:p>
@@ -274,35 +289,35 @@
           <a:p>
             <a:pPr lvl="0"/>
             <a:r>
-              <a:rPr lang="en-US" smtClean="0"/>
+              <a:rPr lang="en-US"/>
               <a:t>Click to edit Master text styles</a:t>
             </a:r>
           </a:p>
           <a:p>
             <a:pPr lvl="1"/>
             <a:r>
-              <a:rPr lang="en-US" smtClean="0"/>
+              <a:rPr lang="en-US"/>
               <a:t>Second level</a:t>
             </a:r>
           </a:p>
           <a:p>
             <a:pPr lvl="2"/>
             <a:r>
-              <a:rPr lang="en-US" smtClean="0"/>
+              <a:rPr lang="en-US"/>
               <a:t>Third level</a:t>
             </a:r>
           </a:p>
           <a:p>
             <a:pPr lvl="3"/>
             <a:r>
-              <a:rPr lang="en-US" smtClean="0"/>
+              <a:rPr lang="en-US"/>
               <a:t>Fourth level</a:t>
             </a:r>
           </a:p>
           <a:p>
             <a:pPr lvl="4"/>
             <a:r>
-              <a:rPr lang="en-US" smtClean="0"/>
+              <a:rPr lang="en-US"/>
               <a:t>Fifth level</a:t>
             </a:r>
             <a:endParaRPr lang="cs-CZ"/>
@@ -479,9 +494,9 @@
 </file>
 
 <file path=ppt/notesSlides/notesSlide1.xml><?xml version="1.0" encoding="utf-8"?>
-<p:notes xmlns:p="http://schemas.openxmlformats.org/presentationml/2006/main" xmlns:a="http://schemas.openxmlformats.org/drawingml/2006/main">
+<p:notes xmlns:a="http://schemas.openxmlformats.org/drawingml/2006/main" xmlns:r="http://schemas.openxmlformats.org/officeDocument/2006/relationships" xmlns:p="http://schemas.openxmlformats.org/presentationml/2006/main">
   <p:cSld>
-    <p:spTree xmlns:r="http://schemas.openxmlformats.org/officeDocument/2006/relationships">
+    <p:spTree>
       <p:nvGrpSpPr>
         <p:cNvPr id="1" name=""/>
         <p:cNvGrpSpPr/>
@@ -521,7 +536,9 @@
               <a:defRPr sz="1200"/>
             </a:lvl1pPr>
           </a:lstStyle>
-          <a:p/>
+          <a:p>
+            <a:endParaRPr/>
+          </a:p>
         </p:txBody>
       </p:sp>
       <p:sp>
@@ -551,8 +568,8 @@
             </a:lvl1pPr>
           </a:lstStyle>
           <a:p>
-            <a:r id="{B7268E1E-0E44-426D-905E-8AD9B19D2182}" type="datetimeFigureOut">
-              <a:rPr lang="cs-CZ" smtClean="0"/>
+            <a:r>
+              <a:rPr lang="cs-CZ"/>
               <a:t>1.7.2013</a:t>
             </a:r>
           </a:p>
@@ -586,7 +603,9 @@
         <p:txBody>
           <a:bodyPr vert="horz" lIns="91440" tIns="45720" rIns="91440" bIns="45720" rtlCol="0" anchor="ctr"/>
           <a:lstStyle/>
-          <a:p/>
+          <a:p>
+            <a:endParaRPr/>
+          </a:p>
         </p:txBody>
       </p:sp>
       <p:sp>
@@ -612,11 +631,7 @@
           <a:bodyPr vert="horz" lIns="91440" tIns="45720" rIns="91440" bIns="45720" rtlCol="0"/>
           <a:lstStyle/>
           <a:p>
-            <a:r>
-              <a:rPr lang="en-US"/>
-              <a:t/>
-            </a:r>
-            <a:endParaRPr lang="en-US" smtClean="0"/>
+            <a:endParaRPr lang="en-US"/>
           </a:p>
         </p:txBody>
       </p:sp>
@@ -646,7 +661,9 @@
               <a:defRPr sz="1200"/>
             </a:lvl1pPr>
           </a:lstStyle>
-          <a:p/>
+          <a:p>
+            <a:endParaRPr/>
+          </a:p>
         </p:txBody>
       </p:sp>
       <p:sp>
@@ -676,8 +693,8 @@
             </a:lvl1pPr>
           </a:lstStyle>
           <a:p>
-            <a:r id="{871B2431-D351-4C6E-A3CF-9DFAC0E3E050}" type="slidenum">
-              <a:rPr lang="cs-CZ" smtClean="0"/>
+            <a:r>
+              <a:rPr lang="cs-CZ"/>
               <a:t>‹#›</a:t>
             </a:r>
           </a:p>
@@ -692,9 +709,9 @@
 </file>
 
 <file path=ppt/notesSlides/notesSlide2.xml><?xml version="1.0" encoding="utf-8"?>
-<p:notes xmlns:p="http://schemas.openxmlformats.org/presentationml/2006/main" xmlns:a="http://schemas.openxmlformats.org/drawingml/2006/main">
+<p:notes xmlns:a="http://schemas.openxmlformats.org/drawingml/2006/main" xmlns:r="http://schemas.openxmlformats.org/officeDocument/2006/relationships" xmlns:p="http://schemas.openxmlformats.org/presentationml/2006/main">
   <p:cSld>
-    <p:spTree xmlns:r="http://schemas.openxmlformats.org/officeDocument/2006/relationships">
+    <p:spTree>
       <p:nvGrpSpPr>
         <p:cNvPr id="1" name=""/>
         <p:cNvGrpSpPr/>
@@ -734,7 +751,9 @@
               <a:defRPr sz="1200"/>
             </a:lvl1pPr>
           </a:lstStyle>
-          <a:p/>
+          <a:p>
+            <a:endParaRPr/>
+          </a:p>
         </p:txBody>
       </p:sp>
       <p:sp>
@@ -764,8 +783,8 @@
             </a:lvl1pPr>
           </a:lstStyle>
           <a:p>
-            <a:r id="{B7268E1E-0E44-426D-905E-8AD9B19D2182}" type="datetimeFigureOut">
-              <a:rPr lang="cs-CZ" smtClean="0"/>
+            <a:r>
+              <a:rPr lang="cs-CZ"/>
               <a:t>1.7.2013</a:t>
             </a:r>
           </a:p>
@@ -783,8 +802,8 @@
         </p:nvSpPr>
         <p:spPr>
           <a:xfrm>
-            <a:off x="2857500" y="512763"/>
-            <a:ext cx="3429000" cy="2566987"/>
+            <a:off x="2290763" y="512763"/>
+            <a:ext cx="4562475" cy="2566987"/>
           </a:xfrm>
           <a:prstGeom prst="rect">
             <a:avLst/>
@@ -799,7 +818,9 @@
         <p:txBody>
           <a:bodyPr vert="horz" lIns="91440" tIns="45720" rIns="91440" bIns="45720" rtlCol="0" anchor="ctr"/>
           <a:lstStyle/>
-          <a:p/>
+          <a:p>
+            <a:endParaRPr/>
+          </a:p>
         </p:txBody>
       </p:sp>
       <p:sp>
@@ -825,11 +846,7 @@
           <a:bodyPr vert="horz" lIns="91440" tIns="45720" rIns="91440" bIns="45720" rtlCol="0"/>
           <a:lstStyle/>
           <a:p>
-            <a:r>
-              <a:rPr lang="en-US"/>
-              <a:t/>
-            </a:r>
-            <a:endParaRPr lang="en-US" smtClean="0"/>
+            <a:endParaRPr lang="en-US"/>
           </a:p>
         </p:txBody>
       </p:sp>
@@ -859,7 +876,9 @@
               <a:defRPr sz="1200"/>
             </a:lvl1pPr>
           </a:lstStyle>
-          <a:p/>
+          <a:p>
+            <a:endParaRPr/>
+          </a:p>
         </p:txBody>
       </p:sp>
       <p:sp>
@@ -889,8 +908,8 @@
             </a:lvl1pPr>
           </a:lstStyle>
           <a:p>
-            <a:r id="{871B2431-D351-4C6E-A3CF-9DFAC0E3E050}" type="slidenum">
-              <a:rPr lang="cs-CZ" smtClean="0"/>
+            <a:r>
+              <a:rPr lang="cs-CZ"/>
               <a:t>‹#›</a:t>
             </a:r>
           </a:p>
@@ -905,9 +924,9 @@
 </file>
 
 <file path=ppt/notesSlides/notesSlide3.xml><?xml version="1.0" encoding="utf-8"?>
-<p:notes xmlns:p="http://schemas.openxmlformats.org/presentationml/2006/main" xmlns:a="http://schemas.openxmlformats.org/drawingml/2006/main">
+<p:notes xmlns:a="http://schemas.openxmlformats.org/drawingml/2006/main" xmlns:r="http://schemas.openxmlformats.org/officeDocument/2006/relationships" xmlns:p="http://schemas.openxmlformats.org/presentationml/2006/main">
   <p:cSld>
-    <p:spTree xmlns:r="http://schemas.openxmlformats.org/officeDocument/2006/relationships">
+    <p:spTree>
       <p:nvGrpSpPr>
         <p:cNvPr id="1" name=""/>
         <p:cNvGrpSpPr/>
@@ -947,7 +966,9 @@
               <a:defRPr sz="1200"/>
             </a:lvl1pPr>
           </a:lstStyle>
-          <a:p/>
+          <a:p>
+            <a:endParaRPr/>
+          </a:p>
         </p:txBody>
       </p:sp>
       <p:sp>
@@ -977,8 +998,8 @@
             </a:lvl1pPr>
           </a:lstStyle>
           <a:p>
-            <a:r id="{B7268E1E-0E44-426D-905E-8AD9B19D2182}" type="datetimeFigureOut">
-              <a:rPr lang="cs-CZ" smtClean="0"/>
+            <a:r>
+              <a:rPr lang="cs-CZ"/>
               <a:t>1.7.2013</a:t>
             </a:r>
           </a:p>
@@ -1012,7 +1033,9 @@
         <p:txBody>
           <a:bodyPr vert="horz" lIns="91440" tIns="45720" rIns="91440" bIns="45720" rtlCol="0" anchor="ctr"/>
           <a:lstStyle/>
-          <a:p/>
+          <a:p>
+            <a:endParaRPr/>
+          </a:p>
         </p:txBody>
       </p:sp>
       <p:sp>
@@ -1038,11 +1061,7 @@
           <a:bodyPr vert="horz" lIns="91440" tIns="45720" rIns="91440" bIns="45720" rtlCol="0"/>
           <a:lstStyle/>
           <a:p>
-            <a:r>
-              <a:rPr lang="en-US"/>
-              <a:t/>
-            </a:r>
-            <a:endParaRPr lang="en-US" smtClean="0"/>
+            <a:endParaRPr lang="en-US"/>
           </a:p>
         </p:txBody>
       </p:sp>
@@ -1072,7 +1091,9 @@
               <a:defRPr sz="1200"/>
             </a:lvl1pPr>
           </a:lstStyle>
-          <a:p/>
+          <a:p>
+            <a:endParaRPr/>
+          </a:p>
         </p:txBody>
       </p:sp>
       <p:sp>
@@ -1102,8 +1123,8 @@
             </a:lvl1pPr>
           </a:lstStyle>
           <a:p>
-            <a:r id="{871B2431-D351-4C6E-A3CF-9DFAC0E3E050}" type="slidenum">
-              <a:rPr lang="cs-CZ" smtClean="0"/>
+            <a:r>
+              <a:rPr lang="cs-CZ"/>
               <a:t>‹#›</a:t>
             </a:r>
           </a:p>
@@ -1118,9 +1139,9 @@
 </file>
 
 <file path=ppt/notesSlides/notesSlide4.xml><?xml version="1.0" encoding="utf-8"?>
-<p:notes xmlns:p="http://schemas.openxmlformats.org/presentationml/2006/main" xmlns:a="http://schemas.openxmlformats.org/drawingml/2006/main">
+<p:notes xmlns:a="http://schemas.openxmlformats.org/drawingml/2006/main" xmlns:r="http://schemas.openxmlformats.org/officeDocument/2006/relationships" xmlns:p="http://schemas.openxmlformats.org/presentationml/2006/main">
   <p:cSld>
-    <p:spTree xmlns:r="http://schemas.openxmlformats.org/officeDocument/2006/relationships">
+    <p:spTree>
       <p:nvGrpSpPr>
         <p:cNvPr id="1" name=""/>
         <p:cNvGrpSpPr/>
@@ -1160,7 +1181,9 @@
               <a:defRPr sz="1200"/>
             </a:lvl1pPr>
           </a:lstStyle>
-          <a:p/>
+          <a:p>
+            <a:endParaRPr/>
+          </a:p>
         </p:txBody>
       </p:sp>
       <p:sp>
@@ -1190,8 +1213,8 @@
             </a:lvl1pPr>
           </a:lstStyle>
           <a:p>
-            <a:r id="{B7268E1E-0E44-426D-905E-8AD9B19D2182}" type="datetimeFigureOut">
-              <a:rPr lang="cs-CZ" smtClean="0"/>
+            <a:r>
+              <a:rPr lang="cs-CZ"/>
               <a:t>1.7.2013</a:t>
             </a:r>
           </a:p>
@@ -1225,7 +1248,9 @@
         <p:txBody>
           <a:bodyPr vert="horz" lIns="91440" tIns="45720" rIns="91440" bIns="45720" rtlCol="0" anchor="ctr"/>
           <a:lstStyle/>
-          <a:p/>
+          <a:p>
+            <a:endParaRPr/>
+          </a:p>
         </p:txBody>
       </p:sp>
       <p:sp>
@@ -1251,11 +1276,7 @@
           <a:bodyPr vert="horz" lIns="91440" tIns="45720" rIns="91440" bIns="45720" rtlCol="0"/>
           <a:lstStyle/>
           <a:p>
-            <a:r>
-              <a:rPr lang="en-US"/>
-              <a:t/>
-            </a:r>
-            <a:endParaRPr lang="en-US" smtClean="0"/>
+            <a:endParaRPr lang="en-US"/>
           </a:p>
         </p:txBody>
       </p:sp>
@@ -1285,7 +1306,9 @@
               <a:defRPr sz="1200"/>
             </a:lvl1pPr>
           </a:lstStyle>
-          <a:p/>
+          <a:p>
+            <a:endParaRPr/>
+          </a:p>
         </p:txBody>
       </p:sp>
       <p:sp>
@@ -1315,8 +1338,8 @@
             </a:lvl1pPr>
           </a:lstStyle>
           <a:p>
-            <a:r id="{871B2431-D351-4C6E-A3CF-9DFAC0E3E050}" type="slidenum">
-              <a:rPr lang="cs-CZ" smtClean="0"/>
+            <a:r>
+              <a:rPr lang="cs-CZ"/>
               <a:t>‹#›</a:t>
             </a:r>
           </a:p>
@@ -1331,9 +1354,9 @@
 </file>
 
 <file path=ppt/notesSlides/notesSlide5.xml><?xml version="1.0" encoding="utf-8"?>
-<p:notes xmlns:p="http://schemas.openxmlformats.org/presentationml/2006/main" xmlns:a="http://schemas.openxmlformats.org/drawingml/2006/main">
+<p:notes xmlns:a="http://schemas.openxmlformats.org/drawingml/2006/main" xmlns:r="http://schemas.openxmlformats.org/officeDocument/2006/relationships" xmlns:p="http://schemas.openxmlformats.org/presentationml/2006/main">
   <p:cSld>
-    <p:spTree xmlns:r="http://schemas.openxmlformats.org/officeDocument/2006/relationships">
+    <p:spTree>
       <p:nvGrpSpPr>
         <p:cNvPr id="1" name=""/>
         <p:cNvGrpSpPr/>
@@ -1373,7 +1396,9 @@
               <a:defRPr sz="1200"/>
             </a:lvl1pPr>
           </a:lstStyle>
-          <a:p/>
+          <a:p>
+            <a:endParaRPr/>
+          </a:p>
         </p:txBody>
       </p:sp>
       <p:sp>
@@ -1403,8 +1428,8 @@
             </a:lvl1pPr>
           </a:lstStyle>
           <a:p>
-            <a:r id="{B7268E1E-0E44-426D-905E-8AD9B19D2182}" type="datetimeFigureOut">
-              <a:rPr lang="cs-CZ" smtClean="0"/>
+            <a:r>
+              <a:rPr lang="cs-CZ"/>
               <a:t>1.7.2013</a:t>
             </a:r>
           </a:p>
@@ -1422,8 +1447,8 @@
         </p:nvSpPr>
         <p:spPr>
           <a:xfrm>
-            <a:off x="2857500" y="512763"/>
-            <a:ext cx="3429000" cy="2566987"/>
+            <a:off x="2290763" y="512763"/>
+            <a:ext cx="4562475" cy="2566987"/>
           </a:xfrm>
           <a:prstGeom prst="rect">
             <a:avLst/>
@@ -1438,7 +1463,9 @@
         <p:txBody>
           <a:bodyPr vert="horz" lIns="91440" tIns="45720" rIns="91440" bIns="45720" rtlCol="0" anchor="ctr"/>
           <a:lstStyle/>
-          <a:p/>
+          <a:p>
+            <a:endParaRPr/>
+          </a:p>
         </p:txBody>
       </p:sp>
       <p:sp>
@@ -1464,11 +1491,7 @@
           <a:bodyPr vert="horz" lIns="91440" tIns="45720" rIns="91440" bIns="45720" rtlCol="0"/>
           <a:lstStyle/>
           <a:p>
-            <a:r>
-              <a:rPr lang="en-US"/>
-              <a:t/>
-            </a:r>
-            <a:endParaRPr lang="en-US" smtClean="0"/>
+            <a:endParaRPr lang="en-US"/>
           </a:p>
         </p:txBody>
       </p:sp>
@@ -1498,7 +1521,9 @@
               <a:defRPr sz="1200"/>
             </a:lvl1pPr>
           </a:lstStyle>
-          <a:p/>
+          <a:p>
+            <a:endParaRPr/>
+          </a:p>
         </p:txBody>
       </p:sp>
       <p:sp>
@@ -1528,8 +1553,8 @@
             </a:lvl1pPr>
           </a:lstStyle>
           <a:p>
-            <a:r id="{871B2431-D351-4C6E-A3CF-9DFAC0E3E050}" type="slidenum">
-              <a:rPr lang="cs-CZ" smtClean="0"/>
+            <a:r>
+              <a:rPr lang="cs-CZ"/>
               <a:t>‹#›</a:t>
             </a:r>
           </a:p>
@@ -1544,9 +1569,9 @@
 </file>
 
 <file path=ppt/notesSlides/notesSlide6.xml><?xml version="1.0" encoding="utf-8"?>
-<p:notes xmlns:p="http://schemas.openxmlformats.org/presentationml/2006/main" xmlns:a="http://schemas.openxmlformats.org/drawingml/2006/main">
+<p:notes xmlns:a="http://schemas.openxmlformats.org/drawingml/2006/main" xmlns:r="http://schemas.openxmlformats.org/officeDocument/2006/relationships" xmlns:p="http://schemas.openxmlformats.org/presentationml/2006/main">
   <p:cSld>
-    <p:spTree xmlns:r="http://schemas.openxmlformats.org/officeDocument/2006/relationships">
+    <p:spTree>
       <p:nvGrpSpPr>
         <p:cNvPr id="1" name=""/>
         <p:cNvGrpSpPr/>
@@ -1586,7 +1611,9 @@
               <a:defRPr sz="1200"/>
             </a:lvl1pPr>
           </a:lstStyle>
-          <a:p/>
+          <a:p>
+            <a:endParaRPr/>
+          </a:p>
         </p:txBody>
       </p:sp>
       <p:sp>
@@ -1616,8 +1643,8 @@
             </a:lvl1pPr>
           </a:lstStyle>
           <a:p>
-            <a:r id="{B7268E1E-0E44-426D-905E-8AD9B19D2182}" type="datetimeFigureOut">
-              <a:rPr lang="cs-CZ" smtClean="0"/>
+            <a:r>
+              <a:rPr lang="cs-CZ"/>
               <a:t>1.7.2013</a:t>
             </a:r>
           </a:p>
@@ -1651,7 +1678,9 @@
         <p:txBody>
           <a:bodyPr vert="horz" lIns="91440" tIns="45720" rIns="91440" bIns="45720" rtlCol="0" anchor="ctr"/>
           <a:lstStyle/>
-          <a:p/>
+          <a:p>
+            <a:endParaRPr/>
+          </a:p>
         </p:txBody>
       </p:sp>
       <p:sp>
@@ -1677,11 +1706,7 @@
           <a:bodyPr vert="horz" lIns="91440" tIns="45720" rIns="91440" bIns="45720" rtlCol="0"/>
           <a:lstStyle/>
           <a:p>
-            <a:r>
-              <a:rPr lang="en-US"/>
-              <a:t/>
-            </a:r>
-            <a:endParaRPr lang="en-US" smtClean="0"/>
+            <a:endParaRPr lang="en-US"/>
           </a:p>
         </p:txBody>
       </p:sp>
@@ -1711,7 +1736,9 @@
               <a:defRPr sz="1200"/>
             </a:lvl1pPr>
           </a:lstStyle>
-          <a:p/>
+          <a:p>
+            <a:endParaRPr/>
+          </a:p>
         </p:txBody>
       </p:sp>
       <p:sp>
@@ -1741,8 +1768,8 @@
             </a:lvl1pPr>
           </a:lstStyle>
           <a:p>
-            <a:r id="{871B2431-D351-4C6E-A3CF-9DFAC0E3E050}" type="slidenum">
-              <a:rPr lang="cs-CZ" smtClean="0"/>
+            <a:r>
+              <a:rPr lang="cs-CZ"/>
               <a:t>‹#›</a:t>
             </a:r>
           </a:p>
@@ -1757,9 +1784,9 @@
 </file>
 
 <file path=ppt/notesSlides/notesSlide7.xml><?xml version="1.0" encoding="utf-8"?>
-<p:notes xmlns:p="http://schemas.openxmlformats.org/presentationml/2006/main" xmlns:a="http://schemas.openxmlformats.org/drawingml/2006/main">
+<p:notes xmlns:a="http://schemas.openxmlformats.org/drawingml/2006/main" xmlns:r="http://schemas.openxmlformats.org/officeDocument/2006/relationships" xmlns:p="http://schemas.openxmlformats.org/presentationml/2006/main">
   <p:cSld>
-    <p:spTree xmlns:r="http://schemas.openxmlformats.org/officeDocument/2006/relationships">
+    <p:spTree>
       <p:nvGrpSpPr>
         <p:cNvPr id="1" name=""/>
         <p:cNvGrpSpPr/>
@@ -1799,7 +1826,9 @@
               <a:defRPr sz="1200"/>
             </a:lvl1pPr>
           </a:lstStyle>
-          <a:p/>
+          <a:p>
+            <a:endParaRPr/>
+          </a:p>
         </p:txBody>
       </p:sp>
       <p:sp>
@@ -1829,8 +1858,8 @@
             </a:lvl1pPr>
           </a:lstStyle>
           <a:p>
-            <a:r id="{B7268E1E-0E44-426D-905E-8AD9B19D2182}" type="datetimeFigureOut">
-              <a:rPr lang="cs-CZ" smtClean="0"/>
+            <a:r>
+              <a:rPr lang="cs-CZ"/>
               <a:t>1.7.2013</a:t>
             </a:r>
           </a:p>
@@ -1864,7 +1893,9 @@
         <p:txBody>
           <a:bodyPr vert="horz" lIns="91440" tIns="45720" rIns="91440" bIns="45720" rtlCol="0" anchor="ctr"/>
           <a:lstStyle/>
-          <a:p/>
+          <a:p>
+            <a:endParaRPr/>
+          </a:p>
         </p:txBody>
       </p:sp>
       <p:sp>
@@ -1890,11 +1921,7 @@
           <a:bodyPr vert="horz" lIns="91440" tIns="45720" rIns="91440" bIns="45720" rtlCol="0"/>
           <a:lstStyle/>
           <a:p>
-            <a:r>
-              <a:rPr lang="en-US"/>
-              <a:t/>
-            </a:r>
-            <a:endParaRPr lang="en-US" smtClean="0"/>
+            <a:endParaRPr lang="en-US"/>
           </a:p>
         </p:txBody>
       </p:sp>
@@ -1924,7 +1951,9 @@
               <a:defRPr sz="1200"/>
             </a:lvl1pPr>
           </a:lstStyle>
-          <a:p/>
+          <a:p>
+            <a:endParaRPr/>
+          </a:p>
         </p:txBody>
       </p:sp>
       <p:sp>
@@ -1954,8 +1983,8 @@
             </a:lvl1pPr>
           </a:lstStyle>
           <a:p>
-            <a:r id="{871B2431-D351-4C6E-A3CF-9DFAC0E3E050}" type="slidenum">
-              <a:rPr lang="cs-CZ" smtClean="0"/>
+            <a:r>
+              <a:rPr lang="cs-CZ"/>
               <a:t>‹#›</a:t>
             </a:r>
           </a:p>
@@ -1970,9 +1999,9 @@
 </file>
 
 <file path=ppt/notesSlides/notesSlide8.xml><?xml version="1.0" encoding="utf-8"?>
-<p:notes xmlns:p="http://schemas.openxmlformats.org/presentationml/2006/main" xmlns:a="http://schemas.openxmlformats.org/drawingml/2006/main">
+<p:notes xmlns:a="http://schemas.openxmlformats.org/drawingml/2006/main" xmlns:r="http://schemas.openxmlformats.org/officeDocument/2006/relationships" xmlns:p="http://schemas.openxmlformats.org/presentationml/2006/main">
   <p:cSld>
-    <p:spTree xmlns:r="http://schemas.openxmlformats.org/officeDocument/2006/relationships">
+    <p:spTree>
       <p:nvGrpSpPr>
         <p:cNvPr id="1" name=""/>
         <p:cNvGrpSpPr/>
@@ -2012,7 +2041,9 @@
               <a:defRPr sz="1200"/>
             </a:lvl1pPr>
           </a:lstStyle>
-          <a:p/>
+          <a:p>
+            <a:endParaRPr/>
+          </a:p>
         </p:txBody>
       </p:sp>
       <p:sp>
@@ -2042,8 +2073,8 @@
             </a:lvl1pPr>
           </a:lstStyle>
           <a:p>
-            <a:r id="{B7268E1E-0E44-426D-905E-8AD9B19D2182}" type="datetimeFigureOut">
-              <a:rPr lang="cs-CZ" smtClean="0"/>
+            <a:r>
+              <a:rPr lang="cs-CZ"/>
               <a:t>1.7.2013</a:t>
             </a:r>
           </a:p>
@@ -2077,7 +2108,9 @@
         <p:txBody>
           <a:bodyPr vert="horz" lIns="91440" tIns="45720" rIns="91440" bIns="45720" rtlCol="0" anchor="ctr"/>
           <a:lstStyle/>
-          <a:p/>
+          <a:p>
+            <a:endParaRPr/>
+          </a:p>
         </p:txBody>
       </p:sp>
       <p:sp>
@@ -2103,11 +2136,7 @@
           <a:bodyPr vert="horz" lIns="91440" tIns="45720" rIns="91440" bIns="45720" rtlCol="0"/>
           <a:lstStyle/>
           <a:p>
-            <a:r>
-              <a:rPr lang="en-US"/>
-              <a:t/>
-            </a:r>
-            <a:endParaRPr lang="en-US" smtClean="0"/>
+            <a:endParaRPr lang="en-US"/>
           </a:p>
         </p:txBody>
       </p:sp>
@@ -2137,7 +2166,9 @@
               <a:defRPr sz="1200"/>
             </a:lvl1pPr>
           </a:lstStyle>
-          <a:p/>
+          <a:p>
+            <a:endParaRPr/>
+          </a:p>
         </p:txBody>
       </p:sp>
       <p:sp>
@@ -2167,221 +2198,8 @@
             </a:lvl1pPr>
           </a:lstStyle>
           <a:p>
-            <a:r id="{871B2431-D351-4C6E-A3CF-9DFAC0E3E050}" type="slidenum">
-              <a:rPr lang="cs-CZ" smtClean="0"/>
-              <a:t>‹#›</a:t>
-            </a:r>
-          </a:p>
-        </p:txBody>
-      </p:sp>
-    </p:spTree>
-  </p:cSld>
-  <p:clrMapOvr>
-    <a:masterClrMapping/>
-  </p:clrMapOvr>
-</p:notes>
-</file>
-
-<file path=ppt/notesSlides/notesSlide9.xml><?xml version="1.0" encoding="utf-8"?>
-<p:notes xmlns:p="http://schemas.openxmlformats.org/presentationml/2006/main" xmlns:a="http://schemas.openxmlformats.org/drawingml/2006/main">
-  <p:cSld>
-    <p:spTree xmlns:r="http://schemas.openxmlformats.org/officeDocument/2006/relationships">
-      <p:nvGrpSpPr>
-        <p:cNvPr id="1" name=""/>
-        <p:cNvGrpSpPr/>
-        <p:nvPr/>
-      </p:nvGrpSpPr>
-      <p:grpSpPr>
-        <a:xfrm>
-          <a:off x="0" y="0"/>
-          <a:ext cx="0" cy="0"/>
-          <a:chOff x="0" y="0"/>
-          <a:chExt cx="0" cy="0"/>
-        </a:xfrm>
-      </p:grpSpPr>
-      <p:sp>
-        <p:nvSpPr>
-          <p:cNvPr id="2" name="Header Placeholder 1"/>
-          <p:cNvSpPr>
-            <a:spLocks noGrp="1"/>
-          </p:cNvSpPr>
-          <p:nvPr>
-            <p:ph type="hdr" sz="quarter"/>
-          </p:nvPr>
-        </p:nvSpPr>
-        <p:spPr>
-          <a:xfrm>
-            <a:off x="0" y="0"/>
-            <a:ext cx="3962400" cy="342900"/>
-          </a:xfrm>
-          <a:prstGeom prst="rect">
-            <a:avLst/>
-          </a:prstGeom>
-        </p:spPr>
-        <p:txBody>
-          <a:bodyPr vert="horz" lIns="91440" tIns="45720" rIns="91440" bIns="45720" rtlCol="0"/>
-          <a:lstStyle>
-            <a:lvl1pPr algn="l">
-              <a:defRPr sz="1200"/>
-            </a:lvl1pPr>
-          </a:lstStyle>
-          <a:p/>
-        </p:txBody>
-      </p:sp>
-      <p:sp>
-        <p:nvSpPr>
-          <p:cNvPr id="3" name="Date Placeholder 2"/>
-          <p:cNvSpPr>
-            <a:spLocks noGrp="1"/>
-          </p:cNvSpPr>
-          <p:nvPr>
-            <p:ph type="dt" idx="1"/>
-          </p:nvPr>
-        </p:nvSpPr>
-        <p:spPr>
-          <a:xfrm>
-            <a:off x="5180013" y="0"/>
-            <a:ext cx="3962400" cy="342900"/>
-          </a:xfrm>
-          <a:prstGeom prst="rect">
-            <a:avLst/>
-          </a:prstGeom>
-        </p:spPr>
-        <p:txBody>
-          <a:bodyPr vert="horz" lIns="91440" tIns="45720" rIns="91440" bIns="45720" rtlCol="0"/>
-          <a:lstStyle>
-            <a:lvl1pPr algn="r">
-              <a:defRPr sz="1200"/>
-            </a:lvl1pPr>
-          </a:lstStyle>
-          <a:p>
-            <a:r id="{B7268E1E-0E44-426D-905E-8AD9B19D2182}" type="datetimeFigureOut">
-              <a:rPr lang="cs-CZ" smtClean="0"/>
-              <a:t>1.7.2013</a:t>
-            </a:r>
-          </a:p>
-        </p:txBody>
-      </p:sp>
-      <p:sp>
-        <p:nvSpPr>
-          <p:cNvPr id="4" name="Slide Image Placeholder 3"/>
-          <p:cNvSpPr>
-            <a:spLocks noGrp="1" noRot="1" noChangeAspect="1"/>
-          </p:cNvSpPr>
-          <p:nvPr>
-            <p:ph type="sldImg" idx="2"/>
-          </p:nvPr>
-        </p:nvSpPr>
-        <p:spPr>
-          <a:xfrm>
-            <a:off x="2857500" y="512763"/>
-            <a:ext cx="3429000" cy="2566987"/>
-          </a:xfrm>
-          <a:prstGeom prst="rect">
-            <a:avLst/>
-          </a:prstGeom>
-          <a:noFill/>
-          <a:ln w="12700">
-            <a:solidFill>
-              <a:prstClr val="black"/>
-            </a:solidFill>
-          </a:ln>
-        </p:spPr>
-        <p:txBody>
-          <a:bodyPr vert="horz" lIns="91440" tIns="45720" rIns="91440" bIns="45720" rtlCol="0" anchor="ctr"/>
-          <a:lstStyle/>
-          <a:p/>
-        </p:txBody>
-      </p:sp>
-      <p:sp>
-        <p:nvSpPr>
-          <p:cNvPr id="5" name="Notes Placeholder 4"/>
-          <p:cNvSpPr>
-            <a:spLocks noGrp="1"/>
-          </p:cNvSpPr>
-          <p:nvPr>
-            <p:ph type="body" sz="quarter" idx="3"/>
-          </p:nvPr>
-        </p:nvSpPr>
-        <p:spPr>
-          <a:xfrm>
-            <a:off x="914400" y="3251200"/>
-            <a:ext cx="7315200" cy="3081338"/>
-          </a:xfrm>
-          <a:prstGeom prst="rect">
-            <a:avLst/>
-          </a:prstGeom>
-        </p:spPr>
-        <p:txBody>
-          <a:bodyPr vert="horz" lIns="91440" tIns="45720" rIns="91440" bIns="45720" rtlCol="0"/>
-          <a:lstStyle/>
-          <a:p>
-            <a:r>
-              <a:rPr lang="en-US"/>
-              <a:t/>
-            </a:r>
-            <a:endParaRPr lang="en-US" smtClean="0"/>
-          </a:p>
-        </p:txBody>
-      </p:sp>
-      <p:sp>
-        <p:nvSpPr>
-          <p:cNvPr id="6" name="Footer Placeholder 5"/>
-          <p:cNvSpPr>
-            <a:spLocks noGrp="1"/>
-          </p:cNvSpPr>
-          <p:nvPr>
-            <p:ph type="ftr" sz="quarter" idx="4"/>
-          </p:nvPr>
-        </p:nvSpPr>
-        <p:spPr>
-          <a:xfrm>
-            <a:off x="0" y="6502400"/>
-            <a:ext cx="3962400" cy="341313"/>
-          </a:xfrm>
-          <a:prstGeom prst="rect">
-            <a:avLst/>
-          </a:prstGeom>
-        </p:spPr>
-        <p:txBody>
-          <a:bodyPr vert="horz" lIns="91440" tIns="45720" rIns="91440" bIns="45720" rtlCol="0" anchor="b"/>
-          <a:lstStyle>
-            <a:lvl1pPr algn="l">
-              <a:defRPr sz="1200"/>
-            </a:lvl1pPr>
-          </a:lstStyle>
-          <a:p/>
-        </p:txBody>
-      </p:sp>
-      <p:sp>
-        <p:nvSpPr>
-          <p:cNvPr id="7" name="Slide Number Placeholder 6"/>
-          <p:cNvSpPr>
-            <a:spLocks noGrp="1"/>
-          </p:cNvSpPr>
-          <p:nvPr>
-            <p:ph type="sldNum" sz="quarter" idx="5"/>
-          </p:nvPr>
-        </p:nvSpPr>
-        <p:spPr>
-          <a:xfrm>
-            <a:off x="5180013" y="6502400"/>
-            <a:ext cx="3962400" cy="341313"/>
-          </a:xfrm>
-          <a:prstGeom prst="rect">
-            <a:avLst/>
-          </a:prstGeom>
-        </p:spPr>
-        <p:txBody>
-          <a:bodyPr vert="horz" lIns="91440" tIns="45720" rIns="91440" bIns="45720" rtlCol="0" anchor="b"/>
-          <a:lstStyle>
-            <a:lvl1pPr algn="r">
-              <a:defRPr sz="1200"/>
-            </a:lvl1pPr>
-          </a:lstStyle>
-          <a:p>
-            <a:r id="{871B2431-D351-4C6E-A3CF-9DFAC0E3E050}" type="slidenum">
-              <a:rPr lang="cs-CZ" smtClean="0"/>
+            <a:r>
+              <a:rPr lang="cs-CZ"/>
               <a:t>‹#›</a:t>
             </a:r>
           </a:p>
@@ -2433,10 +2251,9 @@
           <a:lstStyle/>
           <a:p>
             <a:r>
-              <a:rPr lang="en-US" smtClean="0"/>
+              <a:rPr lang="en-US"/>
               <a:t>Click to edit Master title style</a:t>
             </a:r>
-            <a:endParaRPr lang="en-US"/>
           </a:p>
         </p:txBody>
       </p:sp>
@@ -2552,10 +2369,9 @@
           </a:lstStyle>
           <a:p>
             <a:r>
-              <a:rPr lang="en-US" smtClean="0"/>
+              <a:rPr lang="en-US"/>
               <a:t>Click to edit Master subtitle style</a:t>
             </a:r>
-            <a:endParaRPr lang="en-US"/>
           </a:p>
         </p:txBody>
       </p:sp>
@@ -2577,7 +2393,7 @@
             <a:fld id="{1D8BD707-D9CF-40AE-B4C6-C98DA3205C09}" type="datetimeFigureOut">
               <a:rPr lang="en-US" smtClean="0"/>
               <a:pPr/>
-              <a:t>8/1/2011</a:t>
+              <a:t>12/8/2025</a:t>
             </a:fld>
             <a:endParaRPr lang="en-US"/>
           </a:p>
@@ -2667,10 +2483,9 @@
           <a:lstStyle/>
           <a:p>
             <a:r>
-              <a:rPr lang="en-US" smtClean="0"/>
+              <a:rPr lang="en-US"/>
               <a:t>Click to edit Master title style</a:t>
             </a:r>
-            <a:endParaRPr lang="en-US"/>
           </a:p>
         </p:txBody>
       </p:sp>
@@ -2691,38 +2506,37 @@
           <a:p>
             <a:pPr lvl="0"/>
             <a:r>
-              <a:rPr lang="en-US" smtClean="0"/>
+              <a:rPr lang="en-US"/>
               <a:t>Click to edit Master text styles</a:t>
             </a:r>
           </a:p>
           <a:p>
             <a:pPr lvl="1"/>
             <a:r>
-              <a:rPr lang="en-US" smtClean="0"/>
+              <a:rPr lang="en-US"/>
               <a:t>Second level</a:t>
             </a:r>
           </a:p>
           <a:p>
             <a:pPr lvl="2"/>
             <a:r>
-              <a:rPr lang="en-US" smtClean="0"/>
+              <a:rPr lang="en-US"/>
               <a:t>Third level</a:t>
             </a:r>
           </a:p>
           <a:p>
             <a:pPr lvl="3"/>
             <a:r>
-              <a:rPr lang="en-US" smtClean="0"/>
+              <a:rPr lang="en-US"/>
               <a:t>Fourth level</a:t>
             </a:r>
           </a:p>
           <a:p>
             <a:pPr lvl="4"/>
             <a:r>
-              <a:rPr lang="en-US" smtClean="0"/>
+              <a:rPr lang="en-US"/>
               <a:t>Fifth level</a:t>
             </a:r>
-            <a:endParaRPr lang="en-US"/>
           </a:p>
         </p:txBody>
       </p:sp>
@@ -2744,7 +2558,7 @@
             <a:fld id="{1D8BD707-D9CF-40AE-B4C6-C98DA3205C09}" type="datetimeFigureOut">
               <a:rPr lang="en-US" smtClean="0"/>
               <a:pPr/>
-              <a:t>8/1/2011</a:t>
+              <a:t>12/8/2025</a:t>
             </a:fld>
             <a:endParaRPr lang="en-US"/>
           </a:p>
@@ -2839,10 +2653,9 @@
           <a:lstStyle/>
           <a:p>
             <a:r>
-              <a:rPr lang="en-US" smtClean="0"/>
+              <a:rPr lang="en-US"/>
               <a:t>Click to edit Master title style</a:t>
             </a:r>
-            <a:endParaRPr lang="en-US"/>
           </a:p>
         </p:txBody>
       </p:sp>
@@ -2868,38 +2681,37 @@
           <a:p>
             <a:pPr lvl="0"/>
             <a:r>
-              <a:rPr lang="en-US" smtClean="0"/>
+              <a:rPr lang="en-US"/>
               <a:t>Click to edit Master text styles</a:t>
             </a:r>
           </a:p>
           <a:p>
             <a:pPr lvl="1"/>
             <a:r>
-              <a:rPr lang="en-US" smtClean="0"/>
+              <a:rPr lang="en-US"/>
               <a:t>Second level</a:t>
             </a:r>
           </a:p>
           <a:p>
             <a:pPr lvl="2"/>
             <a:r>
-              <a:rPr lang="en-US" smtClean="0"/>
+              <a:rPr lang="en-US"/>
               <a:t>Third level</a:t>
             </a:r>
           </a:p>
           <a:p>
             <a:pPr lvl="3"/>
             <a:r>
-              <a:rPr lang="en-US" smtClean="0"/>
+              <a:rPr lang="en-US"/>
               <a:t>Fourth level</a:t>
             </a:r>
           </a:p>
           <a:p>
             <a:pPr lvl="4"/>
             <a:r>
-              <a:rPr lang="en-US" smtClean="0"/>
+              <a:rPr lang="en-US"/>
               <a:t>Fifth level</a:t>
             </a:r>
-            <a:endParaRPr lang="en-US"/>
           </a:p>
         </p:txBody>
       </p:sp>
@@ -2921,7 +2733,7 @@
             <a:fld id="{1D8BD707-D9CF-40AE-B4C6-C98DA3205C09}" type="datetimeFigureOut">
               <a:rPr lang="en-US" smtClean="0"/>
               <a:pPr/>
-              <a:t>8/1/2011</a:t>
+              <a:t>12/8/2025</a:t>
             </a:fld>
             <a:endParaRPr lang="en-US"/>
           </a:p>
@@ -3011,10 +2823,9 @@
           <a:lstStyle/>
           <a:p>
             <a:r>
-              <a:rPr lang="en-US" smtClean="0"/>
+              <a:rPr lang="en-US"/>
               <a:t>Click to edit Master title style</a:t>
             </a:r>
-            <a:endParaRPr lang="en-US"/>
           </a:p>
         </p:txBody>
       </p:sp>
@@ -3035,38 +2846,37 @@
           <a:p>
             <a:pPr lvl="0"/>
             <a:r>
-              <a:rPr lang="en-US" smtClean="0"/>
+              <a:rPr lang="en-US"/>
               <a:t>Click to edit Master text styles</a:t>
             </a:r>
           </a:p>
           <a:p>
             <a:pPr lvl="1"/>
             <a:r>
-              <a:rPr lang="en-US" smtClean="0"/>
+              <a:rPr lang="en-US"/>
               <a:t>Second level</a:t>
             </a:r>
           </a:p>
           <a:p>
             <a:pPr lvl="2"/>
             <a:r>
-              <a:rPr lang="en-US" smtClean="0"/>
+              <a:rPr lang="en-US"/>
               <a:t>Third level</a:t>
             </a:r>
           </a:p>
           <a:p>
             <a:pPr lvl="3"/>
             <a:r>
-              <a:rPr lang="en-US" smtClean="0"/>
+              <a:rPr lang="en-US"/>
               <a:t>Fourth level</a:t>
             </a:r>
           </a:p>
           <a:p>
             <a:pPr lvl="4"/>
             <a:r>
-              <a:rPr lang="en-US" smtClean="0"/>
+              <a:rPr lang="en-US"/>
               <a:t>Fifth level</a:t>
             </a:r>
-            <a:endParaRPr lang="en-US"/>
           </a:p>
         </p:txBody>
       </p:sp>
@@ -3088,7 +2898,7 @@
             <a:fld id="{1D8BD707-D9CF-40AE-B4C6-C98DA3205C09}" type="datetimeFigureOut">
               <a:rPr lang="en-US" smtClean="0"/>
               <a:pPr/>
-              <a:t>8/1/2011</a:t>
+              <a:t>12/8/2025</a:t>
             </a:fld>
             <a:endParaRPr lang="en-US"/>
           </a:p>
@@ -3187,10 +2997,9 @@
           </a:lstStyle>
           <a:p>
             <a:r>
-              <a:rPr lang="en-US" smtClean="0"/>
+              <a:rPr lang="en-US"/>
               <a:t>Click to edit Master title style</a:t>
             </a:r>
-            <a:endParaRPr lang="en-US"/>
           </a:p>
         </p:txBody>
       </p:sp>
@@ -3307,7 +3116,7 @@
           <a:p>
             <a:pPr lvl="0"/>
             <a:r>
-              <a:rPr lang="en-US" smtClean="0"/>
+              <a:rPr lang="en-US"/>
               <a:t>Click to edit Master text styles</a:t>
             </a:r>
           </a:p>
@@ -3331,7 +3140,7 @@
             <a:fld id="{1D8BD707-D9CF-40AE-B4C6-C98DA3205C09}" type="datetimeFigureOut">
               <a:rPr lang="en-US" smtClean="0"/>
               <a:pPr/>
-              <a:t>8/1/2011</a:t>
+              <a:t>12/8/2025</a:t>
             </a:fld>
             <a:endParaRPr lang="en-US"/>
           </a:p>
@@ -3421,10 +3230,9 @@
           <a:lstStyle/>
           <a:p>
             <a:r>
-              <a:rPr lang="en-US" smtClean="0"/>
+              <a:rPr lang="en-US"/>
               <a:t>Click to edit Master title style</a:t>
             </a:r>
-            <a:endParaRPr lang="en-US"/>
           </a:p>
         </p:txBody>
       </p:sp>
@@ -3478,38 +3286,37 @@
           <a:p>
             <a:pPr lvl="0"/>
             <a:r>
-              <a:rPr lang="en-US" smtClean="0"/>
+              <a:rPr lang="en-US"/>
               <a:t>Click to edit Master text styles</a:t>
             </a:r>
           </a:p>
           <a:p>
             <a:pPr lvl="1"/>
             <a:r>
-              <a:rPr lang="en-US" smtClean="0"/>
+              <a:rPr lang="en-US"/>
               <a:t>Second level</a:t>
             </a:r>
           </a:p>
           <a:p>
             <a:pPr lvl="2"/>
             <a:r>
-              <a:rPr lang="en-US" smtClean="0"/>
+              <a:rPr lang="en-US"/>
               <a:t>Third level</a:t>
             </a:r>
           </a:p>
           <a:p>
             <a:pPr lvl="3"/>
             <a:r>
-              <a:rPr lang="en-US" smtClean="0"/>
+              <a:rPr lang="en-US"/>
               <a:t>Fourth level</a:t>
             </a:r>
           </a:p>
           <a:p>
             <a:pPr lvl="4"/>
             <a:r>
-              <a:rPr lang="en-US" smtClean="0"/>
+              <a:rPr lang="en-US"/>
               <a:t>Fifth level</a:t>
             </a:r>
-            <a:endParaRPr lang="en-US"/>
           </a:p>
         </p:txBody>
       </p:sp>
@@ -3563,38 +3370,37 @@
           <a:p>
             <a:pPr lvl="0"/>
             <a:r>
-              <a:rPr lang="en-US" smtClean="0"/>
+              <a:rPr lang="en-US"/>
               <a:t>Click to edit Master text styles</a:t>
             </a:r>
           </a:p>
           <a:p>
             <a:pPr lvl="1"/>
             <a:r>
-              <a:rPr lang="en-US" smtClean="0"/>
+              <a:rPr lang="en-US"/>
               <a:t>Second level</a:t>
             </a:r>
           </a:p>
           <a:p>
             <a:pPr lvl="2"/>
             <a:r>
-              <a:rPr lang="en-US" smtClean="0"/>
+              <a:rPr lang="en-US"/>
               <a:t>Third level</a:t>
             </a:r>
           </a:p>
           <a:p>
             <a:pPr lvl="3"/>
             <a:r>
-              <a:rPr lang="en-US" smtClean="0"/>
+              <a:rPr lang="en-US"/>
               <a:t>Fourth level</a:t>
             </a:r>
           </a:p>
           <a:p>
             <a:pPr lvl="4"/>
             <a:r>
-              <a:rPr lang="en-US" smtClean="0"/>
+              <a:rPr lang="en-US"/>
               <a:t>Fifth level</a:t>
             </a:r>
-            <a:endParaRPr lang="en-US"/>
           </a:p>
         </p:txBody>
       </p:sp>
@@ -3616,7 +3422,7 @@
             <a:fld id="{1D8BD707-D9CF-40AE-B4C6-C98DA3205C09}" type="datetimeFigureOut">
               <a:rPr lang="en-US" smtClean="0"/>
               <a:pPr/>
-              <a:t>8/1/2011</a:t>
+              <a:t>12/8/2025</a:t>
             </a:fld>
             <a:endParaRPr lang="en-US"/>
           </a:p>
@@ -3710,10 +3516,9 @@
           </a:lstStyle>
           <a:p>
             <a:r>
-              <a:rPr lang="en-US" smtClean="0"/>
+              <a:rPr lang="en-US"/>
               <a:t>Click to edit Master title style</a:t>
             </a:r>
-            <a:endParaRPr lang="en-US"/>
           </a:p>
         </p:txBody>
       </p:sp>
@@ -3776,7 +3581,7 @@
           <a:p>
             <a:pPr lvl="0"/>
             <a:r>
-              <a:rPr lang="en-US" smtClean="0"/>
+              <a:rPr lang="en-US"/>
               <a:t>Click to edit Master text styles</a:t>
             </a:r>
           </a:p>
@@ -3832,38 +3637,37 @@
           <a:p>
             <a:pPr lvl="0"/>
             <a:r>
-              <a:rPr lang="en-US" smtClean="0"/>
+              <a:rPr lang="en-US"/>
               <a:t>Click to edit Master text styles</a:t>
             </a:r>
           </a:p>
           <a:p>
             <a:pPr lvl="1"/>
             <a:r>
-              <a:rPr lang="en-US" smtClean="0"/>
+              <a:rPr lang="en-US"/>
               <a:t>Second level</a:t>
             </a:r>
           </a:p>
           <a:p>
             <a:pPr lvl="2"/>
             <a:r>
-              <a:rPr lang="en-US" smtClean="0"/>
+              <a:rPr lang="en-US"/>
               <a:t>Third level</a:t>
             </a:r>
           </a:p>
           <a:p>
             <a:pPr lvl="3"/>
             <a:r>
-              <a:rPr lang="en-US" smtClean="0"/>
+              <a:rPr lang="en-US"/>
               <a:t>Fourth level</a:t>
             </a:r>
           </a:p>
           <a:p>
             <a:pPr lvl="4"/>
             <a:r>
-              <a:rPr lang="en-US" smtClean="0"/>
+              <a:rPr lang="en-US"/>
               <a:t>Fifth level</a:t>
             </a:r>
-            <a:endParaRPr lang="en-US"/>
           </a:p>
         </p:txBody>
       </p:sp>
@@ -3926,7 +3730,7 @@
           <a:p>
             <a:pPr lvl="0"/>
             <a:r>
-              <a:rPr lang="en-US" smtClean="0"/>
+              <a:rPr lang="en-US"/>
               <a:t>Click to edit Master text styles</a:t>
             </a:r>
           </a:p>
@@ -3982,38 +3786,37 @@
           <a:p>
             <a:pPr lvl="0"/>
             <a:r>
-              <a:rPr lang="en-US" smtClean="0"/>
+              <a:rPr lang="en-US"/>
               <a:t>Click to edit Master text styles</a:t>
             </a:r>
           </a:p>
           <a:p>
             <a:pPr lvl="1"/>
             <a:r>
-              <a:rPr lang="en-US" smtClean="0"/>
+              <a:rPr lang="en-US"/>
               <a:t>Second level</a:t>
             </a:r>
           </a:p>
           <a:p>
             <a:pPr lvl="2"/>
             <a:r>
-              <a:rPr lang="en-US" smtClean="0"/>
+              <a:rPr lang="en-US"/>
               <a:t>Third level</a:t>
             </a:r>
           </a:p>
           <a:p>
             <a:pPr lvl="3"/>
             <a:r>
-              <a:rPr lang="en-US" smtClean="0"/>
+              <a:rPr lang="en-US"/>
               <a:t>Fourth level</a:t>
             </a:r>
           </a:p>
           <a:p>
             <a:pPr lvl="4"/>
             <a:r>
-              <a:rPr lang="en-US" smtClean="0"/>
+              <a:rPr lang="en-US"/>
               <a:t>Fifth level</a:t>
             </a:r>
-            <a:endParaRPr lang="en-US"/>
           </a:p>
         </p:txBody>
       </p:sp>
@@ -4035,7 +3838,7 @@
             <a:fld id="{1D8BD707-D9CF-40AE-B4C6-C98DA3205C09}" type="datetimeFigureOut">
               <a:rPr lang="en-US" smtClean="0"/>
               <a:pPr/>
-              <a:t>8/1/2011</a:t>
+              <a:t>12/8/2025</a:t>
             </a:fld>
             <a:endParaRPr lang="en-US"/>
           </a:p>
@@ -4125,10 +3928,9 @@
           <a:lstStyle/>
           <a:p>
             <a:r>
-              <a:rPr lang="en-US" smtClean="0"/>
+              <a:rPr lang="en-US"/>
               <a:t>Click to edit Master title style</a:t>
             </a:r>
-            <a:endParaRPr lang="en-US"/>
           </a:p>
         </p:txBody>
       </p:sp>
@@ -4150,7 +3952,7 @@
             <a:fld id="{1D8BD707-D9CF-40AE-B4C6-C98DA3205C09}" type="datetimeFigureOut">
               <a:rPr lang="en-US" smtClean="0"/>
               <a:pPr/>
-              <a:t>8/1/2011</a:t>
+              <a:t>12/8/2025</a:t>
             </a:fld>
             <a:endParaRPr lang="en-US"/>
           </a:p>
@@ -4242,7 +4044,7 @@
             <a:fld id="{1D8BD707-D9CF-40AE-B4C6-C98DA3205C09}" type="datetimeFigureOut">
               <a:rPr lang="en-US" smtClean="0"/>
               <a:pPr/>
-              <a:t>8/1/2011</a:t>
+              <a:t>12/8/2025</a:t>
             </a:fld>
             <a:endParaRPr lang="en-US"/>
           </a:p>
@@ -4341,10 +4143,9 @@
           </a:lstStyle>
           <a:p>
             <a:r>
-              <a:rPr lang="en-US" smtClean="0"/>
+              <a:rPr lang="en-US"/>
               <a:t>Click to edit Master title style</a:t>
             </a:r>
-            <a:endParaRPr lang="en-US"/>
           </a:p>
         </p:txBody>
       </p:sp>
@@ -4398,38 +4199,37 @@
           <a:p>
             <a:pPr lvl="0"/>
             <a:r>
-              <a:rPr lang="en-US" smtClean="0"/>
+              <a:rPr lang="en-US"/>
               <a:t>Click to edit Master text styles</a:t>
             </a:r>
           </a:p>
           <a:p>
             <a:pPr lvl="1"/>
             <a:r>
-              <a:rPr lang="en-US" smtClean="0"/>
+              <a:rPr lang="en-US"/>
               <a:t>Second level</a:t>
             </a:r>
           </a:p>
           <a:p>
             <a:pPr lvl="2"/>
             <a:r>
-              <a:rPr lang="en-US" smtClean="0"/>
+              <a:rPr lang="en-US"/>
               <a:t>Third level</a:t>
             </a:r>
           </a:p>
           <a:p>
             <a:pPr lvl="3"/>
             <a:r>
-              <a:rPr lang="en-US" smtClean="0"/>
+              <a:rPr lang="en-US"/>
               <a:t>Fourth level</a:t>
             </a:r>
           </a:p>
           <a:p>
             <a:pPr lvl="4"/>
             <a:r>
-              <a:rPr lang="en-US" smtClean="0"/>
+              <a:rPr lang="en-US"/>
               <a:t>Fifth level</a:t>
             </a:r>
-            <a:endParaRPr lang="en-US"/>
           </a:p>
         </p:txBody>
       </p:sp>
@@ -4492,7 +4292,7 @@
           <a:p>
             <a:pPr lvl="0"/>
             <a:r>
-              <a:rPr lang="en-US" smtClean="0"/>
+              <a:rPr lang="en-US"/>
               <a:t>Click to edit Master text styles</a:t>
             </a:r>
           </a:p>
@@ -4516,7 +4316,7 @@
             <a:fld id="{1D8BD707-D9CF-40AE-B4C6-C98DA3205C09}" type="datetimeFigureOut">
               <a:rPr lang="en-US" smtClean="0"/>
               <a:pPr/>
-              <a:t>8/1/2011</a:t>
+              <a:t>12/8/2025</a:t>
             </a:fld>
             <a:endParaRPr lang="en-US"/>
           </a:p>
@@ -4615,10 +4415,9 @@
           </a:lstStyle>
           <a:p>
             <a:r>
-              <a:rPr lang="en-US" smtClean="0"/>
+              <a:rPr lang="en-US"/>
               <a:t>Click to edit Master title style</a:t>
             </a:r>
-            <a:endParaRPr lang="en-US"/>
           </a:p>
         </p:txBody>
       </p:sp>
@@ -4742,7 +4541,7 @@
           <a:p>
             <a:pPr lvl="0"/>
             <a:r>
-              <a:rPr lang="en-US" smtClean="0"/>
+              <a:rPr lang="en-US"/>
               <a:t>Click to edit Master text styles</a:t>
             </a:r>
           </a:p>
@@ -4766,7 +4565,7 @@
             <a:fld id="{1D8BD707-D9CF-40AE-B4C6-C98DA3205C09}" type="datetimeFigureOut">
               <a:rPr lang="en-US" smtClean="0"/>
               <a:pPr/>
-              <a:t>8/1/2011</a:t>
+              <a:t>12/8/2025</a:t>
             </a:fld>
             <a:endParaRPr lang="en-US"/>
           </a:p>
@@ -4871,10 +4670,9 @@
           <a:lstStyle/>
           <a:p>
             <a:r>
-              <a:rPr lang="en-US" smtClean="0"/>
+              <a:rPr lang="en-US"/>
               <a:t>Click to edit Master title style</a:t>
             </a:r>
-            <a:endParaRPr lang="en-US"/>
           </a:p>
         </p:txBody>
       </p:sp>
@@ -4905,38 +4703,37 @@
           <a:p>
             <a:pPr lvl="0"/>
             <a:r>
-              <a:rPr lang="en-US" smtClean="0"/>
+              <a:rPr lang="en-US"/>
               <a:t>Click to edit Master text styles</a:t>
             </a:r>
           </a:p>
           <a:p>
             <a:pPr lvl="1"/>
             <a:r>
-              <a:rPr lang="en-US" smtClean="0"/>
+              <a:rPr lang="en-US"/>
               <a:t>Second level</a:t>
             </a:r>
           </a:p>
           <a:p>
             <a:pPr lvl="2"/>
             <a:r>
-              <a:rPr lang="en-US" smtClean="0"/>
+              <a:rPr lang="en-US"/>
               <a:t>Third level</a:t>
             </a:r>
           </a:p>
           <a:p>
             <a:pPr lvl="3"/>
             <a:r>
-              <a:rPr lang="en-US" smtClean="0"/>
+              <a:rPr lang="en-US"/>
               <a:t>Fourth level</a:t>
             </a:r>
           </a:p>
           <a:p>
             <a:pPr lvl="4"/>
             <a:r>
-              <a:rPr lang="en-US" smtClean="0"/>
+              <a:rPr lang="en-US"/>
               <a:t>Fifth level</a:t>
             </a:r>
-            <a:endParaRPr lang="en-US"/>
           </a:p>
         </p:txBody>
       </p:sp>
@@ -4976,7 +4773,7 @@
             <a:fld id="{1D8BD707-D9CF-40AE-B4C6-C98DA3205C09}" type="datetimeFigureOut">
               <a:rPr lang="en-US" smtClean="0"/>
               <a:pPr/>
-              <a:t>8/1/2011</a:t>
+              <a:t>12/8/2025</a:t>
             </a:fld>
             <a:endParaRPr lang="en-US"/>
           </a:p>
@@ -5331,13 +5128,14 @@
 </file>
 
 <file path=ppt/slides/slide1.xml><?xml version="1.0" encoding="utf-8"?>
-<p:sld xmlns:p="http://schemas.openxmlformats.org/presentationml/2006/main" xmlns:a="http://schemas.openxmlformats.org/drawingml/2006/main" xmlns:r="http://schemas.openxmlformats.org/officeDocument/2006/relationships">
+<p:sld xmlns:a="http://schemas.openxmlformats.org/drawingml/2006/main" xmlns:r="http://schemas.openxmlformats.org/officeDocument/2006/relationships" xmlns:p="http://schemas.openxmlformats.org/presentationml/2006/main">
   <p:cSld>
     <p:bg>
       <p:bgPr>
         <a:solidFill>
           <a:srgbClr val="111111"/>
         </a:solidFill>
+        <a:effectLst/>
       </p:bgPr>
     </p:bg>
     <p:spTree>
@@ -5356,14 +5154,14 @@
       </p:grpSpPr>
       <p:grpSp>
         <p:nvGrpSpPr>
-          <p:cNvPr name="Group 2" id="2"/>
+          <p:cNvPr id="2" name="Group 2"/>
           <p:cNvGrpSpPr>
-            <a:grpSpLocks noChangeAspect="true"/>
+            <a:grpSpLocks noChangeAspect="1"/>
           </p:cNvGrpSpPr>
           <p:nvPr/>
         </p:nvGrpSpPr>
         <p:grpSpPr>
-          <a:xfrm rot="0">
+          <a:xfrm>
             <a:off x="0" y="0"/>
             <a:ext cx="18288000" cy="10287000"/>
             <a:chOff x="0" y="0"/>
@@ -5372,12 +5170,12 @@
         </p:grpSpPr>
         <p:sp>
           <p:nvSpPr>
-            <p:cNvPr name="Freeform 3" id="3" descr="image.png"/>
+            <p:cNvPr id="3" name="Freeform 3" descr="image.png"/>
             <p:cNvSpPr/>
             <p:nvPr/>
           </p:nvSpPr>
           <p:spPr>
-            <a:xfrm flipH="false" flipV="false" rot="0">
+            <a:xfrm>
               <a:off x="0" y="0"/>
               <a:ext cx="24384000" cy="13716000"/>
             </a:xfrm>
@@ -5386,9 +5184,9 @@
               <a:gdLst/>
               <a:ahLst/>
               <a:cxnLst/>
-              <a:rect r="r" b="b" t="t" l="l"/>
+              <a:rect l="l" t="t" r="r" b="b"/>
               <a:pathLst>
-                <a:path h="13716000" w="24384000">
+                <a:path w="24384000" h="13716000">
                   <a:moveTo>
                     <a:pt x="0" y="0"/>
                   </a:moveTo>
@@ -5411,7 +5209,7 @@
             <a:blipFill>
               <a:blip r:embed="rId3"/>
               <a:stretch>
-                <a:fillRect l="0" t="0" r="0" b="0"/>
+                <a:fillRect/>
               </a:stretch>
             </a:blipFill>
           </p:spPr>
@@ -5419,12 +5217,12 @@
       </p:grpSp>
       <p:sp>
         <p:nvSpPr>
-          <p:cNvPr name="TextBox 4" id="4"/>
-          <p:cNvSpPr txBox="true"/>
+          <p:cNvPr id="4" name="TextBox 4"/>
+          <p:cNvSpPr txBox="1"/>
           <p:nvPr/>
         </p:nvSpPr>
         <p:spPr>
-          <a:xfrm rot="0">
+          <a:xfrm>
             <a:off x="442912" y="1503089"/>
             <a:ext cx="17402175" cy="3714750"/>
           </a:xfrm>
@@ -5433,7 +5231,7 @@
           </a:prstGeom>
         </p:spPr>
         <p:txBody>
-          <a:bodyPr anchor="t" rtlCol="false" tIns="0" lIns="0" bIns="0" rIns="0">
+          <a:bodyPr lIns="0" tIns="0" rIns="0" bIns="0" rtlCol="0" anchor="t">
             <a:spAutoFit/>
           </a:bodyPr>
           <a:lstStyle/>
@@ -5444,7 +5242,7 @@
               </a:lnSpc>
             </a:pPr>
             <a:r>
-              <a:rPr lang="en-US" b="true" sz="8100">
+              <a:rPr lang="en-US" sz="8100" b="1">
                 <a:solidFill>
                   <a:srgbClr val="F5F5F5"/>
                 </a:solidFill>
@@ -5456,7 +5254,7 @@
               <a:t>A2Z CORPORATION: </a:t>
             </a:r>
             <a:r>
-              <a:rPr lang="en-US" b="true" sz="8100">
+              <a:rPr lang="en-US" sz="8100" b="1">
                 <a:solidFill>
                   <a:srgbClr val="DEFF9A"/>
                 </a:solidFill>
@@ -5472,12 +5270,12 @@
       </p:sp>
       <p:sp>
         <p:nvSpPr>
-          <p:cNvPr name="TextBox 5" id="5"/>
-          <p:cNvSpPr txBox="true"/>
+          <p:cNvPr id="5" name="TextBox 5"/>
+          <p:cNvSpPr txBox="1"/>
           <p:nvPr/>
         </p:nvSpPr>
         <p:spPr>
-          <a:xfrm rot="0">
+          <a:xfrm>
             <a:off x="2800350" y="6163918"/>
             <a:ext cx="12973050" cy="1346835"/>
           </a:xfrm>
@@ -5486,7 +5284,7 @@
           </a:prstGeom>
         </p:spPr>
         <p:txBody>
-          <a:bodyPr anchor="t" rtlCol="false" tIns="0" lIns="0" bIns="0" rIns="0">
+          <a:bodyPr lIns="0" tIns="0" rIns="0" bIns="0" rtlCol="0" anchor="t">
             <a:spAutoFit/>
           </a:bodyPr>
           <a:lstStyle/>
@@ -5513,12 +5311,12 @@
       </p:sp>
       <p:sp>
         <p:nvSpPr>
-          <p:cNvPr name="TextBox 6" id="6"/>
-          <p:cNvSpPr txBox="true"/>
+          <p:cNvPr id="6" name="TextBox 6"/>
+          <p:cNvSpPr txBox="1"/>
           <p:nvPr/>
         </p:nvSpPr>
         <p:spPr>
-          <a:xfrm rot="0">
+          <a:xfrm>
             <a:off x="2800350" y="7536135"/>
             <a:ext cx="12944475" cy="692660"/>
           </a:xfrm>
@@ -5527,7 +5325,7 @@
           </a:prstGeom>
         </p:spPr>
         <p:txBody>
-          <a:bodyPr anchor="t" rtlCol="false" tIns="0" lIns="0" bIns="0" rIns="0">
+          <a:bodyPr lIns="0" tIns="0" rIns="0" bIns="0" rtlCol="0" anchor="t">
             <a:spAutoFit/>
           </a:bodyPr>
           <a:lstStyle/>
@@ -5561,13 +5359,14 @@
 </file>
 
 <file path=ppt/slides/slide2.xml><?xml version="1.0" encoding="utf-8"?>
-<p:sld xmlns:p="http://schemas.openxmlformats.org/presentationml/2006/main" xmlns:a="http://schemas.openxmlformats.org/drawingml/2006/main" xmlns:r="http://schemas.openxmlformats.org/officeDocument/2006/relationships">
+<p:sld xmlns:a="http://schemas.openxmlformats.org/drawingml/2006/main" xmlns:r="http://schemas.openxmlformats.org/officeDocument/2006/relationships" xmlns:p="http://schemas.openxmlformats.org/presentationml/2006/main">
   <p:cSld>
     <p:bg>
       <p:bgPr>
         <a:solidFill>
           <a:srgbClr val="111111"/>
         </a:solidFill>
+        <a:effectLst/>
       </p:bgPr>
     </p:bg>
     <p:spTree>
@@ -5586,14 +5385,14 @@
       </p:grpSpPr>
       <p:grpSp>
         <p:nvGrpSpPr>
-          <p:cNvPr name="Group 2" id="2"/>
+          <p:cNvPr id="2" name="Group 2"/>
           <p:cNvGrpSpPr>
-            <a:grpSpLocks noChangeAspect="true"/>
+            <a:grpSpLocks noChangeAspect="1"/>
           </p:cNvGrpSpPr>
           <p:nvPr/>
         </p:nvGrpSpPr>
         <p:grpSpPr>
-          <a:xfrm rot="0">
+          <a:xfrm>
             <a:off x="0" y="0"/>
             <a:ext cx="18288000" cy="10287000"/>
             <a:chOff x="0" y="0"/>
@@ -5602,12 +5401,12 @@
         </p:grpSpPr>
         <p:sp>
           <p:nvSpPr>
-            <p:cNvPr name="Freeform 3" id="3" descr="image.png"/>
+            <p:cNvPr id="3" name="Freeform 3" descr="image.png"/>
             <p:cNvSpPr/>
             <p:nvPr/>
           </p:nvSpPr>
           <p:spPr>
-            <a:xfrm flipH="false" flipV="false" rot="0">
+            <a:xfrm>
               <a:off x="0" y="0"/>
               <a:ext cx="24384000" cy="13716000"/>
             </a:xfrm>
@@ -5616,9 +5415,9 @@
               <a:gdLst/>
               <a:ahLst/>
               <a:cxnLst/>
-              <a:rect r="r" b="b" t="t" l="l"/>
+              <a:rect l="l" t="t" r="r" b="b"/>
               <a:pathLst>
-                <a:path h="13716000" w="24384000">
+                <a:path w="24384000" h="13716000">
                   <a:moveTo>
                     <a:pt x="0" y="0"/>
                   </a:moveTo>
@@ -5641,7 +5440,7 @@
             <a:blipFill>
               <a:blip r:embed="rId3"/>
               <a:stretch>
-                <a:fillRect l="0" t="0" r="0" b="0"/>
+                <a:fillRect/>
               </a:stretch>
             </a:blipFill>
           </p:spPr>
@@ -5649,12 +5448,12 @@
       </p:grpSp>
       <p:grpSp>
         <p:nvGrpSpPr>
-          <p:cNvPr name="Group 4" id="4"/>
+          <p:cNvPr id="4" name="Group 4"/>
           <p:cNvGrpSpPr/>
           <p:nvPr/>
         </p:nvGrpSpPr>
         <p:grpSpPr>
-          <a:xfrm rot="0">
+          <a:xfrm>
             <a:off x="857250" y="1897335"/>
             <a:ext cx="16573500" cy="14288"/>
             <a:chOff x="0" y="0"/>
@@ -5663,12 +5462,12 @@
         </p:grpSpPr>
         <p:sp>
           <p:nvSpPr>
-            <p:cNvPr name="Freeform 5" id="5"/>
+            <p:cNvPr id="5" name="Freeform 5"/>
             <p:cNvSpPr/>
             <p:nvPr/>
           </p:nvSpPr>
           <p:spPr>
-            <a:xfrm flipH="false" flipV="false" rot="0">
+            <a:xfrm>
               <a:off x="0" y="0"/>
               <a:ext cx="22098000" cy="19050"/>
             </a:xfrm>
@@ -5677,9 +5476,9 @@
               <a:gdLst/>
               <a:ahLst/>
               <a:cxnLst/>
-              <a:rect r="r" b="b" t="t" l="l"/>
+              <a:rect l="l" t="t" r="r" b="b"/>
               <a:pathLst>
-                <a:path h="19050" w="22098000">
+                <a:path w="22098000" h="19050">
                   <a:moveTo>
                     <a:pt x="0" y="0"/>
                   </a:moveTo>
@@ -5709,12 +5508,12 @@
       </p:grpSp>
       <p:sp>
         <p:nvSpPr>
-          <p:cNvPr name="Freeform 6" id="6"/>
+          <p:cNvPr id="6" name="Freeform 6"/>
           <p:cNvSpPr/>
           <p:nvPr/>
         </p:nvSpPr>
         <p:spPr>
-          <a:xfrm flipH="false" flipV="false" rot="0">
+          <a:xfrm>
             <a:off x="9887314" y="2580602"/>
             <a:ext cx="7981883" cy="5966458"/>
           </a:xfrm>
@@ -5723,9 +5522,9 @@
             <a:gdLst/>
             <a:ahLst/>
             <a:cxnLst/>
-            <a:rect r="r" b="b" t="t" l="l"/>
+            <a:rect l="l" t="t" r="r" b="b"/>
             <a:pathLst>
-              <a:path h="5966458" w="7981883">
+              <a:path w="7981883" h="5966458">
                 <a:moveTo>
                   <a:pt x="0" y="0"/>
                 </a:moveTo>
@@ -5748,19 +5547,19 @@
           <a:blipFill>
             <a:blip r:embed="rId4"/>
             <a:stretch>
-              <a:fillRect l="0" t="0" r="0" b="0"/>
+              <a:fillRect/>
             </a:stretch>
           </a:blipFill>
         </p:spPr>
       </p:sp>
       <p:sp>
         <p:nvSpPr>
-          <p:cNvPr name="TextBox 7" id="7"/>
-          <p:cNvSpPr txBox="true"/>
+          <p:cNvPr id="7" name="TextBox 7"/>
+          <p:cNvSpPr txBox="1"/>
           <p:nvPr/>
         </p:nvSpPr>
         <p:spPr>
-          <a:xfrm rot="0">
+          <a:xfrm>
             <a:off x="857250" y="762000"/>
             <a:ext cx="5830491" cy="918059"/>
           </a:xfrm>
@@ -5769,7 +5568,7 @@
           </a:prstGeom>
         </p:spPr>
         <p:txBody>
-          <a:bodyPr anchor="t" rtlCol="false" tIns="0" lIns="0" bIns="0" rIns="0">
+          <a:bodyPr lIns="0" tIns="0" rIns="0" bIns="0" rtlCol="0" anchor="t">
             <a:spAutoFit/>
           </a:bodyPr>
           <a:lstStyle/>
@@ -5780,7 +5579,7 @@
               </a:lnSpc>
             </a:pPr>
             <a:r>
-              <a:rPr lang="en-US" b="true" sz="5400">
+              <a:rPr lang="en-US" sz="5400" b="1">
                 <a:solidFill>
                   <a:srgbClr val="F5F5F5"/>
                 </a:solidFill>
@@ -5789,31 +5588,19 @@
                 <a:cs typeface="Arimo Bold"/>
                 <a:sym typeface="Arimo Bold"/>
               </a:rPr>
-              <a:t> </a:t>
-            </a:r>
-            <a:r>
-              <a:rPr lang="en-US" b="true" sz="5400">
-                <a:solidFill>
-                  <a:srgbClr val="F5F5F5"/>
-                </a:solidFill>
-                <a:latin typeface="Arimo Bold"/>
-                <a:ea typeface="Arimo Bold"/>
-                <a:cs typeface="Arimo Bold"/>
-                <a:sym typeface="Arimo Bold"/>
-              </a:rPr>
-              <a:t>SYSTEM DESIGN</a:t>
-            </a:r>
-          </a:p>
-        </p:txBody>
-      </p:sp>
-      <p:sp>
-        <p:nvSpPr>
-          <p:cNvPr name="TextBox 8" id="8"/>
-          <p:cNvSpPr txBox="true"/>
+              <a:t> SYSTEM DESIGN</a:t>
+            </a:r>
+          </a:p>
+        </p:txBody>
+      </p:sp>
+      <p:sp>
+        <p:nvSpPr>
+          <p:cNvPr id="8" name="TextBox 8"/>
+          <p:cNvSpPr txBox="1"/>
           <p:nvPr/>
         </p:nvSpPr>
         <p:spPr>
-          <a:xfrm rot="0">
+          <a:xfrm>
             <a:off x="857250" y="2979762"/>
             <a:ext cx="6512957" cy="495300"/>
           </a:xfrm>
@@ -5822,7 +5609,7 @@
           </a:prstGeom>
         </p:spPr>
         <p:txBody>
-          <a:bodyPr anchor="t" rtlCol="false" tIns="0" lIns="0" bIns="0" rIns="0">
+          <a:bodyPr lIns="0" tIns="0" rIns="0" bIns="0" rtlCol="0" anchor="t">
             <a:spAutoFit/>
           </a:bodyPr>
           <a:lstStyle/>
@@ -5849,12 +5636,12 @@
       </p:sp>
       <p:sp>
         <p:nvSpPr>
-          <p:cNvPr name="TextBox 9" id="9"/>
-          <p:cNvSpPr txBox="true"/>
+          <p:cNvPr id="9" name="TextBox 9"/>
+          <p:cNvSpPr txBox="1"/>
           <p:nvPr/>
         </p:nvSpPr>
         <p:spPr>
-          <a:xfrm rot="0">
+          <a:xfrm>
             <a:off x="857250" y="3598887"/>
             <a:ext cx="7858125" cy="1085850"/>
           </a:xfrm>
@@ -5863,7 +5650,7 @@
           </a:prstGeom>
         </p:spPr>
         <p:txBody>
-          <a:bodyPr anchor="t" rtlCol="false" tIns="0" lIns="0" bIns="0" rIns="0">
+          <a:bodyPr lIns="0" tIns="0" rIns="0" bIns="0" rtlCol="0" anchor="t">
             <a:spAutoFit/>
           </a:bodyPr>
           <a:lstStyle/>
@@ -5874,7 +5661,7 @@
               </a:lnSpc>
             </a:pPr>
             <a:r>
-              <a:rPr lang="en-US" b="true" sz="2250">
+              <a:rPr lang="en-US" sz="2250" b="1">
                 <a:solidFill>
                   <a:srgbClr val="E0E0E0"/>
                 </a:solidFill>
@@ -5902,12 +5689,12 @@
       </p:sp>
       <p:sp>
         <p:nvSpPr>
-          <p:cNvPr name="TextBox 10" id="10"/>
-          <p:cNvSpPr txBox="true"/>
+          <p:cNvPr id="10" name="TextBox 10"/>
+          <p:cNvSpPr txBox="1"/>
           <p:nvPr/>
         </p:nvSpPr>
         <p:spPr>
-          <a:xfrm rot="0">
+          <a:xfrm>
             <a:off x="857250" y="8172450"/>
             <a:ext cx="7858125" cy="1085850"/>
           </a:xfrm>
@@ -5916,7 +5703,7 @@
           </a:prstGeom>
         </p:spPr>
         <p:txBody>
-          <a:bodyPr anchor="t" rtlCol="false" tIns="0" lIns="0" bIns="0" rIns="0">
+          <a:bodyPr lIns="0" tIns="0" rIns="0" bIns="0" rtlCol="0" anchor="t">
             <a:spAutoFit/>
           </a:bodyPr>
           <a:lstStyle/>
@@ -5943,12 +5730,12 @@
       </p:sp>
       <p:sp>
         <p:nvSpPr>
-          <p:cNvPr name="TextBox 11" id="11"/>
-          <p:cNvSpPr txBox="true"/>
+          <p:cNvPr id="11" name="TextBox 11"/>
+          <p:cNvSpPr txBox="1"/>
           <p:nvPr/>
         </p:nvSpPr>
         <p:spPr>
-          <a:xfrm rot="0">
+          <a:xfrm>
             <a:off x="1466850" y="4799037"/>
             <a:ext cx="7248525" cy="1051560"/>
           </a:xfrm>
@@ -5957,12 +5744,12 @@
           </a:prstGeom>
         </p:spPr>
         <p:txBody>
-          <a:bodyPr anchor="t" rtlCol="false" tIns="0" lIns="0" bIns="0" rIns="0">
+          <a:bodyPr lIns="0" tIns="0" rIns="0" bIns="0" rtlCol="0" anchor="t">
             <a:spAutoFit/>
           </a:bodyPr>
           <a:lstStyle/>
           <a:p>
-            <a:pPr algn="l" marL="485775" indent="-242888" lvl="1">
+            <a:pPr marL="485775" lvl="1" indent="-242888" algn="l">
               <a:lnSpc>
                 <a:spcPts val="4320"/>
               </a:lnSpc>
@@ -5970,7 +5757,7 @@
               <a:buChar char="•"/>
             </a:pPr>
             <a:r>
-              <a:rPr lang="en-US" b="true" sz="2250">
+              <a:rPr lang="en-US" sz="2250" b="1">
                 <a:solidFill>
                   <a:srgbClr val="E0E0E0"/>
                 </a:solidFill>
@@ -5998,12 +5785,12 @@
       </p:sp>
       <p:sp>
         <p:nvSpPr>
-          <p:cNvPr name="TextBox 12" id="12"/>
-          <p:cNvSpPr txBox="true"/>
+          <p:cNvPr id="12" name="TextBox 12"/>
+          <p:cNvSpPr txBox="1"/>
           <p:nvPr/>
         </p:nvSpPr>
         <p:spPr>
-          <a:xfrm rot="0">
+          <a:xfrm>
             <a:off x="1466850" y="5885668"/>
             <a:ext cx="7248525" cy="1051560"/>
           </a:xfrm>
@@ -6012,12 +5799,12 @@
           </a:prstGeom>
         </p:spPr>
         <p:txBody>
-          <a:bodyPr anchor="t" rtlCol="false" tIns="0" lIns="0" bIns="0" rIns="0">
+          <a:bodyPr lIns="0" tIns="0" rIns="0" bIns="0" rtlCol="0" anchor="t">
             <a:spAutoFit/>
           </a:bodyPr>
           <a:lstStyle/>
           <a:p>
-            <a:pPr algn="l" marL="485775" indent="-242888" lvl="1">
+            <a:pPr marL="485775" lvl="1" indent="-242888" algn="l">
               <a:lnSpc>
                 <a:spcPts val="4320"/>
               </a:lnSpc>
@@ -6025,7 +5812,7 @@
               <a:buChar char="•"/>
             </a:pPr>
             <a:r>
-              <a:rPr lang="en-US" b="true" sz="2250">
+              <a:rPr lang="en-US" sz="2250" b="1">
                 <a:solidFill>
                   <a:srgbClr val="E0E0E0"/>
                 </a:solidFill>
@@ -6053,12 +5840,12 @@
       </p:sp>
       <p:sp>
         <p:nvSpPr>
-          <p:cNvPr name="TextBox 13" id="13"/>
-          <p:cNvSpPr txBox="true"/>
+          <p:cNvPr id="13" name="TextBox 13"/>
+          <p:cNvSpPr txBox="1"/>
           <p:nvPr/>
         </p:nvSpPr>
         <p:spPr>
-          <a:xfrm rot="0">
+          <a:xfrm>
             <a:off x="1466850" y="6913587"/>
             <a:ext cx="7248525" cy="1051560"/>
           </a:xfrm>
@@ -6067,12 +5854,12 @@
           </a:prstGeom>
         </p:spPr>
         <p:txBody>
-          <a:bodyPr anchor="t" rtlCol="false" tIns="0" lIns="0" bIns="0" rIns="0">
+          <a:bodyPr lIns="0" tIns="0" rIns="0" bIns="0" rtlCol="0" anchor="t">
             <a:spAutoFit/>
           </a:bodyPr>
           <a:lstStyle/>
           <a:p>
-            <a:pPr algn="l" marL="485775" indent="-242888" lvl="1">
+            <a:pPr marL="485775" lvl="1" indent="-242888" algn="l">
               <a:lnSpc>
                 <a:spcPts val="4320"/>
               </a:lnSpc>
@@ -6080,7 +5867,7 @@
               <a:buChar char="•"/>
             </a:pPr>
             <a:r>
-              <a:rPr lang="en-US" b="true" sz="2250">
+              <a:rPr lang="en-US" sz="2250" b="1" dirty="0">
                 <a:solidFill>
                   <a:srgbClr val="E0E0E0"/>
                 </a:solidFill>
@@ -6089,10 +5876,10 @@
                 <a:cs typeface="Arimo Bold"/>
                 <a:sym typeface="Arimo Bold"/>
               </a:rPr>
-              <a:t>Boundary Control:</a:t>
-            </a:r>
-            <a:r>
-              <a:rPr lang="en-US" sz="2250">
+              <a:t>Control:</a:t>
+            </a:r>
+            <a:r>
+              <a:rPr lang="en-US" sz="2250" dirty="0">
                 <a:solidFill>
                   <a:srgbClr val="E0E0E0"/>
                 </a:solidFill>
@@ -6115,13 +5902,14 @@
 </file>
 
 <file path=ppt/slides/slide3.xml><?xml version="1.0" encoding="utf-8"?>
-<p:sld xmlns:p="http://schemas.openxmlformats.org/presentationml/2006/main" xmlns:a="http://schemas.openxmlformats.org/drawingml/2006/main" xmlns:r="http://schemas.openxmlformats.org/officeDocument/2006/relationships">
+<p:sld xmlns:a="http://schemas.openxmlformats.org/drawingml/2006/main" xmlns:r="http://schemas.openxmlformats.org/officeDocument/2006/relationships" xmlns:p="http://schemas.openxmlformats.org/presentationml/2006/main">
   <p:cSld>
     <p:bg>
       <p:bgPr>
         <a:solidFill>
           <a:srgbClr val="111111"/>
         </a:solidFill>
+        <a:effectLst/>
       </p:bgPr>
     </p:bg>
     <p:spTree>
@@ -6138,149 +5926,23 @@
           <a:chExt cx="0" cy="0"/>
         </a:xfrm>
       </p:grpSpPr>
-      <p:grpSp>
-        <p:nvGrpSpPr>
-          <p:cNvPr name="Group 2" id="2"/>
-          <p:cNvGrpSpPr>
-            <a:grpSpLocks noChangeAspect="true"/>
-          </p:cNvGrpSpPr>
+      <p:sp>
+        <p:nvSpPr>
+          <p:cNvPr id="2" name="TextBox 2"/>
+          <p:cNvSpPr txBox="1"/>
           <p:nvPr/>
-        </p:nvGrpSpPr>
-        <p:grpSpPr>
-          <a:xfrm rot="0">
-            <a:off x="0" y="0"/>
-            <a:ext cx="18288000" cy="10287000"/>
-            <a:chOff x="0" y="0"/>
-            <a:chExt cx="24384000" cy="13716000"/>
-          </a:xfrm>
-        </p:grpSpPr>
-        <p:sp>
-          <p:nvSpPr>
-            <p:cNvPr name="Freeform 3" id="3" descr="image.png"/>
-            <p:cNvSpPr/>
-            <p:nvPr/>
-          </p:nvSpPr>
-          <p:spPr>
-            <a:xfrm flipH="false" flipV="false" rot="0">
-              <a:off x="0" y="0"/>
-              <a:ext cx="24384000" cy="13716000"/>
-            </a:xfrm>
-            <a:custGeom>
-              <a:avLst/>
-              <a:gdLst/>
-              <a:ahLst/>
-              <a:cxnLst/>
-              <a:rect r="r" b="b" t="t" l="l"/>
-              <a:pathLst>
-                <a:path h="13716000" w="24384000">
-                  <a:moveTo>
-                    <a:pt x="0" y="0"/>
-                  </a:moveTo>
-                  <a:lnTo>
-                    <a:pt x="24384000" y="0"/>
-                  </a:lnTo>
-                  <a:lnTo>
-                    <a:pt x="24384000" y="13716000"/>
-                  </a:lnTo>
-                  <a:lnTo>
-                    <a:pt x="0" y="13716000"/>
-                  </a:lnTo>
-                  <a:lnTo>
-                    <a:pt x="0" y="0"/>
-                  </a:lnTo>
-                  <a:close/>
-                </a:path>
-              </a:pathLst>
-            </a:custGeom>
-            <a:blipFill>
-              <a:blip r:embed="rId3"/>
-              <a:stretch>
-                <a:fillRect l="0" t="0" r="0" b="0"/>
-              </a:stretch>
-            </a:blipFill>
-          </p:spPr>
-        </p:sp>
-      </p:grpSp>
-      <p:grpSp>
-        <p:nvGrpSpPr>
-          <p:cNvPr name="Group 4" id="4"/>
-          <p:cNvGrpSpPr>
-            <a:grpSpLocks noChangeAspect="true"/>
-          </p:cNvGrpSpPr>
-          <p:nvPr/>
-        </p:nvGrpSpPr>
-        <p:grpSpPr>
-          <a:xfrm rot="0">
-            <a:off x="857250" y="3397522"/>
-            <a:ext cx="10477425" cy="4429125"/>
-            <a:chOff x="0" y="0"/>
-            <a:chExt cx="13969900" cy="5905500"/>
-          </a:xfrm>
-        </p:grpSpPr>
-        <p:sp>
-          <p:nvSpPr>
-            <p:cNvPr name="Freeform 5" id="5" descr="image.png"/>
-            <p:cNvSpPr/>
-            <p:nvPr/>
-          </p:nvSpPr>
-          <p:spPr>
-            <a:xfrm flipH="false" flipV="false" rot="0">
-              <a:off x="0" y="0"/>
-              <a:ext cx="13969873" cy="5905500"/>
-            </a:xfrm>
-            <a:custGeom>
-              <a:avLst/>
-              <a:gdLst/>
-              <a:ahLst/>
-              <a:cxnLst/>
-              <a:rect r="r" b="b" t="t" l="l"/>
-              <a:pathLst>
-                <a:path h="5905500" w="13969873">
-                  <a:moveTo>
-                    <a:pt x="0" y="0"/>
-                  </a:moveTo>
-                  <a:lnTo>
-                    <a:pt x="13969873" y="0"/>
-                  </a:lnTo>
-                  <a:lnTo>
-                    <a:pt x="13969873" y="5905500"/>
-                  </a:lnTo>
-                  <a:lnTo>
-                    <a:pt x="0" y="5905500"/>
-                  </a:lnTo>
-                  <a:lnTo>
-                    <a:pt x="0" y="0"/>
-                  </a:lnTo>
-                  <a:close/>
-                </a:path>
-              </a:pathLst>
-            </a:custGeom>
-            <a:blipFill>
-              <a:blip r:embed="rId4"/>
-              <a:stretch>
-                <a:fillRect l="0" t="0" r="0" b="-230"/>
-              </a:stretch>
-            </a:blipFill>
-          </p:spPr>
-        </p:sp>
-      </p:grpSp>
-      <p:sp>
-        <p:nvSpPr>
-          <p:cNvPr name="TextBox 6" id="6"/>
-          <p:cNvSpPr txBox="true"/>
-          <p:nvPr/>
-        </p:nvSpPr>
-        <p:spPr>
-          <a:xfrm rot="0">
+        </p:nvSpPr>
+        <p:spPr>
+          <a:xfrm>
             <a:off x="857250" y="762000"/>
-            <a:ext cx="13030320" cy="918059"/>
-          </a:xfrm>
-          <a:prstGeom prst="rect">
-            <a:avLst/>
-          </a:prstGeom>
-        </p:spPr>
-        <p:txBody>
-          <a:bodyPr anchor="t" rtlCol="false" tIns="0" lIns="0" bIns="0" rIns="0">
+            <a:ext cx="17402175" cy="1822934"/>
+          </a:xfrm>
+          <a:prstGeom prst="rect">
+            <a:avLst/>
+          </a:prstGeom>
+        </p:spPr>
+        <p:txBody>
+          <a:bodyPr lIns="0" tIns="0" rIns="0" bIns="0" rtlCol="0" anchor="t">
             <a:spAutoFit/>
           </a:bodyPr>
           <a:lstStyle/>
@@ -6291,7 +5953,7 @@
               </a:lnSpc>
             </a:pPr>
             <a:r>
-              <a:rPr lang="en-US" b="true" sz="5400">
+              <a:rPr lang="en-US" sz="5400" b="1">
                 <a:solidFill>
                   <a:srgbClr val="F5F5F5"/>
                 </a:solidFill>
@@ -6300,32 +5962,20 @@
                 <a:cs typeface="Arimo Bold"/>
                 <a:sym typeface="Arimo Bold"/>
               </a:rPr>
-              <a:t> </a:t>
-            </a:r>
-            <a:r>
-              <a:rPr lang="en-US" b="true" sz="5400">
-                <a:solidFill>
-                  <a:srgbClr val="F5F5F5"/>
-                </a:solidFill>
-                <a:latin typeface="Arimo Bold"/>
-                <a:ea typeface="Arimo Bold"/>
-                <a:cs typeface="Arimo Bold"/>
-                <a:sym typeface="Arimo Bold"/>
-              </a:rPr>
-              <a:t>NETWORK SEGMENTATION &amp; IP PLAN</a:t>
+              <a:t>IMPLEMENTED SECURITY MEASURES: UFW FIREWALL</a:t>
             </a:r>
           </a:p>
         </p:txBody>
       </p:sp>
       <p:grpSp>
         <p:nvGrpSpPr>
-          <p:cNvPr name="Group 7" id="7"/>
+          <p:cNvPr id="3" name="Group 3"/>
           <p:cNvGrpSpPr/>
           <p:nvPr/>
         </p:nvGrpSpPr>
         <p:grpSpPr>
-          <a:xfrm rot="0">
-            <a:off x="857250" y="1897335"/>
+          <a:xfrm>
+            <a:off x="857250" y="2651670"/>
             <a:ext cx="16573500" cy="14288"/>
             <a:chOff x="0" y="0"/>
             <a:chExt cx="22098000" cy="19050"/>
@@ -6333,12 +5983,12 @@
         </p:grpSpPr>
         <p:sp>
           <p:nvSpPr>
-            <p:cNvPr name="Freeform 8" id="8"/>
+            <p:cNvPr id="4" name="Freeform 4"/>
             <p:cNvSpPr/>
             <p:nvPr/>
           </p:nvSpPr>
           <p:spPr>
-            <a:xfrm flipH="false" flipV="false" rot="0">
+            <a:xfrm>
               <a:off x="0" y="0"/>
               <a:ext cx="22098000" cy="19050"/>
             </a:xfrm>
@@ -6347,9 +5997,9 @@
               <a:gdLst/>
               <a:ahLst/>
               <a:cxnLst/>
-              <a:rect r="r" b="b" t="t" l="l"/>
+              <a:rect l="l" t="t" r="r" b="b"/>
               <a:pathLst>
-                <a:path h="19050" w="22098000">
+                <a:path w="22098000" h="19050">
                   <a:moveTo>
                     <a:pt x="0" y="0"/>
                   </a:moveTo>
@@ -6379,21 +6029,21 @@
       </p:grpSp>
       <p:sp>
         <p:nvSpPr>
-          <p:cNvPr name="TextBox 9" id="9"/>
-          <p:cNvSpPr txBox="true"/>
+          <p:cNvPr id="5" name="TextBox 5"/>
+          <p:cNvSpPr txBox="1"/>
           <p:nvPr/>
         </p:nvSpPr>
         <p:spPr>
-          <a:xfrm rot="0">
-            <a:off x="857250" y="2749822"/>
-            <a:ext cx="7240438" cy="495300"/>
-          </a:xfrm>
-          <a:prstGeom prst="rect">
-            <a:avLst/>
-          </a:prstGeom>
-        </p:spPr>
-        <p:txBody>
-          <a:bodyPr anchor="t" rtlCol="false" tIns="0" lIns="0" bIns="0" rIns="0">
+          <a:xfrm>
+            <a:off x="857250" y="3402024"/>
+            <a:ext cx="8251031" cy="504825"/>
+          </a:xfrm>
+          <a:prstGeom prst="rect">
+            <a:avLst/>
+          </a:prstGeom>
+        </p:spPr>
+        <p:txBody>
+          <a:bodyPr lIns="0" tIns="0" rIns="0" bIns="0" rtlCol="0" anchor="t">
             <a:spAutoFit/>
           </a:bodyPr>
           <a:lstStyle/>
@@ -6413,1150 +6063,28 @@
                 <a:cs typeface="Arimo"/>
                 <a:sym typeface="Arimo"/>
               </a:rPr>
-              <a:t>IP ADDRESSING AND COMPONENTS</a:t>
-            </a:r>
-          </a:p>
-        </p:txBody>
-      </p:sp>
-      <p:graphicFrame>
-        <p:nvGraphicFramePr>
-          <p:cNvPr name="Table 10" id="10"/>
-          <p:cNvGraphicFramePr>
-            <a:graphicFrameLocks noGrp="true"/>
-          </p:cNvGraphicFramePr>
+              <a:t>HOST-LEVEL ACCESS CONTROL</a:t>
+            </a:r>
+          </a:p>
+        </p:txBody>
+      </p:sp>
+      <p:sp>
+        <p:nvSpPr>
+          <p:cNvPr id="6" name="TextBox 6"/>
+          <p:cNvSpPr txBox="1"/>
           <p:nvPr/>
-        </p:nvGraphicFramePr>
-        <p:xfrm>
-          <a:off x="871538" y="3411810"/>
-          <a:ext cx="10420350" cy="4343400"/>
-        </p:xfrm>
-        <a:graphic>
-          <a:graphicData uri="http://schemas.openxmlformats.org/drawingml/2006/table">
-            <a:tbl>
-              <a:tblPr/>
-              <a:tblGrid>
-                <a:gridCol w="2196085"/>
-                <a:gridCol w="2706106"/>
-                <a:gridCol w="2444714"/>
-                <a:gridCol w="3073446"/>
-              </a:tblGrid>
-              <a:tr h="1085850">
-                <a:tc>
-                  <a:txBody>
-                    <a:bodyPr anchor="t" rtlCol="false"/>
-                    <a:lstStyle/>
-                    <a:p>
-                      <a:pPr algn="l">
-                        <a:lnSpc>
-                          <a:spcPts val="2430"/>
-                        </a:lnSpc>
-                        <a:defRPr/>
-                      </a:pPr>
-                      <a:r>
-                        <a:rPr lang="en-US" b="true" sz="2025">
-                          <a:solidFill>
-                            <a:srgbClr val="DEFF9A"/>
-                          </a:solidFill>
-                          <a:latin typeface="Arimo Bold"/>
-                          <a:ea typeface="Arimo Bold"/>
-                          <a:cs typeface="Arimo Bold"/>
-                          <a:sym typeface="Arimo Bold"/>
-                        </a:rPr>
-                        <a:t>Network Segment</a:t>
-                      </a:r>
-                      <a:endParaRPr lang="en-US" sz="1100"/>
-                    </a:p>
-                  </a:txBody>
-                  <a:tcPr marL="63500" marR="63500" marT="63500" marB="63500" anchor="ctr">
-                    <a:lnL cmpd="sng" algn="ctr" cap="flat" w="9525">
-                      <a:solidFill>
-                        <a:srgbClr val="000000"/>
-                      </a:solidFill>
-                      <a:prstDash val="solid"/>
-                      <a:round/>
-                      <a:headEnd type="none" w="med" len="med"/>
-                      <a:tailEnd type="none" w="med" len="med"/>
-                    </a:lnL>
-                    <a:lnR cmpd="sng" algn="ctr" cap="flat" w="9525">
-                      <a:solidFill>
-                        <a:srgbClr val="000000"/>
-                      </a:solidFill>
-                      <a:prstDash val="solid"/>
-                      <a:round/>
-                      <a:headEnd type="none" w="med" len="med"/>
-                      <a:tailEnd type="none" w="med" len="med"/>
-                    </a:lnR>
-                    <a:lnT cmpd="sng" algn="ctr" cap="flat" w="9525">
-                      <a:solidFill>
-                        <a:srgbClr val="000000"/>
-                      </a:solidFill>
-                      <a:prstDash val="solid"/>
-                      <a:round/>
-                      <a:headEnd type="none" w="med" len="med"/>
-                      <a:tailEnd type="none" w="med" len="med"/>
-                    </a:lnT>
-                    <a:lnB cmpd="sng" algn="ctr" cap="flat" w="9525">
-                      <a:solidFill>
-                        <a:srgbClr val="000000"/>
-                      </a:solidFill>
-                      <a:prstDash val="solid"/>
-                      <a:round/>
-                      <a:headEnd type="none" w="med" len="med"/>
-                      <a:tailEnd type="none" w="med" len="med"/>
-                    </a:lnB>
-                    <a:solidFill>
-                      <a:srgbClr val="252525"/>
-                    </a:solidFill>
-                  </a:tcPr>
-                </a:tc>
-                <a:tc>
-                  <a:txBody>
-                    <a:bodyPr anchor="t" rtlCol="false"/>
-                    <a:lstStyle/>
-                    <a:p>
-                      <a:pPr algn="l">
-                        <a:lnSpc>
-                          <a:spcPts val="2430"/>
-                        </a:lnSpc>
-                        <a:defRPr/>
-                      </a:pPr>
-                      <a:r>
-                        <a:rPr lang="en-US" b="true" sz="2025">
-                          <a:solidFill>
-                            <a:srgbClr val="DEFF9A"/>
-                          </a:solidFill>
-                          <a:latin typeface="Arimo Bold"/>
-                          <a:ea typeface="Arimo Bold"/>
-                          <a:cs typeface="Arimo Bold"/>
-                          <a:sym typeface="Arimo Bold"/>
-                        </a:rPr>
-                        <a:t>Subnet</a:t>
-                      </a:r>
-                      <a:endParaRPr lang="en-US" sz="1100"/>
-                    </a:p>
-                  </a:txBody>
-                  <a:tcPr marL="63500" marR="63500" marT="63500" marB="63500" anchor="ctr">
-                    <a:lnL cmpd="sng" algn="ctr" cap="flat" w="9525">
-                      <a:solidFill>
-                        <a:srgbClr val="000000"/>
-                      </a:solidFill>
-                      <a:prstDash val="solid"/>
-                      <a:round/>
-                      <a:headEnd type="none" w="med" len="med"/>
-                      <a:tailEnd type="none" w="med" len="med"/>
-                    </a:lnL>
-                    <a:lnR cmpd="sng" algn="ctr" cap="flat" w="9525">
-                      <a:solidFill>
-                        <a:srgbClr val="000000"/>
-                      </a:solidFill>
-                      <a:prstDash val="solid"/>
-                      <a:round/>
-                      <a:headEnd type="none" w="med" len="med"/>
-                      <a:tailEnd type="none" w="med" len="med"/>
-                    </a:lnR>
-                    <a:lnT cmpd="sng" algn="ctr" cap="flat" w="9525">
-                      <a:solidFill>
-                        <a:srgbClr val="000000"/>
-                      </a:solidFill>
-                      <a:prstDash val="solid"/>
-                      <a:round/>
-                      <a:headEnd type="none" w="med" len="med"/>
-                      <a:tailEnd type="none" w="med" len="med"/>
-                    </a:lnT>
-                    <a:lnB cmpd="sng" algn="ctr" cap="flat" w="9525">
-                      <a:solidFill>
-                        <a:srgbClr val="000000"/>
-                      </a:solidFill>
-                      <a:prstDash val="solid"/>
-                      <a:round/>
-                      <a:headEnd type="none" w="med" len="med"/>
-                      <a:tailEnd type="none" w="med" len="med"/>
-                    </a:lnB>
-                    <a:solidFill>
-                      <a:srgbClr val="252525"/>
-                    </a:solidFill>
-                  </a:tcPr>
-                </a:tc>
-                <a:tc>
-                  <a:txBody>
-                    <a:bodyPr anchor="t" rtlCol="false"/>
-                    <a:lstStyle/>
-                    <a:p>
-                      <a:pPr algn="l">
-                        <a:lnSpc>
-                          <a:spcPts val="2430"/>
-                        </a:lnSpc>
-                        <a:defRPr/>
-                      </a:pPr>
-                      <a:r>
-                        <a:rPr lang="en-US" b="true" sz="2025">
-                          <a:solidFill>
-                            <a:srgbClr val="DEFF9A"/>
-                          </a:solidFill>
-                          <a:latin typeface="Arimo Bold"/>
-                          <a:ea typeface="Arimo Bold"/>
-                          <a:cs typeface="Arimo Bold"/>
-                          <a:sym typeface="Arimo Bold"/>
-                        </a:rPr>
-                        <a:t>Router Gateway</a:t>
-                      </a:r>
-                      <a:endParaRPr lang="en-US" sz="1100"/>
-                    </a:p>
-                  </a:txBody>
-                  <a:tcPr marL="63500" marR="63500" marT="63500" marB="63500" anchor="ctr">
-                    <a:lnL cmpd="sng" algn="ctr" cap="flat" w="9525">
-                      <a:solidFill>
-                        <a:srgbClr val="000000"/>
-                      </a:solidFill>
-                      <a:prstDash val="solid"/>
-                      <a:round/>
-                      <a:headEnd type="none" w="med" len="med"/>
-                      <a:tailEnd type="none" w="med" len="med"/>
-                    </a:lnL>
-                    <a:lnR cmpd="sng" algn="ctr" cap="flat" w="9525">
-                      <a:solidFill>
-                        <a:srgbClr val="000000"/>
-                      </a:solidFill>
-                      <a:prstDash val="solid"/>
-                      <a:round/>
-                      <a:headEnd type="none" w="med" len="med"/>
-                      <a:tailEnd type="none" w="med" len="med"/>
-                    </a:lnR>
-                    <a:lnT cmpd="sng" algn="ctr" cap="flat" w="9525">
-                      <a:solidFill>
-                        <a:srgbClr val="000000"/>
-                      </a:solidFill>
-                      <a:prstDash val="solid"/>
-                      <a:round/>
-                      <a:headEnd type="none" w="med" len="med"/>
-                      <a:tailEnd type="none" w="med" len="med"/>
-                    </a:lnT>
-                    <a:lnB cmpd="sng" algn="ctr" cap="flat" w="9525">
-                      <a:solidFill>
-                        <a:srgbClr val="000000"/>
-                      </a:solidFill>
-                      <a:prstDash val="solid"/>
-                      <a:round/>
-                      <a:headEnd type="none" w="med" len="med"/>
-                      <a:tailEnd type="none" w="med" len="med"/>
-                    </a:lnB>
-                    <a:solidFill>
-                      <a:srgbClr val="252525"/>
-                    </a:solidFill>
-                  </a:tcPr>
-                </a:tc>
-                <a:tc>
-                  <a:txBody>
-                    <a:bodyPr anchor="t" rtlCol="false"/>
-                    <a:lstStyle/>
-                    <a:p>
-                      <a:pPr algn="l">
-                        <a:lnSpc>
-                          <a:spcPts val="2430"/>
-                        </a:lnSpc>
-                        <a:defRPr/>
-                      </a:pPr>
-                      <a:r>
-                        <a:rPr lang="en-US" b="true" sz="2025">
-                          <a:solidFill>
-                            <a:srgbClr val="DEFF9A"/>
-                          </a:solidFill>
-                          <a:latin typeface="Arimo Bold"/>
-                          <a:ea typeface="Arimo Bold"/>
-                          <a:cs typeface="Arimo Bold"/>
-                          <a:sym typeface="Arimo Bold"/>
-                        </a:rPr>
-                        <a:t>Device / IP Address</a:t>
-                      </a:r>
-                      <a:endParaRPr lang="en-US" sz="1100"/>
-                    </a:p>
-                  </a:txBody>
-                  <a:tcPr marL="63500" marR="63500" marT="63500" marB="63500" anchor="ctr">
-                    <a:lnL cmpd="sng" algn="ctr" cap="flat" w="9525">
-                      <a:solidFill>
-                        <a:srgbClr val="000000"/>
-                      </a:solidFill>
-                      <a:prstDash val="solid"/>
-                      <a:round/>
-                      <a:headEnd type="none" w="med" len="med"/>
-                      <a:tailEnd type="none" w="med" len="med"/>
-                    </a:lnL>
-                    <a:lnR cmpd="sng" algn="ctr" cap="flat" w="9525">
-                      <a:solidFill>
-                        <a:srgbClr val="000000"/>
-                      </a:solidFill>
-                      <a:prstDash val="solid"/>
-                      <a:round/>
-                      <a:headEnd type="none" w="med" len="med"/>
-                      <a:tailEnd type="none" w="med" len="med"/>
-                    </a:lnR>
-                    <a:lnT cmpd="sng" algn="ctr" cap="flat" w="9525">
-                      <a:solidFill>
-                        <a:srgbClr val="000000"/>
-                      </a:solidFill>
-                      <a:prstDash val="solid"/>
-                      <a:round/>
-                      <a:headEnd type="none" w="med" len="med"/>
-                      <a:tailEnd type="none" w="med" len="med"/>
-                    </a:lnT>
-                    <a:lnB cmpd="sng" algn="ctr" cap="flat" w="9525">
-                      <a:solidFill>
-                        <a:srgbClr val="000000"/>
-                      </a:solidFill>
-                      <a:prstDash val="solid"/>
-                      <a:round/>
-                      <a:headEnd type="none" w="med" len="med"/>
-                      <a:tailEnd type="none" w="med" len="med"/>
-                    </a:lnB>
-                    <a:solidFill>
-                      <a:srgbClr val="252525"/>
-                    </a:solidFill>
-                  </a:tcPr>
-                </a:tc>
-              </a:tr>
-              <a:tr h="1085850">
-                <a:tc>
-                  <a:txBody>
-                    <a:bodyPr anchor="t" rtlCol="false"/>
-                    <a:lstStyle/>
-                    <a:p>
-                      <a:pPr algn="l">
-                        <a:lnSpc>
-                          <a:spcPts val="2160"/>
-                        </a:lnSpc>
-                        <a:defRPr/>
-                      </a:pPr>
-                      <a:r>
-                        <a:rPr lang="en-US" sz="1800">
-                          <a:solidFill>
-                            <a:srgbClr val="E0E0E0"/>
-                          </a:solidFill>
-                          <a:latin typeface="Arimo"/>
-                          <a:ea typeface="Arimo"/>
-                          <a:cs typeface="Arimo"/>
-                          <a:sym typeface="Arimo"/>
-                        </a:rPr>
-                        <a:t>DMZ</a:t>
-                      </a:r>
-                      <a:endParaRPr lang="en-US" sz="1100"/>
-                    </a:p>
-                  </a:txBody>
-                  <a:tcPr marL="63500" marR="63500" marT="63500" marB="63500" anchor="ctr">
-                    <a:lnL cmpd="sng" algn="ctr" cap="flat" w="9525">
-                      <a:solidFill>
-                        <a:srgbClr val="000000"/>
-                      </a:solidFill>
-                      <a:prstDash val="solid"/>
-                      <a:round/>
-                      <a:headEnd type="none" w="med" len="med"/>
-                      <a:tailEnd type="none" w="med" len="med"/>
-                    </a:lnL>
-                    <a:lnR cmpd="sng" algn="ctr" cap="flat" w="9525">
-                      <a:solidFill>
-                        <a:srgbClr val="000000"/>
-                      </a:solidFill>
-                      <a:prstDash val="solid"/>
-                      <a:round/>
-                      <a:headEnd type="none" w="med" len="med"/>
-                      <a:tailEnd type="none" w="med" len="med"/>
-                    </a:lnR>
-                    <a:lnT cmpd="sng" algn="ctr" cap="flat" w="9525">
-                      <a:solidFill>
-                        <a:srgbClr val="000000"/>
-                      </a:solidFill>
-                      <a:prstDash val="solid"/>
-                      <a:round/>
-                      <a:headEnd type="none" w="med" len="med"/>
-                      <a:tailEnd type="none" w="med" len="med"/>
-                    </a:lnT>
-                    <a:lnB cmpd="sng" algn="ctr" cap="flat" w="9525">
-                      <a:solidFill>
-                        <a:srgbClr val="000000"/>
-                      </a:solidFill>
-                      <a:prstDash val="solid"/>
-                      <a:round/>
-                      <a:headEnd type="none" w="med" len="med"/>
-                      <a:tailEnd type="none" w="med" len="med"/>
-                    </a:lnB>
-                    <a:solidFill>
-                      <a:srgbClr val="1A1A1A"/>
-                    </a:solidFill>
-                  </a:tcPr>
-                </a:tc>
-                <a:tc>
-                  <a:txBody>
-                    <a:bodyPr anchor="t" rtlCol="false"/>
-                    <a:lstStyle/>
-                    <a:p>
-                      <a:pPr algn="l">
-                        <a:lnSpc>
-                          <a:spcPts val="2160"/>
-                        </a:lnSpc>
-                        <a:defRPr/>
-                      </a:pPr>
-                      <a:r>
-                        <a:rPr lang="en-US" sz="1800">
-                          <a:solidFill>
-                            <a:srgbClr val="E0E0E0"/>
-                          </a:solidFill>
-                          <a:latin typeface="Arimo"/>
-                          <a:ea typeface="Arimo"/>
-                          <a:cs typeface="Arimo"/>
-                          <a:sym typeface="Arimo"/>
-                        </a:rPr>
-                        <a:t>192.168.10.0/24</a:t>
-                      </a:r>
-                      <a:endParaRPr lang="en-US" sz="1100"/>
-                    </a:p>
-                  </a:txBody>
-                  <a:tcPr marL="63500" marR="63500" marT="63500" marB="63500" anchor="ctr">
-                    <a:lnL cmpd="sng" algn="ctr" cap="flat" w="9525">
-                      <a:solidFill>
-                        <a:srgbClr val="000000"/>
-                      </a:solidFill>
-                      <a:prstDash val="solid"/>
-                      <a:round/>
-                      <a:headEnd type="none" w="med" len="med"/>
-                      <a:tailEnd type="none" w="med" len="med"/>
-                    </a:lnL>
-                    <a:lnR cmpd="sng" algn="ctr" cap="flat" w="9525">
-                      <a:solidFill>
-                        <a:srgbClr val="000000"/>
-                      </a:solidFill>
-                      <a:prstDash val="solid"/>
-                      <a:round/>
-                      <a:headEnd type="none" w="med" len="med"/>
-                      <a:tailEnd type="none" w="med" len="med"/>
-                    </a:lnR>
-                    <a:lnT cmpd="sng" algn="ctr" cap="flat" w="9525">
-                      <a:solidFill>
-                        <a:srgbClr val="000000"/>
-                      </a:solidFill>
-                      <a:prstDash val="solid"/>
-                      <a:round/>
-                      <a:headEnd type="none" w="med" len="med"/>
-                      <a:tailEnd type="none" w="med" len="med"/>
-                    </a:lnT>
-                    <a:lnB cmpd="sng" algn="ctr" cap="flat" w="9525">
-                      <a:solidFill>
-                        <a:srgbClr val="000000"/>
-                      </a:solidFill>
-                      <a:prstDash val="solid"/>
-                      <a:round/>
-                      <a:headEnd type="none" w="med" len="med"/>
-                      <a:tailEnd type="none" w="med" len="med"/>
-                    </a:lnB>
-                    <a:solidFill>
-                      <a:srgbClr val="1A1A1A"/>
-                    </a:solidFill>
-                  </a:tcPr>
-                </a:tc>
-                <a:tc>
-                  <a:txBody>
-                    <a:bodyPr anchor="t" rtlCol="false"/>
-                    <a:lstStyle/>
-                    <a:p>
-                      <a:pPr algn="l">
-                        <a:lnSpc>
-                          <a:spcPts val="2160"/>
-                        </a:lnSpc>
-                        <a:defRPr/>
-                      </a:pPr>
-                      <a:r>
-                        <a:rPr lang="en-US" sz="1800">
-                          <a:solidFill>
-                            <a:srgbClr val="E0E0E0"/>
-                          </a:solidFill>
-                          <a:latin typeface="Arimo"/>
-                          <a:ea typeface="Arimo"/>
-                          <a:cs typeface="Arimo"/>
-                          <a:sym typeface="Arimo"/>
-                        </a:rPr>
-                        <a:t>192.168.10.1</a:t>
-                      </a:r>
-                      <a:endParaRPr lang="en-US" sz="1100"/>
-                    </a:p>
-                  </a:txBody>
-                  <a:tcPr marL="63500" marR="63500" marT="63500" marB="63500" anchor="ctr">
-                    <a:lnL cmpd="sng" algn="ctr" cap="flat" w="9525">
-                      <a:solidFill>
-                        <a:srgbClr val="000000"/>
-                      </a:solidFill>
-                      <a:prstDash val="solid"/>
-                      <a:round/>
-                      <a:headEnd type="none" w="med" len="med"/>
-                      <a:tailEnd type="none" w="med" len="med"/>
-                    </a:lnL>
-                    <a:lnR cmpd="sng" algn="ctr" cap="flat" w="9525">
-                      <a:solidFill>
-                        <a:srgbClr val="000000"/>
-                      </a:solidFill>
-                      <a:prstDash val="solid"/>
-                      <a:round/>
-                      <a:headEnd type="none" w="med" len="med"/>
-                      <a:tailEnd type="none" w="med" len="med"/>
-                    </a:lnR>
-                    <a:lnT cmpd="sng" algn="ctr" cap="flat" w="9525">
-                      <a:solidFill>
-                        <a:srgbClr val="000000"/>
-                      </a:solidFill>
-                      <a:prstDash val="solid"/>
-                      <a:round/>
-                      <a:headEnd type="none" w="med" len="med"/>
-                      <a:tailEnd type="none" w="med" len="med"/>
-                    </a:lnT>
-                    <a:lnB cmpd="sng" algn="ctr" cap="flat" w="9525">
-                      <a:solidFill>
-                        <a:srgbClr val="000000"/>
-                      </a:solidFill>
-                      <a:prstDash val="solid"/>
-                      <a:round/>
-                      <a:headEnd type="none" w="med" len="med"/>
-                      <a:tailEnd type="none" w="med" len="med"/>
-                    </a:lnB>
-                    <a:solidFill>
-                      <a:srgbClr val="1A1A1A"/>
-                    </a:solidFill>
-                  </a:tcPr>
-                </a:tc>
-                <a:tc>
-                  <a:txBody>
-                    <a:bodyPr anchor="t" rtlCol="false"/>
-                    <a:lstStyle/>
-                    <a:p>
-                      <a:pPr algn="l">
-                        <a:lnSpc>
-                          <a:spcPts val="2160"/>
-                        </a:lnSpc>
-                        <a:defRPr/>
-                      </a:pPr>
-                      <a:r>
-                        <a:rPr lang="en-US" sz="1800">
-                          <a:solidFill>
-                            <a:srgbClr val="E0E0E0"/>
-                          </a:solidFill>
-                          <a:latin typeface="Arimo"/>
-                          <a:ea typeface="Arimo"/>
-                          <a:cs typeface="Arimo"/>
-                          <a:sym typeface="Arimo"/>
-                        </a:rPr>
-                        <a:t>Ubuntu Server (192.168.10.10)</a:t>
-                      </a:r>
-                      <a:endParaRPr lang="en-US" sz="1100"/>
-                    </a:p>
-                  </a:txBody>
-                  <a:tcPr marL="63500" marR="63500" marT="63500" marB="63500" anchor="ctr">
-                    <a:lnL cmpd="sng" algn="ctr" cap="flat" w="9525">
-                      <a:solidFill>
-                        <a:srgbClr val="000000"/>
-                      </a:solidFill>
-                      <a:prstDash val="solid"/>
-                      <a:round/>
-                      <a:headEnd type="none" w="med" len="med"/>
-                      <a:tailEnd type="none" w="med" len="med"/>
-                    </a:lnL>
-                    <a:lnR cmpd="sng" algn="ctr" cap="flat" w="9525">
-                      <a:solidFill>
-                        <a:srgbClr val="000000"/>
-                      </a:solidFill>
-                      <a:prstDash val="solid"/>
-                      <a:round/>
-                      <a:headEnd type="none" w="med" len="med"/>
-                      <a:tailEnd type="none" w="med" len="med"/>
-                    </a:lnR>
-                    <a:lnT cmpd="sng" algn="ctr" cap="flat" w="9525">
-                      <a:solidFill>
-                        <a:srgbClr val="000000"/>
-                      </a:solidFill>
-                      <a:prstDash val="solid"/>
-                      <a:round/>
-                      <a:headEnd type="none" w="med" len="med"/>
-                      <a:tailEnd type="none" w="med" len="med"/>
-                    </a:lnT>
-                    <a:lnB cmpd="sng" algn="ctr" cap="flat" w="9525">
-                      <a:solidFill>
-                        <a:srgbClr val="000000"/>
-                      </a:solidFill>
-                      <a:prstDash val="solid"/>
-                      <a:round/>
-                      <a:headEnd type="none" w="med" len="med"/>
-                      <a:tailEnd type="none" w="med" len="med"/>
-                    </a:lnB>
-                    <a:solidFill>
-                      <a:srgbClr val="1A1A1A"/>
-                    </a:solidFill>
-                  </a:tcPr>
-                </a:tc>
-              </a:tr>
-              <a:tr h="1085850">
-                <a:tc>
-                  <a:txBody>
-                    <a:bodyPr anchor="t" rtlCol="false"/>
-                    <a:lstStyle/>
-                    <a:p>
-                      <a:pPr algn="l">
-                        <a:lnSpc>
-                          <a:spcPts val="2160"/>
-                        </a:lnSpc>
-                        <a:defRPr/>
-                      </a:pPr>
-                      <a:r>
-                        <a:rPr lang="en-US" sz="1800">
-                          <a:solidFill>
-                            <a:srgbClr val="E0E0E0"/>
-                          </a:solidFill>
-                          <a:latin typeface="Arimo"/>
-                          <a:ea typeface="Arimo"/>
-                          <a:cs typeface="Arimo"/>
-                          <a:sym typeface="Arimo"/>
-                        </a:rPr>
-                        <a:t>Internal LAN</a:t>
-                      </a:r>
-                      <a:endParaRPr lang="en-US" sz="1100"/>
-                    </a:p>
-                  </a:txBody>
-                  <a:tcPr marL="63500" marR="63500" marT="63500" marB="63500" anchor="ctr">
-                    <a:lnL cmpd="sng" algn="ctr" cap="flat" w="9525">
-                      <a:solidFill>
-                        <a:srgbClr val="000000"/>
-                      </a:solidFill>
-                      <a:prstDash val="solid"/>
-                      <a:round/>
-                      <a:headEnd type="none" w="med" len="med"/>
-                      <a:tailEnd type="none" w="med" len="med"/>
-                    </a:lnL>
-                    <a:lnR cmpd="sng" algn="ctr" cap="flat" w="9525">
-                      <a:solidFill>
-                        <a:srgbClr val="000000"/>
-                      </a:solidFill>
-                      <a:prstDash val="solid"/>
-                      <a:round/>
-                      <a:headEnd type="none" w="med" len="med"/>
-                      <a:tailEnd type="none" w="med" len="med"/>
-                    </a:lnR>
-                    <a:lnT cmpd="sng" algn="ctr" cap="flat" w="9525">
-                      <a:solidFill>
-                        <a:srgbClr val="000000"/>
-                      </a:solidFill>
-                      <a:prstDash val="solid"/>
-                      <a:round/>
-                      <a:headEnd type="none" w="med" len="med"/>
-                      <a:tailEnd type="none" w="med" len="med"/>
-                    </a:lnT>
-                    <a:lnB cmpd="sng" algn="ctr" cap="flat" w="9525">
-                      <a:solidFill>
-                        <a:srgbClr val="000000"/>
-                      </a:solidFill>
-                      <a:prstDash val="solid"/>
-                      <a:round/>
-                      <a:headEnd type="none" w="med" len="med"/>
-                      <a:tailEnd type="none" w="med" len="med"/>
-                    </a:lnB>
-                    <a:solidFill>
-                      <a:srgbClr val="1A1A1A"/>
-                    </a:solidFill>
-                  </a:tcPr>
-                </a:tc>
-                <a:tc>
-                  <a:txBody>
-                    <a:bodyPr anchor="t" rtlCol="false"/>
-                    <a:lstStyle/>
-                    <a:p>
-                      <a:pPr algn="l">
-                        <a:lnSpc>
-                          <a:spcPts val="2160"/>
-                        </a:lnSpc>
-                        <a:defRPr/>
-                      </a:pPr>
-                      <a:r>
-                        <a:rPr lang="en-US" sz="1800">
-                          <a:solidFill>
-                            <a:srgbClr val="E0E0E0"/>
-                          </a:solidFill>
-                          <a:latin typeface="Arimo"/>
-                          <a:ea typeface="Arimo"/>
-                          <a:cs typeface="Arimo"/>
-                          <a:sym typeface="Arimo"/>
-                        </a:rPr>
-                        <a:t>192.168.20.0/24</a:t>
-                      </a:r>
-                      <a:endParaRPr lang="en-US" sz="1100"/>
-                    </a:p>
-                  </a:txBody>
-                  <a:tcPr marL="63500" marR="63500" marT="63500" marB="63500" anchor="ctr">
-                    <a:lnL cmpd="sng" algn="ctr" cap="flat" w="9525">
-                      <a:solidFill>
-                        <a:srgbClr val="000000"/>
-                      </a:solidFill>
-                      <a:prstDash val="solid"/>
-                      <a:round/>
-                      <a:headEnd type="none" w="med" len="med"/>
-                      <a:tailEnd type="none" w="med" len="med"/>
-                    </a:lnL>
-                    <a:lnR cmpd="sng" algn="ctr" cap="flat" w="9525">
-                      <a:solidFill>
-                        <a:srgbClr val="000000"/>
-                      </a:solidFill>
-                      <a:prstDash val="solid"/>
-                      <a:round/>
-                      <a:headEnd type="none" w="med" len="med"/>
-                      <a:tailEnd type="none" w="med" len="med"/>
-                    </a:lnR>
-                    <a:lnT cmpd="sng" algn="ctr" cap="flat" w="9525">
-                      <a:solidFill>
-                        <a:srgbClr val="000000"/>
-                      </a:solidFill>
-                      <a:prstDash val="solid"/>
-                      <a:round/>
-                      <a:headEnd type="none" w="med" len="med"/>
-                      <a:tailEnd type="none" w="med" len="med"/>
-                    </a:lnT>
-                    <a:lnB cmpd="sng" algn="ctr" cap="flat" w="9525">
-                      <a:solidFill>
-                        <a:srgbClr val="000000"/>
-                      </a:solidFill>
-                      <a:prstDash val="solid"/>
-                      <a:round/>
-                      <a:headEnd type="none" w="med" len="med"/>
-                      <a:tailEnd type="none" w="med" len="med"/>
-                    </a:lnB>
-                    <a:solidFill>
-                      <a:srgbClr val="1A1A1A"/>
-                    </a:solidFill>
-                  </a:tcPr>
-                </a:tc>
-                <a:tc>
-                  <a:txBody>
-                    <a:bodyPr anchor="t" rtlCol="false"/>
-                    <a:lstStyle/>
-                    <a:p>
-                      <a:pPr algn="l">
-                        <a:lnSpc>
-                          <a:spcPts val="2160"/>
-                        </a:lnSpc>
-                        <a:defRPr/>
-                      </a:pPr>
-                      <a:r>
-                        <a:rPr lang="en-US" sz="1800">
-                          <a:solidFill>
-                            <a:srgbClr val="E0E0E0"/>
-                          </a:solidFill>
-                          <a:latin typeface="Arimo"/>
-                          <a:ea typeface="Arimo"/>
-                          <a:cs typeface="Arimo"/>
-                          <a:sym typeface="Arimo"/>
-                        </a:rPr>
-                        <a:t>192.168.20.1</a:t>
-                      </a:r>
-                      <a:endParaRPr lang="en-US" sz="1100"/>
-                    </a:p>
-                  </a:txBody>
-                  <a:tcPr marL="63500" marR="63500" marT="63500" marB="63500" anchor="ctr">
-                    <a:lnL cmpd="sng" algn="ctr" cap="flat" w="9525">
-                      <a:solidFill>
-                        <a:srgbClr val="000000"/>
-                      </a:solidFill>
-                      <a:prstDash val="solid"/>
-                      <a:round/>
-                      <a:headEnd type="none" w="med" len="med"/>
-                      <a:tailEnd type="none" w="med" len="med"/>
-                    </a:lnL>
-                    <a:lnR cmpd="sng" algn="ctr" cap="flat" w="9525">
-                      <a:solidFill>
-                        <a:srgbClr val="000000"/>
-                      </a:solidFill>
-                      <a:prstDash val="solid"/>
-                      <a:round/>
-                      <a:headEnd type="none" w="med" len="med"/>
-                      <a:tailEnd type="none" w="med" len="med"/>
-                    </a:lnR>
-                    <a:lnT cmpd="sng" algn="ctr" cap="flat" w="9525">
-                      <a:solidFill>
-                        <a:srgbClr val="000000"/>
-                      </a:solidFill>
-                      <a:prstDash val="solid"/>
-                      <a:round/>
-                      <a:headEnd type="none" w="med" len="med"/>
-                      <a:tailEnd type="none" w="med" len="med"/>
-                    </a:lnT>
-                    <a:lnB cmpd="sng" algn="ctr" cap="flat" w="9525">
-                      <a:solidFill>
-                        <a:srgbClr val="000000"/>
-                      </a:solidFill>
-                      <a:prstDash val="solid"/>
-                      <a:round/>
-                      <a:headEnd type="none" w="med" len="med"/>
-                      <a:tailEnd type="none" w="med" len="med"/>
-                    </a:lnB>
-                    <a:solidFill>
-                      <a:srgbClr val="1A1A1A"/>
-                    </a:solidFill>
-                  </a:tcPr>
-                </a:tc>
-                <a:tc>
-                  <a:txBody>
-                    <a:bodyPr anchor="t" rtlCol="false"/>
-                    <a:lstStyle/>
-                    <a:p>
-                      <a:pPr algn="l">
-                        <a:lnSpc>
-                          <a:spcPts val="2160"/>
-                        </a:lnSpc>
-                        <a:defRPr/>
-                      </a:pPr>
-                      <a:r>
-                        <a:rPr lang="en-US" sz="1800">
-                          <a:solidFill>
-                            <a:srgbClr val="E0E0E0"/>
-                          </a:solidFill>
-                          <a:latin typeface="Arimo"/>
-                          <a:ea typeface="Arimo"/>
-                          <a:cs typeface="Arimo"/>
-                          <a:sym typeface="Arimo"/>
-                        </a:rPr>
-                        <a:t>Admin PC (Kali) (192.168.20.10)</a:t>
-                      </a:r>
-                      <a:endParaRPr lang="en-US" sz="1100"/>
-                    </a:p>
-                  </a:txBody>
-                  <a:tcPr marL="63500" marR="63500" marT="63500" marB="63500" anchor="ctr">
-                    <a:lnL cmpd="sng" algn="ctr" cap="flat" w="9525">
-                      <a:solidFill>
-                        <a:srgbClr val="000000"/>
-                      </a:solidFill>
-                      <a:prstDash val="solid"/>
-                      <a:round/>
-                      <a:headEnd type="none" w="med" len="med"/>
-                      <a:tailEnd type="none" w="med" len="med"/>
-                    </a:lnL>
-                    <a:lnR cmpd="sng" algn="ctr" cap="flat" w="9525">
-                      <a:solidFill>
-                        <a:srgbClr val="000000"/>
-                      </a:solidFill>
-                      <a:prstDash val="solid"/>
-                      <a:round/>
-                      <a:headEnd type="none" w="med" len="med"/>
-                      <a:tailEnd type="none" w="med" len="med"/>
-                    </a:lnR>
-                    <a:lnT cmpd="sng" algn="ctr" cap="flat" w="9525">
-                      <a:solidFill>
-                        <a:srgbClr val="000000"/>
-                      </a:solidFill>
-                      <a:prstDash val="solid"/>
-                      <a:round/>
-                      <a:headEnd type="none" w="med" len="med"/>
-                      <a:tailEnd type="none" w="med" len="med"/>
-                    </a:lnT>
-                    <a:lnB cmpd="sng" algn="ctr" cap="flat" w="9525">
-                      <a:solidFill>
-                        <a:srgbClr val="000000"/>
-                      </a:solidFill>
-                      <a:prstDash val="solid"/>
-                      <a:round/>
-                      <a:headEnd type="none" w="med" len="med"/>
-                      <a:tailEnd type="none" w="med" len="med"/>
-                    </a:lnB>
-                    <a:solidFill>
-                      <a:srgbClr val="1A1A1A"/>
-                    </a:solidFill>
-                  </a:tcPr>
-                </a:tc>
-              </a:tr>
-              <a:tr h="1085850">
-                <a:tc>
-                  <a:txBody>
-                    <a:bodyPr anchor="t" rtlCol="false"/>
-                    <a:lstStyle/>
-                    <a:p>
-                      <a:pPr algn="l">
-                        <a:lnSpc>
-                          <a:spcPts val="2160"/>
-                        </a:lnSpc>
-                        <a:defRPr/>
-                      </a:pPr>
-                      <a:r>
-                        <a:rPr lang="en-US" sz="1800">
-                          <a:solidFill>
-                            <a:srgbClr val="E0E0E0"/>
-                          </a:solidFill>
-                          <a:latin typeface="Arimo"/>
-                          <a:ea typeface="Arimo"/>
-                          <a:cs typeface="Arimo"/>
-                          <a:sym typeface="Arimo"/>
-                        </a:rPr>
-                        <a:t>WAN / Internet</a:t>
-                      </a:r>
-                      <a:endParaRPr lang="en-US" sz="1100"/>
-                    </a:p>
-                  </a:txBody>
-                  <a:tcPr marL="63500" marR="63500" marT="63500" marB="63500" anchor="ctr">
-                    <a:lnL cmpd="sng" algn="ctr" cap="flat" w="9525">
-                      <a:solidFill>
-                        <a:srgbClr val="000000"/>
-                      </a:solidFill>
-                      <a:prstDash val="solid"/>
-                      <a:round/>
-                      <a:headEnd type="none" w="med" len="med"/>
-                      <a:tailEnd type="none" w="med" len="med"/>
-                    </a:lnL>
-                    <a:lnR cmpd="sng" algn="ctr" cap="flat" w="9525">
-                      <a:solidFill>
-                        <a:srgbClr val="000000"/>
-                      </a:solidFill>
-                      <a:prstDash val="solid"/>
-                      <a:round/>
-                      <a:headEnd type="none" w="med" len="med"/>
-                      <a:tailEnd type="none" w="med" len="med"/>
-                    </a:lnR>
-                    <a:lnT cmpd="sng" algn="ctr" cap="flat" w="9525">
-                      <a:solidFill>
-                        <a:srgbClr val="000000"/>
-                      </a:solidFill>
-                      <a:prstDash val="solid"/>
-                      <a:round/>
-                      <a:headEnd type="none" w="med" len="med"/>
-                      <a:tailEnd type="none" w="med" len="med"/>
-                    </a:lnT>
-                    <a:lnB cmpd="sng" algn="ctr" cap="flat" w="9525">
-                      <a:solidFill>
-                        <a:srgbClr val="000000"/>
-                      </a:solidFill>
-                      <a:prstDash val="solid"/>
-                      <a:round/>
-                      <a:headEnd type="none" w="med" len="med"/>
-                      <a:tailEnd type="none" w="med" len="med"/>
-                    </a:lnB>
-                    <a:solidFill>
-                      <a:srgbClr val="1A1A1A"/>
-                    </a:solidFill>
-                  </a:tcPr>
-                </a:tc>
-                <a:tc>
-                  <a:txBody>
-                    <a:bodyPr anchor="t" rtlCol="false"/>
-                    <a:lstStyle/>
-                    <a:p>
-                      <a:pPr algn="l">
-                        <a:lnSpc>
-                          <a:spcPts val="2160"/>
-                        </a:lnSpc>
-                        <a:defRPr/>
-                      </a:pPr>
-                      <a:r>
-                        <a:rPr lang="en-US" sz="1800">
-                          <a:solidFill>
-                            <a:srgbClr val="E0E0E0"/>
-                          </a:solidFill>
-                          <a:latin typeface="Arimo"/>
-                          <a:ea typeface="Arimo"/>
-                          <a:cs typeface="Arimo"/>
-                          <a:sym typeface="Arimo"/>
-                        </a:rPr>
-                        <a:t>10.0.0.0/24</a:t>
-                      </a:r>
-                      <a:endParaRPr lang="en-US" sz="1100"/>
-                    </a:p>
-                  </a:txBody>
-                  <a:tcPr marL="63500" marR="63500" marT="63500" marB="63500" anchor="ctr">
-                    <a:lnL cmpd="sng" algn="ctr" cap="flat" w="9525">
-                      <a:solidFill>
-                        <a:srgbClr val="000000"/>
-                      </a:solidFill>
-                      <a:prstDash val="solid"/>
-                      <a:round/>
-                      <a:headEnd type="none" w="med" len="med"/>
-                      <a:tailEnd type="none" w="med" len="med"/>
-                    </a:lnL>
-                    <a:lnR cmpd="sng" algn="ctr" cap="flat" w="9525">
-                      <a:solidFill>
-                        <a:srgbClr val="000000"/>
-                      </a:solidFill>
-                      <a:prstDash val="solid"/>
-                      <a:round/>
-                      <a:headEnd type="none" w="med" len="med"/>
-                      <a:tailEnd type="none" w="med" len="med"/>
-                    </a:lnR>
-                    <a:lnT cmpd="sng" algn="ctr" cap="flat" w="9525">
-                      <a:solidFill>
-                        <a:srgbClr val="000000"/>
-                      </a:solidFill>
-                      <a:prstDash val="solid"/>
-                      <a:round/>
-                      <a:headEnd type="none" w="med" len="med"/>
-                      <a:tailEnd type="none" w="med" len="med"/>
-                    </a:lnT>
-                    <a:lnB cmpd="sng" algn="ctr" cap="flat" w="9525">
-                      <a:solidFill>
-                        <a:srgbClr val="000000"/>
-                      </a:solidFill>
-                      <a:prstDash val="solid"/>
-                      <a:round/>
-                      <a:headEnd type="none" w="med" len="med"/>
-                      <a:tailEnd type="none" w="med" len="med"/>
-                    </a:lnB>
-                    <a:solidFill>
-                      <a:srgbClr val="1A1A1A"/>
-                    </a:solidFill>
-                  </a:tcPr>
-                </a:tc>
-                <a:tc>
-                  <a:txBody>
-                    <a:bodyPr anchor="t" rtlCol="false"/>
-                    <a:lstStyle/>
-                    <a:p>
-                      <a:pPr algn="l">
-                        <a:lnSpc>
-                          <a:spcPts val="2160"/>
-                        </a:lnSpc>
-                        <a:defRPr/>
-                      </a:pPr>
-                      <a:r>
-                        <a:rPr lang="en-US" sz="1800">
-                          <a:solidFill>
-                            <a:srgbClr val="E0E0E0"/>
-                          </a:solidFill>
-                          <a:latin typeface="Arimo"/>
-                          <a:ea typeface="Arimo"/>
-                          <a:cs typeface="Arimo"/>
-                          <a:sym typeface="Arimo"/>
-                        </a:rPr>
-                        <a:t>10.0.0.1</a:t>
-                      </a:r>
-                      <a:endParaRPr lang="en-US" sz="1100"/>
-                    </a:p>
-                  </a:txBody>
-                  <a:tcPr marL="63500" marR="63500" marT="63500" marB="63500" anchor="ctr">
-                    <a:lnL cmpd="sng" algn="ctr" cap="flat" w="9525">
-                      <a:solidFill>
-                        <a:srgbClr val="000000"/>
-                      </a:solidFill>
-                      <a:prstDash val="solid"/>
-                      <a:round/>
-                      <a:headEnd type="none" w="med" len="med"/>
-                      <a:tailEnd type="none" w="med" len="med"/>
-                    </a:lnL>
-                    <a:lnR cmpd="sng" algn="ctr" cap="flat" w="9525">
-                      <a:solidFill>
-                        <a:srgbClr val="000000"/>
-                      </a:solidFill>
-                      <a:prstDash val="solid"/>
-                      <a:round/>
-                      <a:headEnd type="none" w="med" len="med"/>
-                      <a:tailEnd type="none" w="med" len="med"/>
-                    </a:lnR>
-                    <a:lnT cmpd="sng" algn="ctr" cap="flat" w="9525">
-                      <a:solidFill>
-                        <a:srgbClr val="000000"/>
-                      </a:solidFill>
-                      <a:prstDash val="solid"/>
-                      <a:round/>
-                      <a:headEnd type="none" w="med" len="med"/>
-                      <a:tailEnd type="none" w="med" len="med"/>
-                    </a:lnT>
-                    <a:lnB cmpd="sng" algn="ctr" cap="flat" w="9525">
-                      <a:solidFill>
-                        <a:srgbClr val="000000"/>
-                      </a:solidFill>
-                      <a:prstDash val="solid"/>
-                      <a:round/>
-                      <a:headEnd type="none" w="med" len="med"/>
-                      <a:tailEnd type="none" w="med" len="med"/>
-                    </a:lnB>
-                    <a:solidFill>
-                      <a:srgbClr val="1A1A1A"/>
-                    </a:solidFill>
-                  </a:tcPr>
-                </a:tc>
-                <a:tc>
-                  <a:txBody>
-                    <a:bodyPr anchor="t" rtlCol="false"/>
-                    <a:lstStyle/>
-                    <a:p>
-                      <a:pPr algn="l">
-                        <a:lnSpc>
-                          <a:spcPts val="2160"/>
-                        </a:lnSpc>
-                        <a:defRPr/>
-                      </a:pPr>
-                      <a:r>
-                        <a:rPr lang="en-US" sz="1800">
-                          <a:solidFill>
-                            <a:srgbClr val="E0E0E0"/>
-                          </a:solidFill>
-                          <a:latin typeface="Arimo"/>
-                          <a:ea typeface="Arimo"/>
-                          <a:cs typeface="Arimo"/>
-                          <a:sym typeface="Arimo"/>
-                        </a:rPr>
-                        <a:t>N/A</a:t>
-                      </a:r>
-                      <a:endParaRPr lang="en-US" sz="1100"/>
-                    </a:p>
-                  </a:txBody>
-                  <a:tcPr marL="63500" marR="63500" marT="63500" marB="63500" anchor="ctr">
-                    <a:lnL cmpd="sng" algn="ctr" cap="flat" w="9525">
-                      <a:solidFill>
-                        <a:srgbClr val="000000"/>
-                      </a:solidFill>
-                      <a:prstDash val="solid"/>
-                      <a:round/>
-                      <a:headEnd type="none" w="med" len="med"/>
-                      <a:tailEnd type="none" w="med" len="med"/>
-                    </a:lnL>
-                    <a:lnR cmpd="sng" algn="ctr" cap="flat" w="9525">
-                      <a:solidFill>
-                        <a:srgbClr val="000000"/>
-                      </a:solidFill>
-                      <a:prstDash val="solid"/>
-                      <a:round/>
-                      <a:headEnd type="none" w="med" len="med"/>
-                      <a:tailEnd type="none" w="med" len="med"/>
-                    </a:lnR>
-                    <a:lnT cmpd="sng" algn="ctr" cap="flat" w="9525">
-                      <a:solidFill>
-                        <a:srgbClr val="000000"/>
-                      </a:solidFill>
-                      <a:prstDash val="solid"/>
-                      <a:round/>
-                      <a:headEnd type="none" w="med" len="med"/>
-                      <a:tailEnd type="none" w="med" len="med"/>
-                    </a:lnT>
-                    <a:lnB cmpd="sng" algn="ctr" cap="flat" w="9525">
-                      <a:solidFill>
-                        <a:srgbClr val="000000"/>
-                      </a:solidFill>
-                      <a:prstDash val="solid"/>
-                      <a:round/>
-                      <a:headEnd type="none" w="med" len="med"/>
-                      <a:tailEnd type="none" w="med" len="med"/>
-                    </a:lnB>
-                    <a:solidFill>
-                      <a:srgbClr val="1A1A1A"/>
-                    </a:solidFill>
-                  </a:tcPr>
-                </a:tc>
-              </a:tr>
-            </a:tbl>
-          </a:graphicData>
-        </a:graphic>
-      </p:graphicFrame>
-      <p:sp>
-        <p:nvSpPr>
-          <p:cNvPr name="TextBox 11" id="11"/>
-          <p:cNvSpPr txBox="true"/>
-          <p:nvPr/>
-        </p:nvSpPr>
-        <p:spPr>
-          <a:xfrm rot="0">
-            <a:off x="12801525" y="3650888"/>
-            <a:ext cx="4629000" cy="1051560"/>
-          </a:xfrm>
-          <a:prstGeom prst="rect">
-            <a:avLst/>
-          </a:prstGeom>
-        </p:spPr>
-        <p:txBody>
-          <a:bodyPr anchor="t" rtlCol="false" tIns="0" lIns="0" bIns="0" rIns="0">
+        </p:nvSpPr>
+        <p:spPr>
+          <a:xfrm>
+            <a:off x="838200" y="6900340"/>
+            <a:ext cx="7858125" cy="1594485"/>
+          </a:xfrm>
+          <a:prstGeom prst="rect">
+            <a:avLst/>
+          </a:prstGeom>
+        </p:spPr>
+        <p:txBody>
+          <a:bodyPr lIns="0" tIns="0" rIns="0" bIns="0" rtlCol="0" anchor="t">
             <a:spAutoFit/>
           </a:bodyPr>
           <a:lstStyle/>
@@ -7567,7 +6095,7 @@
               </a:lnSpc>
             </a:pPr>
             <a:r>
-              <a:rPr lang="en-US" b="true" sz="2250">
+              <a:rPr lang="en-US" sz="2250" b="1">
                 <a:solidFill>
                   <a:srgbClr val="E0E0E0"/>
                 </a:solidFill>
@@ -7576,7 +6104,7 @@
                 <a:cs typeface="Arimo Bold"/>
                 <a:sym typeface="Arimo Bold"/>
               </a:rPr>
-              <a:t>Internet - DMZ:</a:t>
+              <a:t>Function:</a:t>
             </a:r>
             <a:r>
               <a:rPr lang="en-US" sz="2250">
@@ -7588,28 +6116,28 @@
                 <a:cs typeface="Arimo"/>
                 <a:sym typeface="Arimo"/>
               </a:rPr>
-              <a:t> ALLOW ports 80, 443 (Least Privilege).</a:t>
-            </a:r>
-          </a:p>
-        </p:txBody>
-      </p:sp>
-      <p:sp>
-        <p:nvSpPr>
-          <p:cNvPr name="TextBox 12" id="12"/>
-          <p:cNvSpPr txBox="true"/>
+              <a:t> Acts as the first line of defense, strictly controlling network traffic and minimizing the server's attack surface against brute-force and exploitation attempts.</a:t>
+            </a:r>
+          </a:p>
+        </p:txBody>
+      </p:sp>
+      <p:sp>
+        <p:nvSpPr>
+          <p:cNvPr id="7" name="TextBox 7"/>
+          <p:cNvSpPr txBox="1"/>
           <p:nvPr/>
         </p:nvSpPr>
         <p:spPr>
-          <a:xfrm rot="0">
-            <a:off x="12801525" y="4740548"/>
-            <a:ext cx="4629000" cy="1051560"/>
-          </a:xfrm>
-          <a:prstGeom prst="rect">
-            <a:avLst/>
-          </a:prstGeom>
-        </p:spPr>
-        <p:txBody>
-          <a:bodyPr anchor="t" rtlCol="false" tIns="0" lIns="0" bIns="0" rIns="0">
+          <a:xfrm>
+            <a:off x="857250" y="4055807"/>
+            <a:ext cx="7248525" cy="508635"/>
+          </a:xfrm>
+          <a:prstGeom prst="rect">
+            <a:avLst/>
+          </a:prstGeom>
+        </p:spPr>
+        <p:txBody>
+          <a:bodyPr lIns="0" tIns="0" rIns="0" bIns="0" rtlCol="0" anchor="t">
             <a:spAutoFit/>
           </a:bodyPr>
           <a:lstStyle/>
@@ -7620,7 +6148,7 @@
               </a:lnSpc>
             </a:pPr>
             <a:r>
-              <a:rPr lang="en-US" b="true" sz="2250">
+              <a:rPr lang="en-US" sz="2250" b="1">
                 <a:solidFill>
                   <a:srgbClr val="E0E0E0"/>
                 </a:solidFill>
@@ -7629,7 +6157,7 @@
                 <a:cs typeface="Arimo Bold"/>
                 <a:sym typeface="Arimo Bold"/>
               </a:rPr>
-              <a:t>Internet - Internal LAN:</a:t>
+              <a:t>Default Policy:</a:t>
             </a:r>
             <a:r>
               <a:rPr lang="en-US" sz="2250">
@@ -7641,28 +6169,28 @@
                 <a:cs typeface="Arimo"/>
                 <a:sym typeface="Arimo"/>
               </a:rPr>
-              <a:t> DENY ALL (Isolation).</a:t>
-            </a:r>
-          </a:p>
-        </p:txBody>
-      </p:sp>
-      <p:sp>
-        <p:nvSpPr>
-          <p:cNvPr name="TextBox 13" id="13"/>
-          <p:cNvSpPr txBox="true"/>
+              <a:t> Deny ALL incoming traffic.</a:t>
+            </a:r>
+          </a:p>
+        </p:txBody>
+      </p:sp>
+      <p:sp>
+        <p:nvSpPr>
+          <p:cNvPr id="8" name="TextBox 8"/>
+          <p:cNvSpPr txBox="1"/>
           <p:nvPr/>
         </p:nvSpPr>
         <p:spPr>
-          <a:xfrm rot="0">
-            <a:off x="12801525" y="5831929"/>
-            <a:ext cx="4629000" cy="1051560"/>
-          </a:xfrm>
-          <a:prstGeom prst="rect">
-            <a:avLst/>
-          </a:prstGeom>
-        </p:spPr>
-        <p:txBody>
-          <a:bodyPr anchor="t" rtlCol="false" tIns="0" lIns="0" bIns="0" rIns="0">
+          <a:xfrm>
+            <a:off x="857250" y="4667250"/>
+            <a:ext cx="7248525" cy="628650"/>
+          </a:xfrm>
+          <a:prstGeom prst="rect">
+            <a:avLst/>
+          </a:prstGeom>
+        </p:spPr>
+        <p:txBody>
+          <a:bodyPr lIns="0" tIns="0" rIns="0" bIns="0" rtlCol="0" anchor="t">
             <a:spAutoFit/>
           </a:bodyPr>
           <a:lstStyle/>
@@ -7673,7 +6201,7 @@
               </a:lnSpc>
             </a:pPr>
             <a:r>
-              <a:rPr lang="en-US" b="true" sz="2250">
+              <a:rPr lang="en-US" sz="2250" b="1">
                 <a:solidFill>
                   <a:srgbClr val="E0E0E0"/>
                 </a:solidFill>
@@ -7682,7 +6210,7 @@
                 <a:cs typeface="Arimo Bold"/>
                 <a:sym typeface="Arimo Bold"/>
               </a:rPr>
-              <a:t>DMZ - Internal LAN:</a:t>
+              <a:t>Allowed Ports:</a:t>
             </a:r>
             <a:r>
               <a:rPr lang="en-US" sz="2250">
@@ -7694,28 +6222,100 @@
                 <a:cs typeface="Arimo"/>
                 <a:sym typeface="Arimo"/>
               </a:rPr>
-              <a:t> DENY ALL (Prevent Lateral Movement).</a:t>
-            </a:r>
-          </a:p>
-        </p:txBody>
-      </p:sp>
-      <p:sp>
-        <p:nvSpPr>
-          <p:cNvPr name="TextBox 14" id="14"/>
-          <p:cNvSpPr txBox="true"/>
+              <a:t> Explicitly enabled only </a:t>
+            </a:r>
+            <a:r>
+              <a:rPr lang="en-US" sz="2250">
+                <a:solidFill>
+                  <a:srgbClr val="DEFF9A"/>
+                </a:solidFill>
+                <a:latin typeface="Arimo"/>
+                <a:ea typeface="Arimo"/>
+                <a:cs typeface="Arimo"/>
+                <a:sym typeface="Arimo"/>
+              </a:rPr>
+              <a:t>80</a:t>
+            </a:r>
+            <a:r>
+              <a:rPr lang="en-US" sz="2250">
+                <a:solidFill>
+                  <a:srgbClr val="E0E0E0"/>
+                </a:solidFill>
+                <a:latin typeface="Arimo"/>
+                <a:ea typeface="Arimo"/>
+                <a:cs typeface="Arimo"/>
+                <a:sym typeface="Arimo"/>
+              </a:rPr>
+              <a:t>, </a:t>
+            </a:r>
+            <a:r>
+              <a:rPr lang="en-US" sz="2250">
+                <a:solidFill>
+                  <a:srgbClr val="DEFF9A"/>
+                </a:solidFill>
+                <a:latin typeface="Arimo"/>
+                <a:ea typeface="Arimo"/>
+                <a:cs typeface="Arimo"/>
+                <a:sym typeface="Arimo"/>
+              </a:rPr>
+              <a:t>443</a:t>
+            </a:r>
+            <a:r>
+              <a:rPr lang="en-US" sz="2250">
+                <a:solidFill>
+                  <a:srgbClr val="E0E0E0"/>
+                </a:solidFill>
+                <a:latin typeface="Arimo"/>
+                <a:ea typeface="Arimo"/>
+                <a:cs typeface="Arimo"/>
+                <a:sym typeface="Arimo"/>
+              </a:rPr>
+              <a:t>, </a:t>
+            </a:r>
+            <a:r>
+              <a:rPr lang="en-US" sz="2250">
+                <a:solidFill>
+                  <a:srgbClr val="DEFF9A"/>
+                </a:solidFill>
+                <a:latin typeface="Arimo"/>
+                <a:ea typeface="Arimo"/>
+                <a:cs typeface="Arimo"/>
+                <a:sym typeface="Arimo"/>
+              </a:rPr>
+              <a:t>3000</a:t>
+            </a:r>
+            <a:r>
+              <a:rPr lang="en-US" sz="2250">
+                <a:solidFill>
+                  <a:srgbClr val="E0E0E0"/>
+                </a:solidFill>
+                <a:latin typeface="Arimo"/>
+                <a:ea typeface="Arimo"/>
+                <a:cs typeface="Arimo"/>
+                <a:sym typeface="Arimo"/>
+              </a:rPr>
+              <a:t>.</a:t>
+            </a:r>
+          </a:p>
+        </p:txBody>
+      </p:sp>
+      <p:sp>
+        <p:nvSpPr>
+          <p:cNvPr id="9" name="TextBox 9"/>
+          <p:cNvSpPr txBox="1"/>
           <p:nvPr/>
         </p:nvSpPr>
         <p:spPr>
-          <a:xfrm rot="0">
-            <a:off x="12801525" y="6923311"/>
-            <a:ext cx="4629000" cy="1051560"/>
-          </a:xfrm>
-          <a:prstGeom prst="rect">
-            <a:avLst/>
-          </a:prstGeom>
-        </p:spPr>
-        <p:txBody>
-          <a:bodyPr anchor="t" rtlCol="false" tIns="0" lIns="0" bIns="0" rIns="0">
+          <a:xfrm>
+            <a:off x="857250" y="5276850"/>
+            <a:ext cx="7248525" cy="1085850"/>
+          </a:xfrm>
+          <a:prstGeom prst="rect">
+            <a:avLst/>
+          </a:prstGeom>
+        </p:spPr>
+        <p:txBody>
+          <a:bodyPr lIns="0" tIns="0" rIns="0" bIns="0" rtlCol="0" anchor="t">
             <a:spAutoFit/>
           </a:bodyPr>
           <a:lstStyle/>
@@ -7726,7 +6326,7 @@
               </a:lnSpc>
             </a:pPr>
             <a:r>
-              <a:rPr lang="en-US" b="true" sz="2250">
+              <a:rPr lang="en-US" sz="2250" b="1">
                 <a:solidFill>
                   <a:srgbClr val="E0E0E0"/>
                 </a:solidFill>
@@ -7735,7 +6335,7 @@
                 <a:cs typeface="Arimo Bold"/>
                 <a:sym typeface="Arimo Bold"/>
               </a:rPr>
-              <a:t>Internal LAN - DMZ:</a:t>
+              <a:t>SSH Restriction:</a:t>
             </a:r>
             <a:r>
               <a:rPr lang="en-US" sz="2250">
@@ -7747,731 +6347,59 @@
                 <a:cs typeface="Arimo"/>
                 <a:sym typeface="Arimo"/>
               </a:rPr>
-              <a:t> ALLOW SSH/443 (Administrative Access).</a:t>
-            </a:r>
-          </a:p>
-        </p:txBody>
-      </p:sp>
-      <p:grpSp>
-        <p:nvGrpSpPr>
-          <p:cNvPr name="Group 15" id="15"/>
-          <p:cNvGrpSpPr/>
-          <p:nvPr/>
-        </p:nvGrpSpPr>
-        <p:grpSpPr>
-          <a:xfrm rot="0">
-            <a:off x="871538" y="4604816"/>
-            <a:ext cx="2197596" cy="14288"/>
-            <a:chOff x="0" y="0"/>
-            <a:chExt cx="2930128" cy="19050"/>
-          </a:xfrm>
-        </p:grpSpPr>
-        <p:sp>
-          <p:nvSpPr>
-            <p:cNvPr name="Freeform 16" id="16"/>
-            <p:cNvSpPr/>
-            <p:nvPr/>
-          </p:nvSpPr>
-          <p:spPr>
-            <a:xfrm flipH="false" flipV="false" rot="0">
-              <a:off x="0" y="0"/>
-              <a:ext cx="2930144" cy="19050"/>
-            </a:xfrm>
-            <a:custGeom>
-              <a:avLst/>
-              <a:gdLst/>
-              <a:ahLst/>
-              <a:cxnLst/>
-              <a:rect r="r" b="b" t="t" l="l"/>
-              <a:pathLst>
-                <a:path h="19050" w="2930144">
-                  <a:moveTo>
-                    <a:pt x="0" y="0"/>
-                  </a:moveTo>
-                  <a:lnTo>
-                    <a:pt x="2930144" y="0"/>
-                  </a:lnTo>
-                  <a:lnTo>
-                    <a:pt x="2930144" y="19050"/>
-                  </a:lnTo>
-                  <a:lnTo>
-                    <a:pt x="0" y="19050"/>
-                  </a:lnTo>
-                  <a:close/>
-                </a:path>
-              </a:pathLst>
-            </a:custGeom>
-            <a:solidFill>
-              <a:srgbClr val="333333"/>
-            </a:solidFill>
-            <a:ln w="12700">
-              <a:solidFill>
-                <a:srgbClr val="000000"/>
-              </a:solidFill>
-            </a:ln>
-          </p:spPr>
-        </p:sp>
-      </p:grpSp>
-      <p:grpSp>
-        <p:nvGrpSpPr>
-          <p:cNvPr name="Group 17" id="17"/>
-          <p:cNvGrpSpPr/>
-          <p:nvPr/>
-        </p:nvGrpSpPr>
-        <p:grpSpPr>
-          <a:xfrm rot="0">
-            <a:off x="3069134" y="4604816"/>
-            <a:ext cx="2714625" cy="14288"/>
-            <a:chOff x="0" y="0"/>
-            <a:chExt cx="3619500" cy="19050"/>
-          </a:xfrm>
-        </p:grpSpPr>
-        <p:sp>
-          <p:nvSpPr>
-            <p:cNvPr name="Freeform 18" id="18"/>
-            <p:cNvSpPr/>
-            <p:nvPr/>
-          </p:nvSpPr>
-          <p:spPr>
-            <a:xfrm flipH="false" flipV="false" rot="0">
-              <a:off x="0" y="0"/>
-              <a:ext cx="3619500" cy="19050"/>
-            </a:xfrm>
-            <a:custGeom>
-              <a:avLst/>
-              <a:gdLst/>
-              <a:ahLst/>
-              <a:cxnLst/>
-              <a:rect r="r" b="b" t="t" l="l"/>
-              <a:pathLst>
-                <a:path h="19050" w="3619500">
-                  <a:moveTo>
-                    <a:pt x="0" y="0"/>
-                  </a:moveTo>
-                  <a:lnTo>
-                    <a:pt x="3619500" y="0"/>
-                  </a:lnTo>
-                  <a:lnTo>
-                    <a:pt x="3619500" y="19050"/>
-                  </a:lnTo>
-                  <a:lnTo>
-                    <a:pt x="0" y="19050"/>
-                  </a:lnTo>
-                  <a:close/>
-                </a:path>
-              </a:pathLst>
-            </a:custGeom>
-            <a:solidFill>
-              <a:srgbClr val="333333"/>
-            </a:solidFill>
-            <a:ln w="12700">
-              <a:solidFill>
-                <a:srgbClr val="000000"/>
-              </a:solidFill>
-            </a:ln>
-          </p:spPr>
-        </p:sp>
-      </p:grpSp>
-      <p:grpSp>
-        <p:nvGrpSpPr>
-          <p:cNvPr name="Group 19" id="19"/>
-          <p:cNvGrpSpPr/>
-          <p:nvPr/>
-        </p:nvGrpSpPr>
-        <p:grpSpPr>
-          <a:xfrm rot="0">
-            <a:off x="5783758" y="4604816"/>
-            <a:ext cx="2449637" cy="14288"/>
-            <a:chOff x="0" y="0"/>
-            <a:chExt cx="3266182" cy="19050"/>
-          </a:xfrm>
-        </p:grpSpPr>
-        <p:sp>
-          <p:nvSpPr>
-            <p:cNvPr name="Freeform 20" id="20"/>
-            <p:cNvSpPr/>
-            <p:nvPr/>
-          </p:nvSpPr>
-          <p:spPr>
-            <a:xfrm flipH="false" flipV="false" rot="0">
-              <a:off x="0" y="0"/>
-              <a:ext cx="3266186" cy="19050"/>
-            </a:xfrm>
-            <a:custGeom>
-              <a:avLst/>
-              <a:gdLst/>
-              <a:ahLst/>
-              <a:cxnLst/>
-              <a:rect r="r" b="b" t="t" l="l"/>
-              <a:pathLst>
-                <a:path h="19050" w="3266186">
-                  <a:moveTo>
-                    <a:pt x="0" y="0"/>
-                  </a:moveTo>
-                  <a:lnTo>
-                    <a:pt x="3266186" y="0"/>
-                  </a:lnTo>
-                  <a:lnTo>
-                    <a:pt x="3266186" y="19050"/>
-                  </a:lnTo>
-                  <a:lnTo>
-                    <a:pt x="0" y="19050"/>
-                  </a:lnTo>
-                  <a:close/>
-                </a:path>
-              </a:pathLst>
-            </a:custGeom>
-            <a:solidFill>
-              <a:srgbClr val="333333"/>
-            </a:solidFill>
-            <a:ln w="12700">
-              <a:solidFill>
-                <a:srgbClr val="000000"/>
-              </a:solidFill>
-            </a:ln>
-          </p:spPr>
-        </p:sp>
-      </p:grpSp>
-      <p:grpSp>
-        <p:nvGrpSpPr>
-          <p:cNvPr name="Group 21" id="21"/>
-          <p:cNvGrpSpPr/>
-          <p:nvPr/>
-        </p:nvGrpSpPr>
-        <p:grpSpPr>
-          <a:xfrm rot="0">
-            <a:off x="8233395" y="4604816"/>
-            <a:ext cx="3086992" cy="14288"/>
-            <a:chOff x="0" y="0"/>
-            <a:chExt cx="4115990" cy="19050"/>
-          </a:xfrm>
-        </p:grpSpPr>
-        <p:sp>
-          <p:nvSpPr>
-            <p:cNvPr name="Freeform 22" id="22"/>
-            <p:cNvSpPr/>
-            <p:nvPr/>
-          </p:nvSpPr>
-          <p:spPr>
-            <a:xfrm flipH="false" flipV="false" rot="0">
-              <a:off x="0" y="0"/>
-              <a:ext cx="4115943" cy="19050"/>
-            </a:xfrm>
-            <a:custGeom>
-              <a:avLst/>
-              <a:gdLst/>
-              <a:ahLst/>
-              <a:cxnLst/>
-              <a:rect r="r" b="b" t="t" l="l"/>
-              <a:pathLst>
-                <a:path h="19050" w="4115943">
-                  <a:moveTo>
-                    <a:pt x="0" y="0"/>
-                  </a:moveTo>
-                  <a:lnTo>
-                    <a:pt x="4115943" y="0"/>
-                  </a:lnTo>
-                  <a:lnTo>
-                    <a:pt x="4115943" y="19050"/>
-                  </a:lnTo>
-                  <a:lnTo>
-                    <a:pt x="0" y="19050"/>
-                  </a:lnTo>
-                  <a:close/>
-                </a:path>
-              </a:pathLst>
-            </a:custGeom>
-            <a:solidFill>
-              <a:srgbClr val="333333"/>
-            </a:solidFill>
-            <a:ln w="12700">
-              <a:solidFill>
-                <a:srgbClr val="000000"/>
-              </a:solidFill>
-            </a:ln>
-          </p:spPr>
-        </p:sp>
-      </p:grpSp>
-      <p:grpSp>
-        <p:nvGrpSpPr>
-          <p:cNvPr name="Group 23" id="23"/>
-          <p:cNvGrpSpPr/>
-          <p:nvPr/>
-        </p:nvGrpSpPr>
-        <p:grpSpPr>
-          <a:xfrm rot="0">
-            <a:off x="871538" y="5762103"/>
-            <a:ext cx="2197596" cy="14288"/>
-            <a:chOff x="0" y="0"/>
-            <a:chExt cx="2930128" cy="19050"/>
-          </a:xfrm>
-        </p:grpSpPr>
-        <p:sp>
-          <p:nvSpPr>
-            <p:cNvPr name="Freeform 24" id="24"/>
-            <p:cNvSpPr/>
-            <p:nvPr/>
-          </p:nvSpPr>
-          <p:spPr>
-            <a:xfrm flipH="false" flipV="false" rot="0">
-              <a:off x="0" y="0"/>
-              <a:ext cx="2930144" cy="19050"/>
-            </a:xfrm>
-            <a:custGeom>
-              <a:avLst/>
-              <a:gdLst/>
-              <a:ahLst/>
-              <a:cxnLst/>
-              <a:rect r="r" b="b" t="t" l="l"/>
-              <a:pathLst>
-                <a:path h="19050" w="2930144">
-                  <a:moveTo>
-                    <a:pt x="0" y="0"/>
-                  </a:moveTo>
-                  <a:lnTo>
-                    <a:pt x="2930144" y="0"/>
-                  </a:lnTo>
-                  <a:lnTo>
-                    <a:pt x="2930144" y="19050"/>
-                  </a:lnTo>
-                  <a:lnTo>
-                    <a:pt x="0" y="19050"/>
-                  </a:lnTo>
-                  <a:close/>
-                </a:path>
-              </a:pathLst>
-            </a:custGeom>
-            <a:solidFill>
-              <a:srgbClr val="333333"/>
-            </a:solidFill>
-            <a:ln w="12700">
-              <a:solidFill>
-                <a:srgbClr val="000000"/>
-              </a:solidFill>
-            </a:ln>
-          </p:spPr>
-        </p:sp>
-      </p:grpSp>
-      <p:grpSp>
-        <p:nvGrpSpPr>
-          <p:cNvPr name="Group 25" id="25"/>
-          <p:cNvGrpSpPr/>
-          <p:nvPr/>
-        </p:nvGrpSpPr>
-        <p:grpSpPr>
-          <a:xfrm rot="0">
-            <a:off x="3069134" y="5762103"/>
-            <a:ext cx="2714625" cy="14288"/>
-            <a:chOff x="0" y="0"/>
-            <a:chExt cx="3619500" cy="19050"/>
-          </a:xfrm>
-        </p:grpSpPr>
-        <p:sp>
-          <p:nvSpPr>
-            <p:cNvPr name="Freeform 26" id="26"/>
-            <p:cNvSpPr/>
-            <p:nvPr/>
-          </p:nvSpPr>
-          <p:spPr>
-            <a:xfrm flipH="false" flipV="false" rot="0">
-              <a:off x="0" y="0"/>
-              <a:ext cx="3619500" cy="19050"/>
-            </a:xfrm>
-            <a:custGeom>
-              <a:avLst/>
-              <a:gdLst/>
-              <a:ahLst/>
-              <a:cxnLst/>
-              <a:rect r="r" b="b" t="t" l="l"/>
-              <a:pathLst>
-                <a:path h="19050" w="3619500">
-                  <a:moveTo>
-                    <a:pt x="0" y="0"/>
-                  </a:moveTo>
-                  <a:lnTo>
-                    <a:pt x="3619500" y="0"/>
-                  </a:lnTo>
-                  <a:lnTo>
-                    <a:pt x="3619500" y="19050"/>
-                  </a:lnTo>
-                  <a:lnTo>
-                    <a:pt x="0" y="19050"/>
-                  </a:lnTo>
-                  <a:close/>
-                </a:path>
-              </a:pathLst>
-            </a:custGeom>
-            <a:solidFill>
-              <a:srgbClr val="333333"/>
-            </a:solidFill>
-            <a:ln w="12700">
-              <a:solidFill>
-                <a:srgbClr val="000000"/>
-              </a:solidFill>
-            </a:ln>
-          </p:spPr>
-        </p:sp>
-      </p:grpSp>
-      <p:grpSp>
-        <p:nvGrpSpPr>
-          <p:cNvPr name="Group 27" id="27"/>
-          <p:cNvGrpSpPr/>
-          <p:nvPr/>
-        </p:nvGrpSpPr>
-        <p:grpSpPr>
-          <a:xfrm rot="0">
-            <a:off x="5783758" y="5762103"/>
-            <a:ext cx="2449637" cy="14288"/>
-            <a:chOff x="0" y="0"/>
-            <a:chExt cx="3266182" cy="19050"/>
-          </a:xfrm>
-        </p:grpSpPr>
-        <p:sp>
-          <p:nvSpPr>
-            <p:cNvPr name="Freeform 28" id="28"/>
-            <p:cNvSpPr/>
-            <p:nvPr/>
-          </p:nvSpPr>
-          <p:spPr>
-            <a:xfrm flipH="false" flipV="false" rot="0">
-              <a:off x="0" y="0"/>
-              <a:ext cx="3266186" cy="19050"/>
-            </a:xfrm>
-            <a:custGeom>
-              <a:avLst/>
-              <a:gdLst/>
-              <a:ahLst/>
-              <a:cxnLst/>
-              <a:rect r="r" b="b" t="t" l="l"/>
-              <a:pathLst>
-                <a:path h="19050" w="3266186">
-                  <a:moveTo>
-                    <a:pt x="0" y="0"/>
-                  </a:moveTo>
-                  <a:lnTo>
-                    <a:pt x="3266186" y="0"/>
-                  </a:lnTo>
-                  <a:lnTo>
-                    <a:pt x="3266186" y="19050"/>
-                  </a:lnTo>
-                  <a:lnTo>
-                    <a:pt x="0" y="19050"/>
-                  </a:lnTo>
-                  <a:close/>
-                </a:path>
-              </a:pathLst>
-            </a:custGeom>
-            <a:solidFill>
-              <a:srgbClr val="333333"/>
-            </a:solidFill>
-            <a:ln w="12700">
-              <a:solidFill>
-                <a:srgbClr val="000000"/>
-              </a:solidFill>
-            </a:ln>
-          </p:spPr>
-        </p:sp>
-      </p:grpSp>
-      <p:grpSp>
-        <p:nvGrpSpPr>
-          <p:cNvPr name="Group 29" id="29"/>
-          <p:cNvGrpSpPr/>
-          <p:nvPr/>
-        </p:nvGrpSpPr>
-        <p:grpSpPr>
-          <a:xfrm rot="0">
-            <a:off x="8233395" y="5762103"/>
-            <a:ext cx="3086992" cy="14288"/>
-            <a:chOff x="0" y="0"/>
-            <a:chExt cx="4115990" cy="19050"/>
-          </a:xfrm>
-        </p:grpSpPr>
-        <p:sp>
-          <p:nvSpPr>
-            <p:cNvPr name="Freeform 30" id="30"/>
-            <p:cNvSpPr/>
-            <p:nvPr/>
-          </p:nvSpPr>
-          <p:spPr>
-            <a:xfrm flipH="false" flipV="false" rot="0">
-              <a:off x="0" y="0"/>
-              <a:ext cx="4115943" cy="19050"/>
-            </a:xfrm>
-            <a:custGeom>
-              <a:avLst/>
-              <a:gdLst/>
-              <a:ahLst/>
-              <a:cxnLst/>
-              <a:rect r="r" b="b" t="t" l="l"/>
-              <a:pathLst>
-                <a:path h="19050" w="4115943">
-                  <a:moveTo>
-                    <a:pt x="0" y="0"/>
-                  </a:moveTo>
-                  <a:lnTo>
-                    <a:pt x="4115943" y="0"/>
-                  </a:lnTo>
-                  <a:lnTo>
-                    <a:pt x="4115943" y="19050"/>
-                  </a:lnTo>
-                  <a:lnTo>
-                    <a:pt x="0" y="19050"/>
-                  </a:lnTo>
-                  <a:close/>
-                </a:path>
-              </a:pathLst>
-            </a:custGeom>
-            <a:solidFill>
-              <a:srgbClr val="333333"/>
-            </a:solidFill>
-            <a:ln w="12700">
-              <a:solidFill>
-                <a:srgbClr val="000000"/>
-              </a:solidFill>
-            </a:ln>
-          </p:spPr>
-        </p:sp>
-      </p:grpSp>
-      <p:grpSp>
-        <p:nvGrpSpPr>
-          <p:cNvPr name="Group 31" id="31"/>
-          <p:cNvGrpSpPr/>
-          <p:nvPr/>
-        </p:nvGrpSpPr>
-        <p:grpSpPr>
-          <a:xfrm rot="0">
-            <a:off x="871538" y="6919390"/>
-            <a:ext cx="2197596" cy="14288"/>
-            <a:chOff x="0" y="0"/>
-            <a:chExt cx="2930128" cy="19050"/>
-          </a:xfrm>
-        </p:grpSpPr>
-        <p:sp>
-          <p:nvSpPr>
-            <p:cNvPr name="Freeform 32" id="32"/>
-            <p:cNvSpPr/>
-            <p:nvPr/>
-          </p:nvSpPr>
-          <p:spPr>
-            <a:xfrm flipH="false" flipV="false" rot="0">
-              <a:off x="0" y="0"/>
-              <a:ext cx="2930144" cy="19050"/>
-            </a:xfrm>
-            <a:custGeom>
-              <a:avLst/>
-              <a:gdLst/>
-              <a:ahLst/>
-              <a:cxnLst/>
-              <a:rect r="r" b="b" t="t" l="l"/>
-              <a:pathLst>
-                <a:path h="19050" w="2930144">
-                  <a:moveTo>
-                    <a:pt x="0" y="0"/>
-                  </a:moveTo>
-                  <a:lnTo>
-                    <a:pt x="2930144" y="0"/>
-                  </a:lnTo>
-                  <a:lnTo>
-                    <a:pt x="2930144" y="19050"/>
-                  </a:lnTo>
-                  <a:lnTo>
-                    <a:pt x="0" y="19050"/>
-                  </a:lnTo>
-                  <a:close/>
-                </a:path>
-              </a:pathLst>
-            </a:custGeom>
-            <a:solidFill>
-              <a:srgbClr val="333333"/>
-            </a:solidFill>
-            <a:ln w="12700">
-              <a:solidFill>
-                <a:srgbClr val="000000"/>
-              </a:solidFill>
-            </a:ln>
-          </p:spPr>
-        </p:sp>
-      </p:grpSp>
-      <p:grpSp>
-        <p:nvGrpSpPr>
-          <p:cNvPr name="Group 33" id="33"/>
-          <p:cNvGrpSpPr/>
-          <p:nvPr/>
-        </p:nvGrpSpPr>
-        <p:grpSpPr>
-          <a:xfrm rot="0">
-            <a:off x="3069134" y="6919390"/>
-            <a:ext cx="2714625" cy="14288"/>
-            <a:chOff x="0" y="0"/>
-            <a:chExt cx="3619500" cy="19050"/>
-          </a:xfrm>
-        </p:grpSpPr>
-        <p:sp>
-          <p:nvSpPr>
-            <p:cNvPr name="Freeform 34" id="34"/>
-            <p:cNvSpPr/>
-            <p:nvPr/>
-          </p:nvSpPr>
-          <p:spPr>
-            <a:xfrm flipH="false" flipV="false" rot="0">
-              <a:off x="0" y="0"/>
-              <a:ext cx="3619500" cy="19050"/>
-            </a:xfrm>
-            <a:custGeom>
-              <a:avLst/>
-              <a:gdLst/>
-              <a:ahLst/>
-              <a:cxnLst/>
-              <a:rect r="r" b="b" t="t" l="l"/>
-              <a:pathLst>
-                <a:path h="19050" w="3619500">
-                  <a:moveTo>
-                    <a:pt x="0" y="0"/>
-                  </a:moveTo>
-                  <a:lnTo>
-                    <a:pt x="3619500" y="0"/>
-                  </a:lnTo>
-                  <a:lnTo>
-                    <a:pt x="3619500" y="19050"/>
-                  </a:lnTo>
-                  <a:lnTo>
-                    <a:pt x="0" y="19050"/>
-                  </a:lnTo>
-                  <a:close/>
-                </a:path>
-              </a:pathLst>
-            </a:custGeom>
-            <a:solidFill>
-              <a:srgbClr val="333333"/>
-            </a:solidFill>
-            <a:ln w="12700">
-              <a:solidFill>
-                <a:srgbClr val="000000"/>
-              </a:solidFill>
-            </a:ln>
-          </p:spPr>
-        </p:sp>
-      </p:grpSp>
-      <p:grpSp>
-        <p:nvGrpSpPr>
-          <p:cNvPr name="Group 35" id="35"/>
-          <p:cNvGrpSpPr/>
-          <p:nvPr/>
-        </p:nvGrpSpPr>
-        <p:grpSpPr>
-          <a:xfrm rot="0">
-            <a:off x="5783758" y="6919390"/>
-            <a:ext cx="2449637" cy="14288"/>
-            <a:chOff x="0" y="0"/>
-            <a:chExt cx="3266182" cy="19050"/>
-          </a:xfrm>
-        </p:grpSpPr>
-        <p:sp>
-          <p:nvSpPr>
-            <p:cNvPr name="Freeform 36" id="36"/>
-            <p:cNvSpPr/>
-            <p:nvPr/>
-          </p:nvSpPr>
-          <p:spPr>
-            <a:xfrm flipH="false" flipV="false" rot="0">
-              <a:off x="0" y="0"/>
-              <a:ext cx="3266186" cy="19050"/>
-            </a:xfrm>
-            <a:custGeom>
-              <a:avLst/>
-              <a:gdLst/>
-              <a:ahLst/>
-              <a:cxnLst/>
-              <a:rect r="r" b="b" t="t" l="l"/>
-              <a:pathLst>
-                <a:path h="19050" w="3266186">
-                  <a:moveTo>
-                    <a:pt x="0" y="0"/>
-                  </a:moveTo>
-                  <a:lnTo>
-                    <a:pt x="3266186" y="0"/>
-                  </a:lnTo>
-                  <a:lnTo>
-                    <a:pt x="3266186" y="19050"/>
-                  </a:lnTo>
-                  <a:lnTo>
-                    <a:pt x="0" y="19050"/>
-                  </a:lnTo>
-                  <a:close/>
-                </a:path>
-              </a:pathLst>
-            </a:custGeom>
-            <a:solidFill>
-              <a:srgbClr val="333333"/>
-            </a:solidFill>
-            <a:ln w="12700">
-              <a:solidFill>
-                <a:srgbClr val="000000"/>
-              </a:solidFill>
-            </a:ln>
-          </p:spPr>
-        </p:sp>
-      </p:grpSp>
-      <p:grpSp>
-        <p:nvGrpSpPr>
-          <p:cNvPr name="Group 37" id="37"/>
-          <p:cNvGrpSpPr/>
-          <p:nvPr/>
-        </p:nvGrpSpPr>
-        <p:grpSpPr>
-          <a:xfrm rot="0">
-            <a:off x="8233395" y="6919390"/>
-            <a:ext cx="3086992" cy="14288"/>
-            <a:chOff x="0" y="0"/>
-            <a:chExt cx="4115990" cy="19050"/>
-          </a:xfrm>
-        </p:grpSpPr>
-        <p:sp>
-          <p:nvSpPr>
-            <p:cNvPr name="Freeform 38" id="38"/>
-            <p:cNvSpPr/>
-            <p:nvPr/>
-          </p:nvSpPr>
-          <p:spPr>
-            <a:xfrm flipH="false" flipV="false" rot="0">
-              <a:off x="0" y="0"/>
-              <a:ext cx="4115943" cy="19050"/>
-            </a:xfrm>
-            <a:custGeom>
-              <a:avLst/>
-              <a:gdLst/>
-              <a:ahLst/>
-              <a:cxnLst/>
-              <a:rect r="r" b="b" t="t" l="l"/>
-              <a:pathLst>
-                <a:path h="19050" w="4115943">
-                  <a:moveTo>
-                    <a:pt x="0" y="0"/>
-                  </a:moveTo>
-                  <a:lnTo>
-                    <a:pt x="4115943" y="0"/>
-                  </a:lnTo>
-                  <a:lnTo>
-                    <a:pt x="4115943" y="19050"/>
-                  </a:lnTo>
-                  <a:lnTo>
-                    <a:pt x="0" y="19050"/>
-                  </a:lnTo>
-                  <a:close/>
-                </a:path>
-              </a:pathLst>
-            </a:custGeom>
-            <a:solidFill>
-              <a:srgbClr val="333333"/>
-            </a:solidFill>
-            <a:ln w="12700">
-              <a:solidFill>
-                <a:srgbClr val="000000"/>
-              </a:solidFill>
-            </a:ln>
-          </p:spPr>
-        </p:sp>
-      </p:grpSp>
+              <a:t> </a:t>
+            </a:r>
+            <a:r>
+              <a:rPr lang="en-US" sz="2250">
+                <a:solidFill>
+                  <a:srgbClr val="DEFF9A"/>
+                </a:solidFill>
+                <a:latin typeface="Arimo"/>
+                <a:ea typeface="Arimo"/>
+                <a:cs typeface="Arimo"/>
+                <a:sym typeface="Arimo"/>
+              </a:rPr>
+              <a:t>Port 22</a:t>
+            </a:r>
+            <a:r>
+              <a:rPr lang="en-US" sz="2250">
+                <a:solidFill>
+                  <a:srgbClr val="E0E0E0"/>
+                </a:solidFill>
+                <a:latin typeface="Arimo"/>
+                <a:ea typeface="Arimo"/>
+                <a:cs typeface="Arimo"/>
+                <a:sym typeface="Arimo"/>
+              </a:rPr>
+              <a:t> is restricted solely to the trusted Admin-Kali-PC IP (</a:t>
+            </a:r>
+            <a:r>
+              <a:rPr lang="en-US" sz="2250">
+                <a:solidFill>
+                  <a:srgbClr val="DEFF9A"/>
+                </a:solidFill>
+                <a:latin typeface="Arimo"/>
+                <a:ea typeface="Arimo"/>
+                <a:cs typeface="Arimo"/>
+                <a:sym typeface="Arimo"/>
+              </a:rPr>
+              <a:t>192.168.20.10</a:t>
+            </a:r>
+            <a:r>
+              <a:rPr lang="en-US" sz="2250">
+                <a:solidFill>
+                  <a:srgbClr val="E0E0E0"/>
+                </a:solidFill>
+                <a:latin typeface="Arimo"/>
+                <a:ea typeface="Arimo"/>
+                <a:cs typeface="Arimo"/>
+                <a:sym typeface="Arimo"/>
+              </a:rPr>
+              <a:t>).</a:t>
+            </a:r>
+          </a:p>
+        </p:txBody>
+      </p:sp>
     </p:spTree>
   </p:cSld>
   <p:clrMapOvr>
@@ -8481,13 +6409,14 @@
 </file>
 
 <file path=ppt/slides/slide4.xml><?xml version="1.0" encoding="utf-8"?>
-<p:sld xmlns:p="http://schemas.openxmlformats.org/presentationml/2006/main" xmlns:a="http://schemas.openxmlformats.org/drawingml/2006/main">
+<p:sld xmlns:a="http://schemas.openxmlformats.org/drawingml/2006/main" xmlns:r="http://schemas.openxmlformats.org/officeDocument/2006/relationships" xmlns:p="http://schemas.openxmlformats.org/presentationml/2006/main">
   <p:cSld>
     <p:bg>
       <p:bgPr>
         <a:solidFill>
           <a:srgbClr val="111111"/>
         </a:solidFill>
+        <a:effectLst/>
       </p:bgPr>
     </p:bg>
     <p:spTree>
@@ -8504,23 +6433,86 @@
           <a:chExt cx="0" cy="0"/>
         </a:xfrm>
       </p:grpSpPr>
-      <p:sp>
-        <p:nvSpPr>
-          <p:cNvPr name="TextBox 2" id="2"/>
-          <p:cNvSpPr txBox="true"/>
+      <p:grpSp>
+        <p:nvGrpSpPr>
+          <p:cNvPr id="2" name="Group 2"/>
+          <p:cNvGrpSpPr>
+            <a:grpSpLocks noChangeAspect="1"/>
+          </p:cNvGrpSpPr>
           <p:nvPr/>
-        </p:nvSpPr>
-        <p:spPr>
-          <a:xfrm rot="0">
-            <a:off x="857250" y="762000"/>
-            <a:ext cx="17402175" cy="1822934"/>
-          </a:xfrm>
-          <a:prstGeom prst="rect">
-            <a:avLst/>
-          </a:prstGeom>
-        </p:spPr>
-        <p:txBody>
-          <a:bodyPr anchor="t" rtlCol="false" tIns="0" lIns="0" bIns="0" rIns="0">
+        </p:nvGrpSpPr>
+        <p:grpSpPr>
+          <a:xfrm>
+            <a:off x="0" y="0"/>
+            <a:ext cx="18288000" cy="10287000"/>
+            <a:chOff x="0" y="0"/>
+            <a:chExt cx="24384000" cy="13716000"/>
+          </a:xfrm>
+        </p:grpSpPr>
+        <p:sp>
+          <p:nvSpPr>
+            <p:cNvPr id="3" name="Freeform 3" descr="image.png"/>
+            <p:cNvSpPr/>
+            <p:nvPr/>
+          </p:nvSpPr>
+          <p:spPr>
+            <a:xfrm>
+              <a:off x="0" y="0"/>
+              <a:ext cx="24384000" cy="13716000"/>
+            </a:xfrm>
+            <a:custGeom>
+              <a:avLst/>
+              <a:gdLst/>
+              <a:ahLst/>
+              <a:cxnLst/>
+              <a:rect l="l" t="t" r="r" b="b"/>
+              <a:pathLst>
+                <a:path w="24384000" h="13716000">
+                  <a:moveTo>
+                    <a:pt x="0" y="0"/>
+                  </a:moveTo>
+                  <a:lnTo>
+                    <a:pt x="24384000" y="0"/>
+                  </a:lnTo>
+                  <a:lnTo>
+                    <a:pt x="24384000" y="13716000"/>
+                  </a:lnTo>
+                  <a:lnTo>
+                    <a:pt x="0" y="13716000"/>
+                  </a:lnTo>
+                  <a:lnTo>
+                    <a:pt x="0" y="0"/>
+                  </a:lnTo>
+                  <a:close/>
+                </a:path>
+              </a:pathLst>
+            </a:custGeom>
+            <a:blipFill>
+              <a:blip r:embed="rId3"/>
+              <a:stretch>
+                <a:fillRect/>
+              </a:stretch>
+            </a:blipFill>
+          </p:spPr>
+        </p:sp>
+      </p:grpSp>
+      <p:sp>
+        <p:nvSpPr>
+          <p:cNvPr id="4" name="TextBox 4"/>
+          <p:cNvSpPr txBox="1"/>
+          <p:nvPr/>
+        </p:nvSpPr>
+        <p:spPr>
+          <a:xfrm>
+            <a:off x="1028700" y="762000"/>
+            <a:ext cx="17402175" cy="918059"/>
+          </a:xfrm>
+          <a:prstGeom prst="rect">
+            <a:avLst/>
+          </a:prstGeom>
+        </p:spPr>
+        <p:txBody>
+          <a:bodyPr lIns="0" tIns="0" rIns="0" bIns="0" rtlCol="0" anchor="t">
             <a:spAutoFit/>
           </a:bodyPr>
           <a:lstStyle/>
@@ -8531,7 +6523,7 @@
               </a:lnSpc>
             </a:pPr>
             <a:r>
-              <a:rPr lang="en-US" b="true" sz="5400">
+              <a:rPr lang="en-US" sz="5400" b="1">
                 <a:solidFill>
                   <a:srgbClr val="F5F5F5"/>
                 </a:solidFill>
@@ -8540,19 +6532,19 @@
                 <a:cs typeface="Arimo Bold"/>
                 <a:sym typeface="Arimo Bold"/>
               </a:rPr>
-              <a:t>IMPLEMENTED SECURITY MEASURES: UFW FIREWALL</a:t>
+              <a:t>IMPLEMENTED SECURITY MEASURES: DOCKER</a:t>
             </a:r>
           </a:p>
         </p:txBody>
       </p:sp>
       <p:grpSp>
         <p:nvGrpSpPr>
-          <p:cNvPr name="Group 3" id="3"/>
+          <p:cNvPr id="5" name="Group 5"/>
           <p:cNvGrpSpPr/>
           <p:nvPr/>
         </p:nvGrpSpPr>
         <p:grpSpPr>
-          <a:xfrm rot="0">
+          <a:xfrm>
             <a:off x="857250" y="2651670"/>
             <a:ext cx="16573500" cy="14288"/>
             <a:chOff x="0" y="0"/>
@@ -8561,12 +6553,12 @@
         </p:grpSpPr>
         <p:sp>
           <p:nvSpPr>
-            <p:cNvPr name="Freeform 4" id="4"/>
+            <p:cNvPr id="6" name="Freeform 6"/>
             <p:cNvSpPr/>
             <p:nvPr/>
           </p:nvSpPr>
           <p:spPr>
-            <a:xfrm flipH="false" flipV="false" rot="0">
+            <a:xfrm>
               <a:off x="0" y="0"/>
               <a:ext cx="22098000" cy="19050"/>
             </a:xfrm>
@@ -8575,9 +6567,9 @@
               <a:gdLst/>
               <a:ahLst/>
               <a:cxnLst/>
-              <a:rect r="r" b="b" t="t" l="l"/>
+              <a:rect l="l" t="t" r="r" b="b"/>
               <a:pathLst>
-                <a:path h="19050" w="22098000">
+                <a:path w="22098000" h="19050">
                   <a:moveTo>
                     <a:pt x="0" y="0"/>
                   </a:moveTo>
@@ -8607,21 +6599,21 @@
       </p:grpSp>
       <p:sp>
         <p:nvSpPr>
-          <p:cNvPr name="TextBox 5" id="5"/>
-          <p:cNvSpPr txBox="true"/>
+          <p:cNvPr id="7" name="TextBox 7"/>
+          <p:cNvSpPr txBox="1"/>
           <p:nvPr/>
         </p:nvSpPr>
         <p:spPr>
-          <a:xfrm rot="0">
-            <a:off x="857250" y="3402024"/>
-            <a:ext cx="8251031" cy="504825"/>
-          </a:xfrm>
-          <a:prstGeom prst="rect">
-            <a:avLst/>
-          </a:prstGeom>
-        </p:spPr>
-        <p:txBody>
-          <a:bodyPr anchor="t" rtlCol="false" tIns="0" lIns="0" bIns="0" rIns="0">
+          <a:xfrm>
+            <a:off x="1028700" y="2646907"/>
+            <a:ext cx="8251031" cy="990600"/>
+          </a:xfrm>
+          <a:prstGeom prst="rect">
+            <a:avLst/>
+          </a:prstGeom>
+        </p:spPr>
+        <p:txBody>
+          <a:bodyPr lIns="0" tIns="0" rIns="0" bIns="0" rtlCol="0" anchor="t">
             <a:spAutoFit/>
           </a:bodyPr>
           <a:lstStyle/>
@@ -8641,28 +6633,28 @@
                 <a:cs typeface="Arimo"/>
                 <a:sym typeface="Arimo"/>
               </a:rPr>
-              <a:t>HOST-LEVEL ACCESS CONTROL</a:t>
-            </a:r>
-          </a:p>
-        </p:txBody>
-      </p:sp>
-      <p:sp>
-        <p:nvSpPr>
-          <p:cNvPr name="TextBox 6" id="6"/>
-          <p:cNvSpPr txBox="true"/>
+              <a:t>APPLICATION ISOLATION AND CONTAINMENT</a:t>
+            </a:r>
+          </a:p>
+        </p:txBody>
+      </p:sp>
+      <p:sp>
+        <p:nvSpPr>
+          <p:cNvPr id="8" name="TextBox 8"/>
+          <p:cNvSpPr txBox="1"/>
           <p:nvPr/>
         </p:nvSpPr>
         <p:spPr>
-          <a:xfrm rot="0">
-            <a:off x="838200" y="6900340"/>
-            <a:ext cx="7858125" cy="1594485"/>
-          </a:xfrm>
-          <a:prstGeom prst="rect">
-            <a:avLst/>
-          </a:prstGeom>
-        </p:spPr>
-        <p:txBody>
-          <a:bodyPr anchor="t" rtlCol="false" tIns="0" lIns="0" bIns="0" rIns="0">
+          <a:xfrm>
+            <a:off x="857250" y="4057650"/>
+            <a:ext cx="7858125" cy="1051560"/>
+          </a:xfrm>
+          <a:prstGeom prst="rect">
+            <a:avLst/>
+          </a:prstGeom>
+        </p:spPr>
+        <p:txBody>
+          <a:bodyPr lIns="0" tIns="0" rIns="0" bIns="0" rtlCol="0" anchor="t">
             <a:spAutoFit/>
           </a:bodyPr>
           <a:lstStyle/>
@@ -8673,7 +6665,7 @@
               </a:lnSpc>
             </a:pPr>
             <a:r>
-              <a:rPr lang="en-US" b="true" sz="2250">
+              <a:rPr lang="en-US" sz="2250" b="1">
                 <a:solidFill>
                   <a:srgbClr val="E0E0E0"/>
                 </a:solidFill>
@@ -8682,7 +6674,7 @@
                 <a:cs typeface="Arimo Bold"/>
                 <a:sym typeface="Arimo Bold"/>
               </a:rPr>
-              <a:t>Function:</a:t>
+              <a:t>Application:</a:t>
             </a:r>
             <a:r>
               <a:rPr lang="en-US" sz="2250">
@@ -8694,161 +6686,7 @@
                 <a:cs typeface="Arimo"/>
                 <a:sym typeface="Arimo"/>
               </a:rPr>
-              <a:t> Acts as the first line of defense, strictly controlling network traffic and minimizing the server's attack surface against brute-force and exploitation attempts.</a:t>
-            </a:r>
-          </a:p>
-        </p:txBody>
-      </p:sp>
-      <p:sp>
-        <p:nvSpPr>
-          <p:cNvPr name="TextBox 7" id="7"/>
-          <p:cNvSpPr txBox="true"/>
-          <p:nvPr/>
-        </p:nvSpPr>
-        <p:spPr>
-          <a:xfrm rot="0">
-            <a:off x="857250" y="4055807"/>
-            <a:ext cx="7248525" cy="508635"/>
-          </a:xfrm>
-          <a:prstGeom prst="rect">
-            <a:avLst/>
-          </a:prstGeom>
-        </p:spPr>
-        <p:txBody>
-          <a:bodyPr anchor="t" rtlCol="false" tIns="0" lIns="0" bIns="0" rIns="0">
-            <a:spAutoFit/>
-          </a:bodyPr>
-          <a:lstStyle/>
-          <a:p>
-            <a:pPr algn="l">
-              <a:lnSpc>
-                <a:spcPts val="4320"/>
-              </a:lnSpc>
-            </a:pPr>
-            <a:r>
-              <a:rPr lang="en-US" b="true" sz="2250">
-                <a:solidFill>
-                  <a:srgbClr val="E0E0E0"/>
-                </a:solidFill>
-                <a:latin typeface="Arimo Bold"/>
-                <a:ea typeface="Arimo Bold"/>
-                <a:cs typeface="Arimo Bold"/>
-                <a:sym typeface="Arimo Bold"/>
-              </a:rPr>
-              <a:t>Default Policy:</a:t>
-            </a:r>
-            <a:r>
-              <a:rPr lang="en-US" sz="2250">
-                <a:solidFill>
-                  <a:srgbClr val="E0E0E0"/>
-                </a:solidFill>
-                <a:latin typeface="Arimo"/>
-                <a:ea typeface="Arimo"/>
-                <a:cs typeface="Arimo"/>
-                <a:sym typeface="Arimo"/>
-              </a:rPr>
-              <a:t> Deny ALL incoming traffic.</a:t>
-            </a:r>
-          </a:p>
-        </p:txBody>
-      </p:sp>
-      <p:sp>
-        <p:nvSpPr>
-          <p:cNvPr name="TextBox 8" id="8"/>
-          <p:cNvSpPr txBox="true"/>
-          <p:nvPr/>
-        </p:nvSpPr>
-        <p:spPr>
-          <a:xfrm rot="0">
-            <a:off x="857250" y="4667250"/>
-            <a:ext cx="7248525" cy="628650"/>
-          </a:xfrm>
-          <a:prstGeom prst="rect">
-            <a:avLst/>
-          </a:prstGeom>
-        </p:spPr>
-        <p:txBody>
-          <a:bodyPr anchor="t" rtlCol="false" tIns="0" lIns="0" bIns="0" rIns="0">
-            <a:spAutoFit/>
-          </a:bodyPr>
-          <a:lstStyle/>
-          <a:p>
-            <a:pPr algn="l">
-              <a:lnSpc>
-                <a:spcPts val="4320"/>
-              </a:lnSpc>
-            </a:pPr>
-            <a:r>
-              <a:rPr lang="en-US" b="true" sz="2250">
-                <a:solidFill>
-                  <a:srgbClr val="E0E0E0"/>
-                </a:solidFill>
-                <a:latin typeface="Arimo Bold"/>
-                <a:ea typeface="Arimo Bold"/>
-                <a:cs typeface="Arimo Bold"/>
-                <a:sym typeface="Arimo Bold"/>
-              </a:rPr>
-              <a:t>Allowed Ports:</a:t>
-            </a:r>
-            <a:r>
-              <a:rPr lang="en-US" sz="2250">
-                <a:solidFill>
-                  <a:srgbClr val="E0E0E0"/>
-                </a:solidFill>
-                <a:latin typeface="Arimo"/>
-                <a:ea typeface="Arimo"/>
-                <a:cs typeface="Arimo"/>
-                <a:sym typeface="Arimo"/>
-              </a:rPr>
-              <a:t> Explicitly enabled only </a:t>
-            </a:r>
-            <a:r>
-              <a:rPr lang="en-US" sz="2250">
-                <a:solidFill>
-                  <a:srgbClr val="DEFF9A"/>
-                </a:solidFill>
-                <a:latin typeface="Arimo"/>
-                <a:ea typeface="Arimo"/>
-                <a:cs typeface="Arimo"/>
-                <a:sym typeface="Arimo"/>
-              </a:rPr>
-              <a:t>80</a:t>
-            </a:r>
-            <a:r>
-              <a:rPr lang="en-US" sz="2250">
-                <a:solidFill>
-                  <a:srgbClr val="E0E0E0"/>
-                </a:solidFill>
-                <a:latin typeface="Arimo"/>
-                <a:ea typeface="Arimo"/>
-                <a:cs typeface="Arimo"/>
-                <a:sym typeface="Arimo"/>
-              </a:rPr>
-              <a:t>, </a:t>
-            </a:r>
-            <a:r>
-              <a:rPr lang="en-US" sz="2250">
-                <a:solidFill>
-                  <a:srgbClr val="DEFF9A"/>
-                </a:solidFill>
-                <a:latin typeface="Arimo"/>
-                <a:ea typeface="Arimo"/>
-                <a:cs typeface="Arimo"/>
-                <a:sym typeface="Arimo"/>
-              </a:rPr>
-              <a:t>443</a:t>
-            </a:r>
-            <a:r>
-              <a:rPr lang="en-US" sz="2250">
-                <a:solidFill>
-                  <a:srgbClr val="E0E0E0"/>
-                </a:solidFill>
-                <a:latin typeface="Arimo"/>
-                <a:ea typeface="Arimo"/>
-                <a:cs typeface="Arimo"/>
-                <a:sym typeface="Arimo"/>
-              </a:rPr>
-              <a:t>, </a:t>
+              <a:t> OWASP Juice Shop deployed in a Docker container (exposed on port </a:t>
             </a:r>
             <a:r>
               <a:rPr lang="en-US" sz="2250">
@@ -8872,28 +6710,28 @@
                 <a:cs typeface="Arimo"/>
                 <a:sym typeface="Arimo"/>
               </a:rPr>
-              <a:t>.</a:t>
-            </a:r>
-          </a:p>
-        </p:txBody>
-      </p:sp>
-      <p:sp>
-        <p:nvSpPr>
-          <p:cNvPr name="TextBox 9" id="9"/>
-          <p:cNvSpPr txBox="true"/>
+              <a:t>).</a:t>
+            </a:r>
+          </a:p>
+        </p:txBody>
+      </p:sp>
+      <p:sp>
+        <p:nvSpPr>
+          <p:cNvPr id="9" name="TextBox 9"/>
+          <p:cNvSpPr txBox="1"/>
           <p:nvPr/>
         </p:nvSpPr>
         <p:spPr>
-          <a:xfrm rot="0">
-            <a:off x="857250" y="5276850"/>
-            <a:ext cx="7248525" cy="1085850"/>
-          </a:xfrm>
-          <a:prstGeom prst="rect">
-            <a:avLst/>
-          </a:prstGeom>
-        </p:spPr>
-        <p:txBody>
-          <a:bodyPr anchor="t" rtlCol="false" tIns="0" lIns="0" bIns="0" rIns="0">
+          <a:xfrm>
+            <a:off x="857250" y="5562600"/>
+            <a:ext cx="7858125" cy="1594485"/>
+          </a:xfrm>
+          <a:prstGeom prst="rect">
+            <a:avLst/>
+          </a:prstGeom>
+        </p:spPr>
+        <p:txBody>
+          <a:bodyPr lIns="0" tIns="0" rIns="0" bIns="0" rtlCol="0" anchor="t">
             <a:spAutoFit/>
           </a:bodyPr>
           <a:lstStyle/>
@@ -8904,7 +6742,7 @@
               </a:lnSpc>
             </a:pPr>
             <a:r>
-              <a:rPr lang="en-US" b="true" sz="2250">
+              <a:rPr lang="en-US" sz="2250" b="1" dirty="0">
                 <a:solidFill>
                   <a:srgbClr val="E0E0E0"/>
                 </a:solidFill>
@@ -8913,10 +6751,10 @@
                 <a:cs typeface="Arimo Bold"/>
                 <a:sym typeface="Arimo Bold"/>
               </a:rPr>
-              <a:t>SSH Restriction:</a:t>
-            </a:r>
-            <a:r>
-              <a:rPr lang="en-US" sz="2250">
+              <a:t>Security Benefit:</a:t>
+            </a:r>
+            <a:r>
+              <a:rPr lang="en-US" sz="2250" dirty="0">
                 <a:solidFill>
                   <a:srgbClr val="E0E0E0"/>
                 </a:solidFill>
@@ -8925,55 +6763,60 @@
                 <a:cs typeface="Arimo"/>
                 <a:sym typeface="Arimo"/>
               </a:rPr>
-              <a:t> </a:t>
+              <a:t> Isolation. Contains potential breaches within the container, preventing attackers from gaining root access to the host OS or moving laterally.</a:t>
+            </a:r>
+          </a:p>
+        </p:txBody>
+      </p:sp>
+      <p:sp>
+        <p:nvSpPr>
+          <p:cNvPr id="10" name="TextBox 10"/>
+          <p:cNvSpPr txBox="1"/>
+          <p:nvPr/>
+        </p:nvSpPr>
+        <p:spPr>
+          <a:xfrm>
+            <a:off x="857250" y="7524750"/>
+            <a:ext cx="7858125" cy="1051560"/>
+          </a:xfrm>
+          <a:prstGeom prst="rect">
+            <a:avLst/>
+          </a:prstGeom>
+        </p:spPr>
+        <p:txBody>
+          <a:bodyPr lIns="0" tIns="0" rIns="0" bIns="0" rtlCol="0" anchor="t">
+            <a:spAutoFit/>
+          </a:bodyPr>
+          <a:lstStyle/>
+          <a:p>
+            <a:pPr algn="l">
+              <a:lnSpc>
+                <a:spcPts val="4320"/>
+              </a:lnSpc>
+            </a:pPr>
+            <a:r>
+              <a:rPr lang="en-US" sz="2250" b="1">
+                <a:solidFill>
+                  <a:srgbClr val="E0E0E0"/>
+                </a:solidFill>
+                <a:latin typeface="Arimo Bold"/>
+                <a:ea typeface="Arimo Bold"/>
+                <a:cs typeface="Arimo Bold"/>
+                <a:sym typeface="Arimo Bold"/>
+              </a:rPr>
+              <a:t>Resilience:</a:t>
             </a:r>
             <a:r>
               <a:rPr lang="en-US" sz="2250">
                 <a:solidFill>
-                  <a:srgbClr val="DEFF9A"/>
+                  <a:srgbClr val="E0E0E0"/>
                 </a:solidFill>
                 <a:latin typeface="Arimo"/>
                 <a:ea typeface="Arimo"/>
                 <a:cs typeface="Arimo"/>
                 <a:sym typeface="Arimo"/>
               </a:rPr>
-              <a:t>Port 22</a:t>
-            </a:r>
-            <a:r>
-              <a:rPr lang="en-US" sz="2250">
-                <a:solidFill>
-                  <a:srgbClr val="E0E0E0"/>
-                </a:solidFill>
-                <a:latin typeface="Arimo"/>
-                <a:ea typeface="Arimo"/>
-                <a:cs typeface="Arimo"/>
-                <a:sym typeface="Arimo"/>
-              </a:rPr>
-              <a:t> is restricted solely to the trusted Admin-Kali-PC IP (</a:t>
-            </a:r>
-            <a:r>
-              <a:rPr lang="en-US" sz="2250">
-                <a:solidFill>
-                  <a:srgbClr val="DEFF9A"/>
-                </a:solidFill>
-                <a:latin typeface="Arimo"/>
-                <a:ea typeface="Arimo"/>
-                <a:cs typeface="Arimo"/>
-                <a:sym typeface="Arimo"/>
-              </a:rPr>
-              <a:t>192.168.20.10</a:t>
-            </a:r>
-            <a:r>
-              <a:rPr lang="en-US" sz="2250">
-                <a:solidFill>
-                  <a:srgbClr val="E0E0E0"/>
-                </a:solidFill>
-                <a:latin typeface="Arimo"/>
-                <a:ea typeface="Arimo"/>
-                <a:cs typeface="Arimo"/>
-                <a:sym typeface="Arimo"/>
-              </a:rPr>
-              <a:t>).</a:t>
+              <a:t> Malicious changes are non-persistent and automatically erased when the container is restarted.</a:t>
             </a:r>
           </a:p>
         </p:txBody>
@@ -8987,13 +6830,14 @@
 </file>
 
 <file path=ppt/slides/slide5.xml><?xml version="1.0" encoding="utf-8"?>
-<p:sld xmlns:p="http://schemas.openxmlformats.org/presentationml/2006/main" xmlns:a="http://schemas.openxmlformats.org/drawingml/2006/main" xmlns:r="http://schemas.openxmlformats.org/officeDocument/2006/relationships">
+<p:sld xmlns:a="http://schemas.openxmlformats.org/drawingml/2006/main" xmlns:r="http://schemas.openxmlformats.org/officeDocument/2006/relationships" xmlns:p="http://schemas.openxmlformats.org/presentationml/2006/main">
   <p:cSld>
     <p:bg>
       <p:bgPr>
         <a:solidFill>
           <a:srgbClr val="111111"/>
         </a:solidFill>
+        <a:effectLst/>
       </p:bgPr>
     </p:bg>
     <p:spTree>
@@ -9012,14 +6856,14 @@
       </p:grpSpPr>
       <p:grpSp>
         <p:nvGrpSpPr>
-          <p:cNvPr name="Group 2" id="2"/>
+          <p:cNvPr id="2" name="Group 2"/>
           <p:cNvGrpSpPr>
-            <a:grpSpLocks noChangeAspect="true"/>
+            <a:grpSpLocks noChangeAspect="1"/>
           </p:cNvGrpSpPr>
           <p:nvPr/>
         </p:nvGrpSpPr>
         <p:grpSpPr>
-          <a:xfrm rot="0">
+          <a:xfrm>
             <a:off x="0" y="0"/>
             <a:ext cx="18288000" cy="10287000"/>
             <a:chOff x="0" y="0"/>
@@ -9028,12 +6872,12 @@
         </p:grpSpPr>
         <p:sp>
           <p:nvSpPr>
-            <p:cNvPr name="Freeform 3" id="3" descr="image.png"/>
+            <p:cNvPr id="3" name="Freeform 3" descr="image.png"/>
             <p:cNvSpPr/>
             <p:nvPr/>
           </p:nvSpPr>
           <p:spPr>
-            <a:xfrm flipH="false" flipV="false" rot="0">
+            <a:xfrm>
               <a:off x="0" y="0"/>
               <a:ext cx="24384000" cy="13716000"/>
             </a:xfrm>
@@ -9042,9 +6886,9 @@
               <a:gdLst/>
               <a:ahLst/>
               <a:cxnLst/>
-              <a:rect r="r" b="b" t="t" l="l"/>
+              <a:rect l="l" t="t" r="r" b="b"/>
               <a:pathLst>
-                <a:path h="13716000" w="24384000">
+                <a:path w="24384000" h="13716000">
                   <a:moveTo>
                     <a:pt x="0" y="0"/>
                   </a:moveTo>
@@ -9067,7 +6911,7 @@
             <a:blipFill>
               <a:blip r:embed="rId3"/>
               <a:stretch>
-                <a:fillRect l="0" t="0" r="0" b="0"/>
+                <a:fillRect/>
               </a:stretch>
             </a:blipFill>
           </p:spPr>
@@ -9075,21 +6919,21 @@
       </p:grpSp>
       <p:sp>
         <p:nvSpPr>
-          <p:cNvPr name="TextBox 4" id="4"/>
-          <p:cNvSpPr txBox="true"/>
+          <p:cNvPr id="4" name="TextBox 4"/>
+          <p:cNvSpPr txBox="1"/>
           <p:nvPr/>
         </p:nvSpPr>
         <p:spPr>
-          <a:xfrm rot="0">
-            <a:off x="1028700" y="762000"/>
-            <a:ext cx="17402175" cy="918059"/>
-          </a:xfrm>
-          <a:prstGeom prst="rect">
-            <a:avLst/>
-          </a:prstGeom>
-        </p:spPr>
-        <p:txBody>
-          <a:bodyPr anchor="t" rtlCol="false" tIns="0" lIns="0" bIns="0" rIns="0">
+          <a:xfrm>
+            <a:off x="857250" y="762000"/>
+            <a:ext cx="17402175" cy="1822934"/>
+          </a:xfrm>
+          <a:prstGeom prst="rect">
+            <a:avLst/>
+          </a:prstGeom>
+        </p:spPr>
+        <p:txBody>
+          <a:bodyPr lIns="0" tIns="0" rIns="0" bIns="0" rtlCol="0" anchor="t">
             <a:spAutoFit/>
           </a:bodyPr>
           <a:lstStyle/>
@@ -9100,7 +6944,7 @@
               </a:lnSpc>
             </a:pPr>
             <a:r>
-              <a:rPr lang="en-US" b="true" sz="5400">
+              <a:rPr lang="en-US" sz="5400" b="1">
                 <a:solidFill>
                   <a:srgbClr val="F5F5F5"/>
                 </a:solidFill>
@@ -9109,19 +6953,19 @@
                 <a:cs typeface="Arimo Bold"/>
                 <a:sym typeface="Arimo Bold"/>
               </a:rPr>
-              <a:t>IMPLEMENTED SECURITY MEASURES: DOCKER</a:t>
+              <a:t>IMPLEMENTED SECURITY MEASURES: SURICATA IDS</a:t>
             </a:r>
           </a:p>
         </p:txBody>
       </p:sp>
       <p:grpSp>
         <p:nvGrpSpPr>
-          <p:cNvPr name="Group 5" id="5"/>
+          <p:cNvPr id="5" name="Group 5"/>
           <p:cNvGrpSpPr/>
           <p:nvPr/>
         </p:nvGrpSpPr>
         <p:grpSpPr>
-          <a:xfrm rot="0">
+          <a:xfrm>
             <a:off x="857250" y="2651670"/>
             <a:ext cx="16573500" cy="14288"/>
             <a:chOff x="0" y="0"/>
@@ -9130,12 +6974,12 @@
         </p:grpSpPr>
         <p:sp>
           <p:nvSpPr>
-            <p:cNvPr name="Freeform 6" id="6"/>
+            <p:cNvPr id="6" name="Freeform 6"/>
             <p:cNvSpPr/>
             <p:nvPr/>
           </p:nvSpPr>
           <p:spPr>
-            <a:xfrm flipH="false" flipV="false" rot="0">
+            <a:xfrm>
               <a:off x="0" y="0"/>
               <a:ext cx="22098000" cy="19050"/>
             </a:xfrm>
@@ -9144,9 +6988,9 @@
               <a:gdLst/>
               <a:ahLst/>
               <a:cxnLst/>
-              <a:rect r="r" b="b" t="t" l="l"/>
+              <a:rect l="l" t="t" r="r" b="b"/>
               <a:pathLst>
-                <a:path h="19050" w="22098000">
+                <a:path w="22098000" h="19050">
                   <a:moveTo>
                     <a:pt x="0" y="0"/>
                   </a:moveTo>
@@ -9176,21 +7020,21 @@
       </p:grpSp>
       <p:sp>
         <p:nvSpPr>
-          <p:cNvPr name="TextBox 7" id="7"/>
-          <p:cNvSpPr txBox="true"/>
+          <p:cNvPr id="7" name="TextBox 7"/>
+          <p:cNvSpPr txBox="1"/>
           <p:nvPr/>
         </p:nvSpPr>
         <p:spPr>
-          <a:xfrm rot="0">
-            <a:off x="1028700" y="2646907"/>
-            <a:ext cx="8251031" cy="990600"/>
-          </a:xfrm>
-          <a:prstGeom prst="rect">
-            <a:avLst/>
-          </a:prstGeom>
-        </p:spPr>
-        <p:txBody>
-          <a:bodyPr anchor="t" rtlCol="false" tIns="0" lIns="0" bIns="0" rIns="0">
+          <a:xfrm>
+            <a:off x="857250" y="3214166"/>
+            <a:ext cx="8251031" cy="504825"/>
+          </a:xfrm>
+          <a:prstGeom prst="rect">
+            <a:avLst/>
+          </a:prstGeom>
+        </p:spPr>
+        <p:txBody>
+          <a:bodyPr lIns="0" tIns="0" rIns="0" bIns="0" rtlCol="0" anchor="t">
             <a:spAutoFit/>
           </a:bodyPr>
           <a:lstStyle/>
@@ -9210,28 +7054,28 @@
                 <a:cs typeface="Arimo"/>
                 <a:sym typeface="Arimo"/>
               </a:rPr>
-              <a:t>APPLICATION ISOLATION AND CONTAINMENT</a:t>
-            </a:r>
-          </a:p>
-        </p:txBody>
-      </p:sp>
-      <p:sp>
-        <p:nvSpPr>
-          <p:cNvPr name="TextBox 8" id="8"/>
-          <p:cNvSpPr txBox="true"/>
+              <a:t>REAL-TIME THREAT DETECTION</a:t>
+            </a:r>
+          </a:p>
+        </p:txBody>
+      </p:sp>
+      <p:sp>
+        <p:nvSpPr>
+          <p:cNvPr id="8" name="TextBox 8"/>
+          <p:cNvSpPr txBox="1"/>
           <p:nvPr/>
         </p:nvSpPr>
         <p:spPr>
-          <a:xfrm rot="0">
-            <a:off x="857250" y="4057650"/>
-            <a:ext cx="7858125" cy="1051560"/>
-          </a:xfrm>
-          <a:prstGeom prst="rect">
-            <a:avLst/>
-          </a:prstGeom>
-        </p:spPr>
-        <p:txBody>
-          <a:bodyPr anchor="t" rtlCol="false" tIns="0" lIns="0" bIns="0" rIns="0">
+          <a:xfrm>
+            <a:off x="857250" y="3906849"/>
+            <a:ext cx="7858125" cy="1085850"/>
+          </a:xfrm>
+          <a:prstGeom prst="rect">
+            <a:avLst/>
+          </a:prstGeom>
+        </p:spPr>
+        <p:txBody>
+          <a:bodyPr lIns="0" tIns="0" rIns="0" bIns="0" rtlCol="0" anchor="t">
             <a:spAutoFit/>
           </a:bodyPr>
           <a:lstStyle/>
@@ -9242,7 +7086,7 @@
               </a:lnSpc>
             </a:pPr>
             <a:r>
-              <a:rPr lang="en-US" b="true" sz="2250">
+              <a:rPr lang="en-US" sz="2250" b="1">
                 <a:solidFill>
                   <a:srgbClr val="E0E0E0"/>
                 </a:solidFill>
@@ -9251,7 +7095,7 @@
                 <a:cs typeface="Arimo Bold"/>
                 <a:sym typeface="Arimo Bold"/>
               </a:rPr>
-              <a:t>Application:</a:t>
+              <a:t>Deployment:</a:t>
             </a:r>
             <a:r>
               <a:rPr lang="en-US" sz="2250">
@@ -9263,7 +7107,7 @@
                 <a:cs typeface="Arimo"/>
                 <a:sym typeface="Arimo"/>
               </a:rPr>
-              <a:t> OWASP Juice Shop deployed in a Docker container (exposed on port </a:t>
+              <a:t> Installed and configured to monitor the DMZ interface (</a:t>
             </a:r>
             <a:r>
               <a:rPr lang="en-US" sz="2250">
@@ -9275,7 +7119,7 @@
                 <a:cs typeface="Arimo"/>
                 <a:sym typeface="Arimo"/>
               </a:rPr>
-              <a:t>3000</a:t>
+              <a:t>enp0s8</a:t>
             </a:r>
             <a:r>
               <a:rPr lang="en-US" sz="2250">
@@ -9294,21 +7138,21 @@
       </p:sp>
       <p:sp>
         <p:nvSpPr>
-          <p:cNvPr name="TextBox 9" id="9"/>
-          <p:cNvSpPr txBox="true"/>
+          <p:cNvPr id="9" name="TextBox 9"/>
+          <p:cNvSpPr txBox="1"/>
           <p:nvPr/>
         </p:nvSpPr>
         <p:spPr>
-          <a:xfrm rot="0">
-            <a:off x="857250" y="5562600"/>
-            <a:ext cx="7858125" cy="1594485"/>
-          </a:xfrm>
-          <a:prstGeom prst="rect">
-            <a:avLst/>
-          </a:prstGeom>
-        </p:spPr>
-        <p:txBody>
-          <a:bodyPr anchor="t" rtlCol="false" tIns="0" lIns="0" bIns="0" rIns="0">
+          <a:xfrm>
+            <a:off x="857250" y="5183199"/>
+            <a:ext cx="7858125" cy="628650"/>
+          </a:xfrm>
+          <a:prstGeom prst="rect">
+            <a:avLst/>
+          </a:prstGeom>
+        </p:spPr>
+        <p:txBody>
+          <a:bodyPr lIns="0" tIns="0" rIns="0" bIns="0" rtlCol="0" anchor="t">
             <a:spAutoFit/>
           </a:bodyPr>
           <a:lstStyle/>
@@ -9319,7 +7163,7 @@
               </a:lnSpc>
             </a:pPr>
             <a:r>
-              <a:rPr lang="en-US" b="true" sz="2250">
+              <a:rPr lang="en-US" sz="2250" b="1">
                 <a:solidFill>
                   <a:srgbClr val="E0E0E0"/>
                 </a:solidFill>
@@ -9328,10 +7172,51 @@
                 <a:cs typeface="Arimo Bold"/>
                 <a:sym typeface="Arimo Bold"/>
               </a:rPr>
-              <a:t>Security Benefit:</a:t>
-            </a:r>
-            <a:r>
-              <a:rPr lang="en-US" sz="2250">
+              <a:t>Detection Capability:</a:t>
+            </a:r>
+          </a:p>
+        </p:txBody>
+      </p:sp>
+      <p:sp>
+        <p:nvSpPr>
+          <p:cNvPr id="10" name="TextBox 10"/>
+          <p:cNvSpPr txBox="1"/>
+          <p:nvPr/>
+        </p:nvSpPr>
+        <p:spPr>
+          <a:xfrm>
+            <a:off x="857250" y="7044576"/>
+            <a:ext cx="7858125" cy="1051560"/>
+          </a:xfrm>
+          <a:prstGeom prst="rect">
+            <a:avLst/>
+          </a:prstGeom>
+        </p:spPr>
+        <p:txBody>
+          <a:bodyPr lIns="0" tIns="0" rIns="0" bIns="0" rtlCol="0" anchor="t">
+            <a:spAutoFit/>
+          </a:bodyPr>
+          <a:lstStyle/>
+          <a:p>
+            <a:pPr algn="l">
+              <a:lnSpc>
+                <a:spcPts val="4320"/>
+              </a:lnSpc>
+            </a:pPr>
+            <a:r>
+              <a:rPr lang="en-US" sz="2250" b="1" dirty="0">
+                <a:solidFill>
+                  <a:srgbClr val="E0E0E0"/>
+                </a:solidFill>
+                <a:latin typeface="Arimo Bold"/>
+                <a:ea typeface="Arimo Bold"/>
+                <a:cs typeface="Arimo Bold"/>
+                <a:sym typeface="Arimo Bold"/>
+              </a:rPr>
+              <a:t>Role:</a:t>
+            </a:r>
+            <a:r>
+              <a:rPr lang="en-US" sz="2250" dirty="0">
                 <a:solidFill>
                   <a:srgbClr val="E0E0E0"/>
                 </a:solidFill>
@@ -9340,49 +7225,39 @@
                 <a:cs typeface="Arimo"/>
                 <a:sym typeface="Arimo"/>
               </a:rPr>
-              <a:t> Isolation. Contains potential breaches within the container, preventing attackers from gaining root access to the host OS or moving laterally.</a:t>
-            </a:r>
-          </a:p>
-        </p:txBody>
-      </p:sp>
-      <p:sp>
-        <p:nvSpPr>
-          <p:cNvPr name="TextBox 10" id="10"/>
-          <p:cNvSpPr txBox="true"/>
+              <a:t> Provides continuous monitoring and early warning, detecting threats that bypass the host-level firewall.</a:t>
+            </a:r>
+          </a:p>
+        </p:txBody>
+      </p:sp>
+      <p:sp>
+        <p:nvSpPr>
+          <p:cNvPr id="11" name="TextBox 11"/>
+          <p:cNvSpPr txBox="1"/>
           <p:nvPr/>
         </p:nvSpPr>
         <p:spPr>
-          <a:xfrm rot="0">
-            <a:off x="857250" y="7524750"/>
-            <a:ext cx="7858125" cy="1051560"/>
-          </a:xfrm>
-          <a:prstGeom prst="rect">
-            <a:avLst/>
-          </a:prstGeom>
-        </p:spPr>
-        <p:txBody>
-          <a:bodyPr anchor="t" rtlCol="false" tIns="0" lIns="0" bIns="0" rIns="0">
+          <a:xfrm>
+            <a:off x="857250" y="5776390"/>
+            <a:ext cx="7248525" cy="508635"/>
+          </a:xfrm>
+          <a:prstGeom prst="rect">
+            <a:avLst/>
+          </a:prstGeom>
+        </p:spPr>
+        <p:txBody>
+          <a:bodyPr lIns="0" tIns="0" rIns="0" bIns="0" rtlCol="0" anchor="t">
             <a:spAutoFit/>
           </a:bodyPr>
           <a:lstStyle/>
           <a:p>
-            <a:pPr algn="l">
+            <a:pPr marL="485775" lvl="1" indent="-242888" algn="l">
               <a:lnSpc>
                 <a:spcPts val="4320"/>
               </a:lnSpc>
+              <a:buFont typeface="Arial"/>
+              <a:buChar char="•"/>
             </a:pPr>
-            <a:r>
-              <a:rPr lang="en-US" b="true" sz="2250">
-                <a:solidFill>
-                  <a:srgbClr val="E0E0E0"/>
-                </a:solidFill>
-                <a:latin typeface="Arimo Bold"/>
-                <a:ea typeface="Arimo Bold"/>
-                <a:cs typeface="Arimo Bold"/>
-                <a:sym typeface="Arimo Bold"/>
-              </a:rPr>
-              <a:t>Resilience:</a:t>
-            </a:r>
             <a:r>
               <a:rPr lang="en-US" sz="2250">
                 <a:solidFill>
@@ -9393,7 +7268,50 @@
                 <a:cs typeface="Arimo"/>
                 <a:sym typeface="Arimo"/>
               </a:rPr>
-              <a:t> Malicious changes are non-persistent and automatically erased when the container is restarted.</a:t>
+              <a:t>Identifies port scans (like Nmap).</a:t>
+            </a:r>
+          </a:p>
+        </p:txBody>
+      </p:sp>
+      <p:sp>
+        <p:nvSpPr>
+          <p:cNvPr id="13" name="TextBox 13"/>
+          <p:cNvSpPr txBox="1"/>
+          <p:nvPr/>
+        </p:nvSpPr>
+        <p:spPr>
+          <a:xfrm>
+            <a:off x="857250" y="6410483"/>
+            <a:ext cx="7248525" cy="508635"/>
+          </a:xfrm>
+          <a:prstGeom prst="rect">
+            <a:avLst/>
+          </a:prstGeom>
+        </p:spPr>
+        <p:txBody>
+          <a:bodyPr lIns="0" tIns="0" rIns="0" bIns="0" rtlCol="0" anchor="t">
+            <a:spAutoFit/>
+          </a:bodyPr>
+          <a:lstStyle/>
+          <a:p>
+            <a:pPr marL="485775" lvl="1" indent="-242888" algn="l">
+              <a:lnSpc>
+                <a:spcPts val="4320"/>
+              </a:lnSpc>
+              <a:buFont typeface="Arial"/>
+              <a:buChar char="•"/>
+            </a:pPr>
+            <a:r>
+              <a:rPr lang="en-US" sz="2250" dirty="0">
+                <a:solidFill>
+                  <a:srgbClr val="E0E0E0"/>
+                </a:solidFill>
+                <a:latin typeface="Arimo"/>
+                <a:ea typeface="Arimo"/>
+                <a:cs typeface="Arimo"/>
+                <a:sym typeface="Arimo"/>
+              </a:rPr>
+              <a:t>Brute-force attempts.</a:t>
             </a:r>
           </a:p>
         </p:txBody>
@@ -9407,13 +7325,14 @@
 </file>
 
 <file path=ppt/slides/slide6.xml><?xml version="1.0" encoding="utf-8"?>
-<p:sld xmlns:p="http://schemas.openxmlformats.org/presentationml/2006/main" xmlns:a="http://schemas.openxmlformats.org/drawingml/2006/main" xmlns:r="http://schemas.openxmlformats.org/officeDocument/2006/relationships">
+<p:sld xmlns:a="http://schemas.openxmlformats.org/drawingml/2006/main" xmlns:r="http://schemas.openxmlformats.org/officeDocument/2006/relationships" xmlns:p="http://schemas.openxmlformats.org/presentationml/2006/main">
   <p:cSld>
     <p:bg>
       <p:bgPr>
         <a:solidFill>
           <a:srgbClr val="111111"/>
         </a:solidFill>
+        <a:effectLst/>
       </p:bgPr>
     </p:bg>
     <p:spTree>
@@ -9432,14 +7351,14 @@
       </p:grpSpPr>
       <p:grpSp>
         <p:nvGrpSpPr>
-          <p:cNvPr name="Group 2" id="2"/>
+          <p:cNvPr id="2" name="Group 2"/>
           <p:cNvGrpSpPr>
-            <a:grpSpLocks noChangeAspect="true"/>
+            <a:grpSpLocks noChangeAspect="1"/>
           </p:cNvGrpSpPr>
           <p:nvPr/>
         </p:nvGrpSpPr>
         <p:grpSpPr>
-          <a:xfrm rot="0">
+          <a:xfrm>
             <a:off x="0" y="0"/>
             <a:ext cx="18288000" cy="10287000"/>
             <a:chOff x="0" y="0"/>
@@ -9448,12 +7367,12 @@
         </p:grpSpPr>
         <p:sp>
           <p:nvSpPr>
-            <p:cNvPr name="Freeform 3" id="3" descr="image.png"/>
+            <p:cNvPr id="3" name="Freeform 3" descr="image.png"/>
             <p:cNvSpPr/>
             <p:nvPr/>
           </p:nvSpPr>
           <p:spPr>
-            <a:xfrm flipH="false" flipV="false" rot="0">
+            <a:xfrm>
               <a:off x="0" y="0"/>
               <a:ext cx="24384000" cy="13716000"/>
             </a:xfrm>
@@ -9462,9 +7381,9 @@
               <a:gdLst/>
               <a:ahLst/>
               <a:cxnLst/>
-              <a:rect r="r" b="b" t="t" l="l"/>
+              <a:rect l="l" t="t" r="r" b="b"/>
               <a:pathLst>
-                <a:path h="13716000" w="24384000">
+                <a:path w="24384000" h="13716000">
                   <a:moveTo>
                     <a:pt x="0" y="0"/>
                   </a:moveTo>
@@ -9487,29 +7406,155 @@
             <a:blipFill>
               <a:blip r:embed="rId3"/>
               <a:stretch>
-                <a:fillRect l="0" t="0" r="0" b="0"/>
+                <a:fillRect/>
               </a:stretch>
             </a:blipFill>
           </p:spPr>
         </p:sp>
       </p:grpSp>
-      <p:sp>
-        <p:nvSpPr>
-          <p:cNvPr name="TextBox 4" id="4"/>
-          <p:cNvSpPr txBox="true"/>
+      <p:grpSp>
+        <p:nvGrpSpPr>
+          <p:cNvPr id="4" name="Group 4"/>
+          <p:cNvGrpSpPr>
+            <a:grpSpLocks noChangeAspect="1"/>
+          </p:cNvGrpSpPr>
           <p:nvPr/>
-        </p:nvSpPr>
-        <p:spPr>
-          <a:xfrm rot="0">
+        </p:nvGrpSpPr>
+        <p:grpSpPr>
+          <a:xfrm>
+            <a:off x="857250" y="2768872"/>
+            <a:ext cx="7858125" cy="6660876"/>
+            <a:chOff x="0" y="0"/>
+            <a:chExt cx="10477500" cy="8881168"/>
+          </a:xfrm>
+        </p:grpSpPr>
+        <p:sp>
+          <p:nvSpPr>
+            <p:cNvPr id="5" name="Freeform 5" descr="image.png"/>
+            <p:cNvSpPr/>
+            <p:nvPr/>
+          </p:nvSpPr>
+          <p:spPr>
+            <a:xfrm>
+              <a:off x="0" y="0"/>
+              <a:ext cx="10477500" cy="8881110"/>
+            </a:xfrm>
+            <a:custGeom>
+              <a:avLst/>
+              <a:gdLst/>
+              <a:ahLst/>
+              <a:cxnLst/>
+              <a:rect l="l" t="t" r="r" b="b"/>
+              <a:pathLst>
+                <a:path w="10477500" h="8881110">
+                  <a:moveTo>
+                    <a:pt x="0" y="0"/>
+                  </a:moveTo>
+                  <a:lnTo>
+                    <a:pt x="10477500" y="0"/>
+                  </a:lnTo>
+                  <a:lnTo>
+                    <a:pt x="10477500" y="8881110"/>
+                  </a:lnTo>
+                  <a:lnTo>
+                    <a:pt x="0" y="8881110"/>
+                  </a:lnTo>
+                  <a:lnTo>
+                    <a:pt x="0" y="0"/>
+                  </a:lnTo>
+                  <a:close/>
+                </a:path>
+              </a:pathLst>
+            </a:custGeom>
+            <a:blipFill>
+              <a:blip r:embed="rId4"/>
+              <a:stretch>
+                <a:fillRect b="-171"/>
+              </a:stretch>
+            </a:blipFill>
+          </p:spPr>
+        </p:sp>
+      </p:grpSp>
+      <p:grpSp>
+        <p:nvGrpSpPr>
+          <p:cNvPr id="6" name="Group 6"/>
+          <p:cNvGrpSpPr>
+            <a:grpSpLocks noChangeAspect="1"/>
+          </p:cNvGrpSpPr>
+          <p:nvPr/>
+        </p:nvGrpSpPr>
+        <p:grpSpPr>
+          <a:xfrm>
+            <a:off x="9572625" y="2768872"/>
+            <a:ext cx="7858125" cy="6660876"/>
+            <a:chOff x="0" y="0"/>
+            <a:chExt cx="10477500" cy="8881168"/>
+          </a:xfrm>
+        </p:grpSpPr>
+        <p:sp>
+          <p:nvSpPr>
+            <p:cNvPr id="7" name="Freeform 7" descr="image.png"/>
+            <p:cNvSpPr/>
+            <p:nvPr/>
+          </p:nvSpPr>
+          <p:spPr>
+            <a:xfrm>
+              <a:off x="0" y="0"/>
+              <a:ext cx="10477500" cy="8881110"/>
+            </a:xfrm>
+            <a:custGeom>
+              <a:avLst/>
+              <a:gdLst/>
+              <a:ahLst/>
+              <a:cxnLst/>
+              <a:rect l="l" t="t" r="r" b="b"/>
+              <a:pathLst>
+                <a:path w="10477500" h="8881110">
+                  <a:moveTo>
+                    <a:pt x="0" y="0"/>
+                  </a:moveTo>
+                  <a:lnTo>
+                    <a:pt x="10477500" y="0"/>
+                  </a:lnTo>
+                  <a:lnTo>
+                    <a:pt x="10477500" y="8881110"/>
+                  </a:lnTo>
+                  <a:lnTo>
+                    <a:pt x="0" y="8881110"/>
+                  </a:lnTo>
+                  <a:lnTo>
+                    <a:pt x="0" y="0"/>
+                  </a:lnTo>
+                  <a:close/>
+                </a:path>
+              </a:pathLst>
+            </a:custGeom>
+            <a:blipFill>
+              <a:blip r:embed="rId5"/>
+              <a:stretch>
+                <a:fillRect b="-171"/>
+              </a:stretch>
+            </a:blipFill>
+          </p:spPr>
+        </p:sp>
+      </p:grpSp>
+      <p:sp>
+        <p:nvSpPr>
+          <p:cNvPr id="8" name="TextBox 8"/>
+          <p:cNvSpPr txBox="1"/>
+          <p:nvPr/>
+        </p:nvSpPr>
+        <p:spPr>
+          <a:xfrm>
             <a:off x="857250" y="762000"/>
-            <a:ext cx="17402175" cy="1822934"/>
-          </a:xfrm>
-          <a:prstGeom prst="rect">
-            <a:avLst/>
-          </a:prstGeom>
-        </p:spPr>
-        <p:txBody>
-          <a:bodyPr anchor="t" rtlCol="false" tIns="0" lIns="0" bIns="0" rIns="0">
+            <a:ext cx="11697177" cy="918059"/>
+          </a:xfrm>
+          <a:prstGeom prst="rect">
+            <a:avLst/>
+          </a:prstGeom>
+        </p:spPr>
+        <p:txBody>
+          <a:bodyPr lIns="0" tIns="0" rIns="0" bIns="0" rtlCol="0" anchor="t">
             <a:spAutoFit/>
           </a:bodyPr>
           <a:lstStyle/>
@@ -9520,7 +7565,7 @@
               </a:lnSpc>
             </a:pPr>
             <a:r>
-              <a:rPr lang="en-US" b="true" sz="5400">
+              <a:rPr lang="en-US" sz="5400" b="1">
                 <a:solidFill>
                   <a:srgbClr val="F5F5F5"/>
                 </a:solidFill>
@@ -9529,20 +7574,20 @@
                 <a:cs typeface="Arimo Bold"/>
                 <a:sym typeface="Arimo Bold"/>
               </a:rPr>
-              <a:t>IMPLEMENTED SECURITY MEASURES: SURICATA IDS</a:t>
+              <a:t>SECURITY TESTING &amp; VALIDATION</a:t>
             </a:r>
           </a:p>
         </p:txBody>
       </p:sp>
       <p:grpSp>
         <p:nvGrpSpPr>
-          <p:cNvPr name="Group 5" id="5"/>
+          <p:cNvPr id="9" name="Group 9"/>
           <p:cNvGrpSpPr/>
           <p:nvPr/>
         </p:nvGrpSpPr>
         <p:grpSpPr>
-          <a:xfrm rot="0">
-            <a:off x="857250" y="2651670"/>
+          <a:xfrm>
+            <a:off x="857250" y="1897335"/>
             <a:ext cx="16573500" cy="14288"/>
             <a:chOff x="0" y="0"/>
             <a:chExt cx="22098000" cy="19050"/>
@@ -9550,12 +7595,12 @@
         </p:grpSpPr>
         <p:sp>
           <p:nvSpPr>
-            <p:cNvPr name="Freeform 6" id="6"/>
+            <p:cNvPr id="10" name="Freeform 10"/>
             <p:cNvSpPr/>
             <p:nvPr/>
           </p:nvSpPr>
           <p:spPr>
-            <a:xfrm flipH="false" flipV="false" rot="0">
+            <a:xfrm>
               <a:off x="0" y="0"/>
               <a:ext cx="22098000" cy="19050"/>
             </a:xfrm>
@@ -9564,9 +7609,9 @@
               <a:gdLst/>
               <a:ahLst/>
               <a:cxnLst/>
-              <a:rect r="r" b="b" t="t" l="l"/>
+              <a:rect l="l" t="t" r="r" b="b"/>
               <a:pathLst>
-                <a:path h="19050" w="22098000">
+                <a:path w="22098000" h="19050">
                   <a:moveTo>
                     <a:pt x="0" y="0"/>
                   </a:moveTo>
@@ -9596,21 +7641,21 @@
       </p:grpSp>
       <p:sp>
         <p:nvSpPr>
-          <p:cNvPr name="TextBox 7" id="7"/>
-          <p:cNvSpPr txBox="true"/>
+          <p:cNvPr id="11" name="TextBox 11"/>
+          <p:cNvSpPr txBox="1"/>
           <p:nvPr/>
         </p:nvSpPr>
         <p:spPr>
-          <a:xfrm rot="0">
-            <a:off x="857250" y="3214166"/>
-            <a:ext cx="8251031" cy="504825"/>
-          </a:xfrm>
-          <a:prstGeom prst="rect">
-            <a:avLst/>
-          </a:prstGeom>
-        </p:spPr>
-        <p:txBody>
-          <a:bodyPr anchor="t" rtlCol="false" tIns="0" lIns="0" bIns="0" rIns="0">
+          <a:xfrm>
+            <a:off x="1443038" y="4051324"/>
+            <a:ext cx="6744653" cy="504825"/>
+          </a:xfrm>
+          <a:prstGeom prst="rect">
+            <a:avLst/>
+          </a:prstGeom>
+        </p:spPr>
+        <p:txBody>
+          <a:bodyPr lIns="0" tIns="0" rIns="0" bIns="0" rtlCol="0" anchor="t">
             <a:spAutoFit/>
           </a:bodyPr>
           <a:lstStyle/>
@@ -9630,28 +7675,28 @@
                 <a:cs typeface="Arimo"/>
                 <a:sym typeface="Arimo"/>
               </a:rPr>
-              <a:t>REAL-TIME THREAT DETECTION</a:t>
-            </a:r>
-          </a:p>
-        </p:txBody>
-      </p:sp>
-      <p:sp>
-        <p:nvSpPr>
-          <p:cNvPr name="TextBox 8" id="8"/>
-          <p:cNvSpPr txBox="true"/>
+              <a:t>NMAP SCANNING</a:t>
+            </a:r>
+          </a:p>
+        </p:txBody>
+      </p:sp>
+      <p:sp>
+        <p:nvSpPr>
+          <p:cNvPr id="12" name="TextBox 12"/>
+          <p:cNvSpPr txBox="1"/>
           <p:nvPr/>
         </p:nvSpPr>
         <p:spPr>
-          <a:xfrm rot="0">
-            <a:off x="857250" y="3906849"/>
-            <a:ext cx="7858125" cy="1085850"/>
-          </a:xfrm>
-          <a:prstGeom prst="rect">
-            <a:avLst/>
-          </a:prstGeom>
-        </p:spPr>
-        <p:txBody>
-          <a:bodyPr anchor="t" rtlCol="false" tIns="0" lIns="0" bIns="0" rIns="0">
+          <a:xfrm>
+            <a:off x="1443038" y="4813324"/>
+            <a:ext cx="6686550" cy="1085850"/>
+          </a:xfrm>
+          <a:prstGeom prst="rect">
+            <a:avLst/>
+          </a:prstGeom>
+        </p:spPr>
+        <p:txBody>
+          <a:bodyPr lIns="0" tIns="0" rIns="0" bIns="0" rtlCol="0" anchor="t">
             <a:spAutoFit/>
           </a:bodyPr>
           <a:lstStyle/>
@@ -9662,7 +7707,7 @@
               </a:lnSpc>
             </a:pPr>
             <a:r>
-              <a:rPr lang="en-US" b="true" sz="2250">
+              <a:rPr lang="en-US" sz="2250" b="1">
                 <a:solidFill>
                   <a:srgbClr val="E0E0E0"/>
                 </a:solidFill>
@@ -9671,7 +7716,7 @@
                 <a:cs typeface="Arimo Bold"/>
                 <a:sym typeface="Arimo Bold"/>
               </a:rPr>
-              <a:t>Deployment:</a:t>
+              <a:t>Method:</a:t>
             </a:r>
             <a:r>
               <a:rPr lang="en-US" sz="2250">
@@ -9683,52 +7728,170 @@
                 <a:cs typeface="Arimo"/>
                 <a:sym typeface="Arimo"/>
               </a:rPr>
-              <a:t> Installed and configured to monitor the DMZ interface (</a:t>
+              <a:t> Simulated an external attacker to confirm firewall rules and network mapping.</a:t>
+            </a:r>
+          </a:p>
+        </p:txBody>
+      </p:sp>
+      <p:sp>
+        <p:nvSpPr>
+          <p:cNvPr id="13" name="TextBox 13"/>
+          <p:cNvSpPr txBox="1"/>
+          <p:nvPr/>
+        </p:nvSpPr>
+        <p:spPr>
+          <a:xfrm>
+            <a:off x="1443038" y="6299224"/>
+            <a:ext cx="6686550" cy="1543050"/>
+          </a:xfrm>
+          <a:prstGeom prst="rect">
+            <a:avLst/>
+          </a:prstGeom>
+        </p:spPr>
+        <p:txBody>
+          <a:bodyPr lIns="0" tIns="0" rIns="0" bIns="0" rtlCol="0" anchor="t">
+            <a:spAutoFit/>
+          </a:bodyPr>
+          <a:lstStyle/>
+          <a:p>
+            <a:pPr algn="l">
+              <a:lnSpc>
+                <a:spcPts val="4320"/>
+              </a:lnSpc>
+            </a:pPr>
+            <a:r>
+              <a:rPr lang="en-US" sz="2250" b="1">
+                <a:solidFill>
+                  <a:srgbClr val="E0E0E0"/>
+                </a:solidFill>
+                <a:latin typeface="Arimo Bold"/>
+                <a:ea typeface="Arimo Bold"/>
+                <a:cs typeface="Arimo Bold"/>
+                <a:sym typeface="Arimo Bold"/>
+              </a:rPr>
+              <a:t>Result:</a:t>
             </a:r>
             <a:r>
               <a:rPr lang="en-US" sz="2250">
                 <a:solidFill>
-                  <a:srgbClr val="DEFF9A"/>
+                  <a:srgbClr val="E0E0E0"/>
                 </a:solidFill>
                 <a:latin typeface="Arimo"/>
                 <a:ea typeface="Arimo"/>
                 <a:cs typeface="Arimo"/>
                 <a:sym typeface="Arimo"/>
               </a:rPr>
-              <a:t>enp0s8</a:t>
+              <a:t> Only expected ports (</a:t>
             </a:r>
             <a:r>
               <a:rPr lang="en-US" sz="2250">
                 <a:solidFill>
-                  <a:srgbClr val="E0E0E0"/>
+                  <a:srgbClr val="DEFF9A"/>
                 </a:solidFill>
                 <a:latin typeface="Arimo"/>
                 <a:ea typeface="Arimo"/>
                 <a:cs typeface="Arimo"/>
                 <a:sym typeface="Arimo"/>
               </a:rPr>
-              <a:t>).</a:t>
-            </a:r>
-          </a:p>
-        </p:txBody>
-      </p:sp>
-      <p:sp>
-        <p:nvSpPr>
-          <p:cNvPr name="TextBox 9" id="9"/>
-          <p:cNvSpPr txBox="true"/>
+              <a:t>80</a:t>
+            </a:r>
+            <a:r>
+              <a:rPr lang="en-US" sz="2250">
+                <a:solidFill>
+                  <a:srgbClr val="E0E0E0"/>
+                </a:solidFill>
+                <a:latin typeface="Arimo"/>
+                <a:ea typeface="Arimo"/>
+                <a:cs typeface="Arimo"/>
+                <a:sym typeface="Arimo"/>
+              </a:rPr>
+              <a:t>, </a:t>
+            </a:r>
+            <a:r>
+              <a:rPr lang="en-US" sz="2250">
+                <a:solidFill>
+                  <a:srgbClr val="DEFF9A"/>
+                </a:solidFill>
+                <a:latin typeface="Arimo"/>
+                <a:ea typeface="Arimo"/>
+                <a:cs typeface="Arimo"/>
+                <a:sym typeface="Arimo"/>
+              </a:rPr>
+              <a:t>3000</a:t>
+            </a:r>
+            <a:r>
+              <a:rPr lang="en-US" sz="2250">
+                <a:solidFill>
+                  <a:srgbClr val="E0E0E0"/>
+                </a:solidFill>
+                <a:latin typeface="Arimo"/>
+                <a:ea typeface="Arimo"/>
+                <a:cs typeface="Arimo"/>
+                <a:sym typeface="Arimo"/>
+              </a:rPr>
+              <a:t>) were open. Services were successfully enumerated, confirming visibility controls.</a:t>
+            </a:r>
+          </a:p>
+        </p:txBody>
+      </p:sp>
+      <p:sp>
+        <p:nvSpPr>
+          <p:cNvPr id="14" name="TextBox 14"/>
+          <p:cNvSpPr txBox="1"/>
           <p:nvPr/>
         </p:nvSpPr>
         <p:spPr>
-          <a:xfrm rot="0">
-            <a:off x="857250" y="5183199"/>
-            <a:ext cx="7858125" cy="628650"/>
-          </a:xfrm>
-          <a:prstGeom prst="rect">
-            <a:avLst/>
-          </a:prstGeom>
-        </p:spPr>
-        <p:txBody>
-          <a:bodyPr anchor="t" rtlCol="false" tIns="0" lIns="0" bIns="0" rIns="0">
+          <a:xfrm>
+            <a:off x="10158412" y="4051324"/>
+            <a:ext cx="6773227" cy="504825"/>
+          </a:xfrm>
+          <a:prstGeom prst="rect">
+            <a:avLst/>
+          </a:prstGeom>
+        </p:spPr>
+        <p:txBody>
+          <a:bodyPr lIns="0" tIns="0" rIns="0" bIns="0" rtlCol="0" anchor="t">
+            <a:spAutoFit/>
+          </a:bodyPr>
+          <a:lstStyle/>
+          <a:p>
+            <a:pPr algn="l">
+              <a:lnSpc>
+                <a:spcPts val="3779"/>
+              </a:lnSpc>
+            </a:pPr>
+            <a:r>
+              <a:rPr lang="en-US" sz="3150">
+                <a:solidFill>
+                  <a:srgbClr val="DEFF9A"/>
+                </a:solidFill>
+                <a:latin typeface="Arimo"/>
+                <a:ea typeface="Arimo"/>
+                <a:cs typeface="Arimo"/>
+                <a:sym typeface="Arimo"/>
+              </a:rPr>
+              <a:t>SURICATA IDS ALERTS</a:t>
+            </a:r>
+          </a:p>
+        </p:txBody>
+      </p:sp>
+      <p:sp>
+        <p:nvSpPr>
+          <p:cNvPr id="15" name="TextBox 15"/>
+          <p:cNvSpPr txBox="1"/>
+          <p:nvPr/>
+        </p:nvSpPr>
+        <p:spPr>
+          <a:xfrm>
+            <a:off x="10158412" y="4813324"/>
+            <a:ext cx="6686550" cy="1085850"/>
+          </a:xfrm>
+          <a:prstGeom prst="rect">
+            <a:avLst/>
+          </a:prstGeom>
+        </p:spPr>
+        <p:txBody>
+          <a:bodyPr lIns="0" tIns="0" rIns="0" bIns="0" rtlCol="0" anchor="t">
             <a:spAutoFit/>
           </a:bodyPr>
           <a:lstStyle/>
@@ -9739,7 +7902,7 @@
               </a:lnSpc>
             </a:pPr>
             <a:r>
-              <a:rPr lang="en-US" b="true" sz="2250">
+              <a:rPr lang="en-US" sz="2250" b="1">
                 <a:solidFill>
                   <a:srgbClr val="E0E0E0"/>
                 </a:solidFill>
@@ -9748,28 +7911,40 @@
                 <a:cs typeface="Arimo Bold"/>
                 <a:sym typeface="Arimo Bold"/>
               </a:rPr>
-              <a:t>Detection Capability:</a:t>
-            </a:r>
-          </a:p>
-        </p:txBody>
-      </p:sp>
-      <p:sp>
-        <p:nvSpPr>
-          <p:cNvPr name="TextBox 10" id="10"/>
-          <p:cNvSpPr txBox="true"/>
+              <a:t>Method:</a:t>
+            </a:r>
+            <a:r>
+              <a:rPr lang="en-US" sz="2250">
+                <a:solidFill>
+                  <a:srgbClr val="E0E0E0"/>
+                </a:solidFill>
+                <a:latin typeface="Arimo"/>
+                <a:ea typeface="Arimo"/>
+                <a:cs typeface="Arimo"/>
+                <a:sym typeface="Arimo"/>
+              </a:rPr>
+              <a:t> Monitored IDS logs during the Nmap simulation.</a:t>
+            </a:r>
+          </a:p>
+        </p:txBody>
+      </p:sp>
+      <p:sp>
+        <p:nvSpPr>
+          <p:cNvPr id="16" name="TextBox 16"/>
+          <p:cNvSpPr txBox="1"/>
           <p:nvPr/>
         </p:nvSpPr>
         <p:spPr>
-          <a:xfrm rot="0">
-            <a:off x="857250" y="7723300"/>
-            <a:ext cx="7858125" cy="1051560"/>
-          </a:xfrm>
-          <a:prstGeom prst="rect">
-            <a:avLst/>
-          </a:prstGeom>
-        </p:spPr>
-        <p:txBody>
-          <a:bodyPr anchor="t" rtlCol="false" tIns="0" lIns="0" bIns="0" rIns="0">
+          <a:xfrm>
+            <a:off x="10158412" y="6299224"/>
+            <a:ext cx="6686550" cy="1051560"/>
+          </a:xfrm>
+          <a:prstGeom prst="rect">
+            <a:avLst/>
+          </a:prstGeom>
+        </p:spPr>
+        <p:txBody>
+          <a:bodyPr lIns="0" tIns="0" rIns="0" bIns="0" rtlCol="0" anchor="t">
             <a:spAutoFit/>
           </a:bodyPr>
           <a:lstStyle/>
@@ -9780,7 +7955,7 @@
               </a:lnSpc>
             </a:pPr>
             <a:r>
-              <a:rPr lang="en-US" b="true" sz="2250">
+              <a:rPr lang="en-US" sz="2250" b="1">
                 <a:solidFill>
                   <a:srgbClr val="E0E0E0"/>
                 </a:solidFill>
@@ -9789,7 +7964,7 @@
                 <a:cs typeface="Arimo Bold"/>
                 <a:sym typeface="Arimo Bold"/>
               </a:rPr>
-              <a:t>Role:</a:t>
+              <a:t>Result:</a:t>
             </a:r>
             <a:r>
               <a:rPr lang="en-US" sz="2250">
@@ -9801,136 +7976,7 @@
                 <a:cs typeface="Arimo"/>
                 <a:sym typeface="Arimo"/>
               </a:rPr>
-              <a:t> Provides continuous monitoring and early warning, detecting threats that bypass the host-level firewall.</a:t>
-            </a:r>
-          </a:p>
-        </p:txBody>
-      </p:sp>
-      <p:sp>
-        <p:nvSpPr>
-          <p:cNvPr name="TextBox 11" id="11"/>
-          <p:cNvSpPr txBox="true"/>
-          <p:nvPr/>
-        </p:nvSpPr>
-        <p:spPr>
-          <a:xfrm rot="0">
-            <a:off x="857250" y="5776390"/>
-            <a:ext cx="7248525" cy="508635"/>
-          </a:xfrm>
-          <a:prstGeom prst="rect">
-            <a:avLst/>
-          </a:prstGeom>
-        </p:spPr>
-        <p:txBody>
-          <a:bodyPr anchor="t" rtlCol="false" tIns="0" lIns="0" bIns="0" rIns="0">
-            <a:spAutoFit/>
-          </a:bodyPr>
-          <a:lstStyle/>
-          <a:p>
-            <a:pPr algn="l" marL="485775" indent="-242888" lvl="1">
-              <a:lnSpc>
-                <a:spcPts val="4320"/>
-              </a:lnSpc>
-              <a:buFont typeface="Arial"/>
-              <a:buChar char="•"/>
-            </a:pPr>
-            <a:r>
-              <a:rPr lang="en-US" sz="2250">
-                <a:solidFill>
-                  <a:srgbClr val="E0E0E0"/>
-                </a:solidFill>
-                <a:latin typeface="Arimo"/>
-                <a:ea typeface="Arimo"/>
-                <a:cs typeface="Arimo"/>
-                <a:sym typeface="Arimo"/>
-              </a:rPr>
-              <a:t>Identifies port scans (like Nmap).</a:t>
-            </a:r>
-          </a:p>
-        </p:txBody>
-      </p:sp>
-      <p:sp>
-        <p:nvSpPr>
-          <p:cNvPr name="TextBox 12" id="12"/>
-          <p:cNvSpPr txBox="true"/>
-          <p:nvPr/>
-        </p:nvSpPr>
-        <p:spPr>
-          <a:xfrm rot="0">
-            <a:off x="857250" y="6401230"/>
-            <a:ext cx="7248525" cy="508635"/>
-          </a:xfrm>
-          <a:prstGeom prst="rect">
-            <a:avLst/>
-          </a:prstGeom>
-        </p:spPr>
-        <p:txBody>
-          <a:bodyPr anchor="t" rtlCol="false" tIns="0" lIns="0" bIns="0" rIns="0">
-            <a:spAutoFit/>
-          </a:bodyPr>
-          <a:lstStyle/>
-          <a:p>
-            <a:pPr algn="l" marL="485775" indent="-242888" lvl="1">
-              <a:lnSpc>
-                <a:spcPts val="4320"/>
-              </a:lnSpc>
-              <a:buFont typeface="Arial"/>
-              <a:buChar char="•"/>
-            </a:pPr>
-            <a:r>
-              <a:rPr lang="en-US" sz="2250">
-                <a:solidFill>
-                  <a:srgbClr val="E0E0E0"/>
-                </a:solidFill>
-                <a:latin typeface="Arimo"/>
-                <a:ea typeface="Arimo"/>
-                <a:cs typeface="Arimo"/>
-                <a:sym typeface="Arimo"/>
-              </a:rPr>
-              <a:t>OS fingerprinting.</a:t>
-            </a:r>
-          </a:p>
-        </p:txBody>
-      </p:sp>
-      <p:sp>
-        <p:nvSpPr>
-          <p:cNvPr name="TextBox 13" id="13"/>
-          <p:cNvSpPr txBox="true"/>
-          <p:nvPr/>
-        </p:nvSpPr>
-        <p:spPr>
-          <a:xfrm rot="0">
-            <a:off x="857250" y="7024166"/>
-            <a:ext cx="7248525" cy="508635"/>
-          </a:xfrm>
-          <a:prstGeom prst="rect">
-            <a:avLst/>
-          </a:prstGeom>
-        </p:spPr>
-        <p:txBody>
-          <a:bodyPr anchor="t" rtlCol="false" tIns="0" lIns="0" bIns="0" rIns="0">
-            <a:spAutoFit/>
-          </a:bodyPr>
-          <a:lstStyle/>
-          <a:p>
-            <a:pPr algn="l" marL="485775" indent="-242888" lvl="1">
-              <a:lnSpc>
-                <a:spcPts val="4320"/>
-              </a:lnSpc>
-              <a:buFont typeface="Arial"/>
-              <a:buChar char="•"/>
-            </a:pPr>
-            <a:r>
-              <a:rPr lang="en-US" sz="2250">
-                <a:solidFill>
-                  <a:srgbClr val="E0E0E0"/>
-                </a:solidFill>
-                <a:latin typeface="Arimo"/>
-                <a:ea typeface="Arimo"/>
-                <a:cs typeface="Arimo"/>
-                <a:sym typeface="Arimo"/>
-              </a:rPr>
-              <a:t>Brute-force attempts.</a:t>
+              <a:t> 78 alerts generated. The IDS is fully functional in real-time detection mode.</a:t>
             </a:r>
           </a:p>
         </p:txBody>
@@ -9944,13 +7990,14 @@
 </file>
 
 <file path=ppt/slides/slide7.xml><?xml version="1.0" encoding="utf-8"?>
-<p:sld xmlns:p="http://schemas.openxmlformats.org/presentationml/2006/main" xmlns:a="http://schemas.openxmlformats.org/drawingml/2006/main" xmlns:r="http://schemas.openxmlformats.org/officeDocument/2006/relationships">
+<p:sld xmlns:a="http://schemas.openxmlformats.org/drawingml/2006/main" xmlns:r="http://schemas.openxmlformats.org/officeDocument/2006/relationships" xmlns:p="http://schemas.openxmlformats.org/presentationml/2006/main">
   <p:cSld>
     <p:bg>
       <p:bgPr>
         <a:solidFill>
           <a:srgbClr val="111111"/>
         </a:solidFill>
+        <a:effectLst/>
       </p:bgPr>
     </p:bg>
     <p:spTree>
@@ -9969,14 +8016,14 @@
       </p:grpSpPr>
       <p:grpSp>
         <p:nvGrpSpPr>
-          <p:cNvPr name="Group 2" id="2"/>
+          <p:cNvPr id="2" name="Group 2"/>
           <p:cNvGrpSpPr>
-            <a:grpSpLocks noChangeAspect="true"/>
+            <a:grpSpLocks noChangeAspect="1"/>
           </p:cNvGrpSpPr>
           <p:nvPr/>
         </p:nvGrpSpPr>
         <p:grpSpPr>
-          <a:xfrm rot="0">
+          <a:xfrm>
             <a:off x="0" y="0"/>
             <a:ext cx="18288000" cy="10287000"/>
             <a:chOff x="0" y="0"/>
@@ -9985,12 +8032,12 @@
         </p:grpSpPr>
         <p:sp>
           <p:nvSpPr>
-            <p:cNvPr name="Freeform 3" id="3" descr="image.png"/>
+            <p:cNvPr id="3" name="Freeform 3" descr="image.png"/>
             <p:cNvSpPr/>
             <p:nvPr/>
           </p:nvSpPr>
           <p:spPr>
-            <a:xfrm flipH="false" flipV="false" rot="0">
+            <a:xfrm>
               <a:off x="0" y="0"/>
               <a:ext cx="24384000" cy="13716000"/>
             </a:xfrm>
@@ -9999,9 +8046,9 @@
               <a:gdLst/>
               <a:ahLst/>
               <a:cxnLst/>
-              <a:rect r="r" b="b" t="t" l="l"/>
+              <a:rect l="l" t="t" r="r" b="b"/>
               <a:pathLst>
-                <a:path h="13716000" w="24384000">
+                <a:path w="24384000" h="13716000">
                   <a:moveTo>
                     <a:pt x="0" y="0"/>
                   </a:moveTo>
@@ -10024,155 +8071,29 @@
             <a:blipFill>
               <a:blip r:embed="rId3"/>
               <a:stretch>
-                <a:fillRect l="0" t="0" r="0" b="0"/>
+                <a:fillRect/>
               </a:stretch>
             </a:blipFill>
           </p:spPr>
         </p:sp>
       </p:grpSp>
-      <p:grpSp>
-        <p:nvGrpSpPr>
-          <p:cNvPr name="Group 4" id="4"/>
-          <p:cNvGrpSpPr>
-            <a:grpSpLocks noChangeAspect="true"/>
-          </p:cNvGrpSpPr>
+      <p:sp>
+        <p:nvSpPr>
+          <p:cNvPr id="4" name="TextBox 4"/>
+          <p:cNvSpPr txBox="1"/>
           <p:nvPr/>
-        </p:nvGrpSpPr>
-        <p:grpSpPr>
-          <a:xfrm rot="0">
-            <a:off x="857250" y="2768872"/>
-            <a:ext cx="7858125" cy="6660876"/>
-            <a:chOff x="0" y="0"/>
-            <a:chExt cx="10477500" cy="8881168"/>
-          </a:xfrm>
-        </p:grpSpPr>
-        <p:sp>
-          <p:nvSpPr>
-            <p:cNvPr name="Freeform 5" id="5" descr="image.png"/>
-            <p:cNvSpPr/>
-            <p:nvPr/>
-          </p:nvSpPr>
-          <p:spPr>
-            <a:xfrm flipH="false" flipV="false" rot="0">
-              <a:off x="0" y="0"/>
-              <a:ext cx="10477500" cy="8881110"/>
-            </a:xfrm>
-            <a:custGeom>
-              <a:avLst/>
-              <a:gdLst/>
-              <a:ahLst/>
-              <a:cxnLst/>
-              <a:rect r="r" b="b" t="t" l="l"/>
-              <a:pathLst>
-                <a:path h="8881110" w="10477500">
-                  <a:moveTo>
-                    <a:pt x="0" y="0"/>
-                  </a:moveTo>
-                  <a:lnTo>
-                    <a:pt x="10477500" y="0"/>
-                  </a:lnTo>
-                  <a:lnTo>
-                    <a:pt x="10477500" y="8881110"/>
-                  </a:lnTo>
-                  <a:lnTo>
-                    <a:pt x="0" y="8881110"/>
-                  </a:lnTo>
-                  <a:lnTo>
-                    <a:pt x="0" y="0"/>
-                  </a:lnTo>
-                  <a:close/>
-                </a:path>
-              </a:pathLst>
-            </a:custGeom>
-            <a:blipFill>
-              <a:blip r:embed="rId4"/>
-              <a:stretch>
-                <a:fillRect l="0" t="0" r="0" b="-171"/>
-              </a:stretch>
-            </a:blipFill>
-          </p:spPr>
-        </p:sp>
-      </p:grpSp>
-      <p:grpSp>
-        <p:nvGrpSpPr>
-          <p:cNvPr name="Group 6" id="6"/>
-          <p:cNvGrpSpPr>
-            <a:grpSpLocks noChangeAspect="true"/>
-          </p:cNvGrpSpPr>
-          <p:nvPr/>
-        </p:nvGrpSpPr>
-        <p:grpSpPr>
-          <a:xfrm rot="0">
-            <a:off x="9572625" y="2768872"/>
-            <a:ext cx="7858125" cy="6660876"/>
-            <a:chOff x="0" y="0"/>
-            <a:chExt cx="10477500" cy="8881168"/>
-          </a:xfrm>
-        </p:grpSpPr>
-        <p:sp>
-          <p:nvSpPr>
-            <p:cNvPr name="Freeform 7" id="7" descr="image.png"/>
-            <p:cNvSpPr/>
-            <p:nvPr/>
-          </p:nvSpPr>
-          <p:spPr>
-            <a:xfrm flipH="false" flipV="false" rot="0">
-              <a:off x="0" y="0"/>
-              <a:ext cx="10477500" cy="8881110"/>
-            </a:xfrm>
-            <a:custGeom>
-              <a:avLst/>
-              <a:gdLst/>
-              <a:ahLst/>
-              <a:cxnLst/>
-              <a:rect r="r" b="b" t="t" l="l"/>
-              <a:pathLst>
-                <a:path h="8881110" w="10477500">
-                  <a:moveTo>
-                    <a:pt x="0" y="0"/>
-                  </a:moveTo>
-                  <a:lnTo>
-                    <a:pt x="10477500" y="0"/>
-                  </a:lnTo>
-                  <a:lnTo>
-                    <a:pt x="10477500" y="8881110"/>
-                  </a:lnTo>
-                  <a:lnTo>
-                    <a:pt x="0" y="8881110"/>
-                  </a:lnTo>
-                  <a:lnTo>
-                    <a:pt x="0" y="0"/>
-                  </a:lnTo>
-                  <a:close/>
-                </a:path>
-              </a:pathLst>
-            </a:custGeom>
-            <a:blipFill>
-              <a:blip r:embed="rId5"/>
-              <a:stretch>
-                <a:fillRect l="0" t="0" r="0" b="-171"/>
-              </a:stretch>
-            </a:blipFill>
-          </p:spPr>
-        </p:sp>
-      </p:grpSp>
-      <p:sp>
-        <p:nvSpPr>
-          <p:cNvPr name="TextBox 8" id="8"/>
-          <p:cNvSpPr txBox="true"/>
-          <p:nvPr/>
-        </p:nvSpPr>
-        <p:spPr>
-          <a:xfrm rot="0">
+        </p:nvSpPr>
+        <p:spPr>
+          <a:xfrm>
             <a:off x="857250" y="762000"/>
-            <a:ext cx="11697177" cy="918059"/>
-          </a:xfrm>
-          <a:prstGeom prst="rect">
-            <a:avLst/>
-          </a:prstGeom>
-        </p:spPr>
-        <p:txBody>
-          <a:bodyPr anchor="t" rtlCol="false" tIns="0" lIns="0" bIns="0" rIns="0">
+            <a:ext cx="4610100" cy="918059"/>
+          </a:xfrm>
+          <a:prstGeom prst="rect">
+            <a:avLst/>
+          </a:prstGeom>
+        </p:spPr>
+        <p:txBody>
+          <a:bodyPr lIns="0" tIns="0" rIns="0" bIns="0" rtlCol="0" anchor="t">
             <a:spAutoFit/>
           </a:bodyPr>
           <a:lstStyle/>
@@ -10183,7 +8104,7 @@
               </a:lnSpc>
             </a:pPr>
             <a:r>
-              <a:rPr lang="en-US" b="true" sz="5400">
+              <a:rPr lang="en-US" sz="5400" b="1">
                 <a:solidFill>
                   <a:srgbClr val="F5F5F5"/>
                 </a:solidFill>
@@ -10192,19 +8113,19 @@
                 <a:cs typeface="Arimo Bold"/>
                 <a:sym typeface="Arimo Bold"/>
               </a:rPr>
-              <a:t>SECURITY TESTING &amp; VALIDATION</a:t>
+              <a:t>CONCLUSION</a:t>
             </a:r>
           </a:p>
         </p:txBody>
       </p:sp>
       <p:grpSp>
         <p:nvGrpSpPr>
-          <p:cNvPr name="Group 9" id="9"/>
+          <p:cNvPr id="5" name="Group 5"/>
           <p:cNvGrpSpPr/>
           <p:nvPr/>
         </p:nvGrpSpPr>
         <p:grpSpPr>
-          <a:xfrm rot="0">
+          <a:xfrm>
             <a:off x="857250" y="1897335"/>
             <a:ext cx="16573500" cy="14288"/>
             <a:chOff x="0" y="0"/>
@@ -10213,12 +8134,12 @@
         </p:grpSpPr>
         <p:sp>
           <p:nvSpPr>
-            <p:cNvPr name="Freeform 10" id="10"/>
+            <p:cNvPr id="6" name="Freeform 6"/>
             <p:cNvSpPr/>
             <p:nvPr/>
           </p:nvSpPr>
           <p:spPr>
-            <a:xfrm flipH="false" flipV="false" rot="0">
+            <a:xfrm>
               <a:off x="0" y="0"/>
               <a:ext cx="22098000" cy="19050"/>
             </a:xfrm>
@@ -10227,9 +8148,9 @@
               <a:gdLst/>
               <a:ahLst/>
               <a:cxnLst/>
-              <a:rect r="r" b="b" t="t" l="l"/>
+              <a:rect l="l" t="t" r="r" b="b"/>
               <a:pathLst>
-                <a:path h="19050" w="22098000">
+                <a:path w="22098000" h="19050">
                   <a:moveTo>
                     <a:pt x="0" y="0"/>
                   </a:moveTo>
@@ -10259,21 +8180,21 @@
       </p:grpSp>
       <p:sp>
         <p:nvSpPr>
-          <p:cNvPr name="TextBox 11" id="11"/>
-          <p:cNvSpPr txBox="true"/>
+          <p:cNvPr id="7" name="TextBox 7"/>
+          <p:cNvSpPr txBox="1"/>
           <p:nvPr/>
         </p:nvSpPr>
         <p:spPr>
-          <a:xfrm rot="0">
-            <a:off x="1443038" y="4051324"/>
-            <a:ext cx="6744653" cy="504825"/>
-          </a:xfrm>
-          <a:prstGeom prst="rect">
-            <a:avLst/>
-          </a:prstGeom>
-        </p:spPr>
-        <p:txBody>
-          <a:bodyPr anchor="t" rtlCol="false" tIns="0" lIns="0" bIns="0" rIns="0">
+          <a:xfrm>
+            <a:off x="857250" y="2111648"/>
+            <a:ext cx="10377014" cy="971550"/>
+          </a:xfrm>
+          <a:prstGeom prst="rect">
+            <a:avLst/>
+          </a:prstGeom>
+        </p:spPr>
+        <p:txBody>
+          <a:bodyPr lIns="0" tIns="0" rIns="0" bIns="0" rtlCol="0" anchor="t">
             <a:spAutoFit/>
           </a:bodyPr>
           <a:lstStyle/>
@@ -10293,28 +8214,28 @@
                 <a:cs typeface="Arimo"/>
                 <a:sym typeface="Arimo"/>
               </a:rPr>
-              <a:t>NMAP SCANNING</a:t>
-            </a:r>
-          </a:p>
-        </p:txBody>
-      </p:sp>
-      <p:sp>
-        <p:nvSpPr>
-          <p:cNvPr name="TextBox 12" id="12"/>
-          <p:cNvSpPr txBox="true"/>
+              <a:t>PROJECT SUMMARY: ENHANCED SECURITY POSTURE</a:t>
+            </a:r>
+          </a:p>
+        </p:txBody>
+      </p:sp>
+      <p:sp>
+        <p:nvSpPr>
+          <p:cNvPr id="8" name="TextBox 8"/>
+          <p:cNvSpPr txBox="1"/>
           <p:nvPr/>
         </p:nvSpPr>
         <p:spPr>
-          <a:xfrm rot="0">
-            <a:off x="1443038" y="4813324"/>
-            <a:ext cx="6686550" cy="1085850"/>
-          </a:xfrm>
-          <a:prstGeom prst="rect">
-            <a:avLst/>
-          </a:prstGeom>
-        </p:spPr>
-        <p:txBody>
-          <a:bodyPr anchor="t" rtlCol="false" tIns="0" lIns="0" bIns="0" rIns="0">
+          <a:xfrm>
+            <a:off x="852488" y="3276748"/>
+            <a:ext cx="9229725" cy="1085850"/>
+          </a:xfrm>
+          <a:prstGeom prst="rect">
+            <a:avLst/>
+          </a:prstGeom>
+        </p:spPr>
+        <p:txBody>
+          <a:bodyPr lIns="0" tIns="0" rIns="0" bIns="0" rtlCol="0" anchor="t">
             <a:spAutoFit/>
           </a:bodyPr>
           <a:lstStyle/>
@@ -10325,18 +8246,6 @@
               </a:lnSpc>
             </a:pPr>
             <a:r>
-              <a:rPr lang="en-US" b="true" sz="2250">
-                <a:solidFill>
-                  <a:srgbClr val="E0E0E0"/>
-                </a:solidFill>
-                <a:latin typeface="Arimo Bold"/>
-                <a:ea typeface="Arimo Bold"/>
-                <a:cs typeface="Arimo Bold"/>
-                <a:sym typeface="Arimo Bold"/>
-              </a:rPr>
-              <a:t>Method:</a:t>
-            </a:r>
-            <a:r>
               <a:rPr lang="en-US" sz="2250">
                 <a:solidFill>
                   <a:srgbClr val="E0E0E0"/>
@@ -10346,28 +8255,28 @@
                 <a:cs typeface="Arimo"/>
                 <a:sym typeface="Arimo"/>
               </a:rPr>
-              <a:t> Simulated an external attacker to confirm firewall rules and network mapping.</a:t>
-            </a:r>
-          </a:p>
-        </p:txBody>
-      </p:sp>
-      <p:sp>
-        <p:nvSpPr>
-          <p:cNvPr name="TextBox 13" id="13"/>
-          <p:cNvSpPr txBox="true"/>
+              <a:t>A secure, layered infrastructure was successfully designed, implemented, and validated for A2Z Corporation. Key outcomes include:</a:t>
+            </a:r>
+          </a:p>
+        </p:txBody>
+      </p:sp>
+      <p:sp>
+        <p:nvSpPr>
+          <p:cNvPr id="9" name="TextBox 9"/>
+          <p:cNvSpPr txBox="1"/>
           <p:nvPr/>
         </p:nvSpPr>
         <p:spPr>
-          <a:xfrm rot="0">
-            <a:off x="1443038" y="6299224"/>
-            <a:ext cx="6686550" cy="1543050"/>
-          </a:xfrm>
-          <a:prstGeom prst="rect">
-            <a:avLst/>
-          </a:prstGeom>
-        </p:spPr>
-        <p:txBody>
-          <a:bodyPr anchor="t" rtlCol="false" tIns="0" lIns="0" bIns="0" rIns="0">
+          <a:xfrm>
+            <a:off x="852488" y="6783854"/>
+            <a:ext cx="9229725" cy="1085850"/>
+          </a:xfrm>
+          <a:prstGeom prst="rect">
+            <a:avLst/>
+          </a:prstGeom>
+        </p:spPr>
+        <p:txBody>
+          <a:bodyPr lIns="0" tIns="0" rIns="0" bIns="0" rtlCol="0" anchor="t">
             <a:spAutoFit/>
           </a:bodyPr>
           <a:lstStyle/>
@@ -10378,18 +8287,6 @@
               </a:lnSpc>
             </a:pPr>
             <a:r>
-              <a:rPr lang="en-US" b="true" sz="2250">
-                <a:solidFill>
-                  <a:srgbClr val="E0E0E0"/>
-                </a:solidFill>
-                <a:latin typeface="Arimo Bold"/>
-                <a:ea typeface="Arimo Bold"/>
-                <a:cs typeface="Arimo Bold"/>
-                <a:sym typeface="Arimo Bold"/>
-              </a:rPr>
-              <a:t>Result:</a:t>
-            </a:r>
-            <a:r>
               <a:rPr lang="en-US" sz="2250">
                 <a:solidFill>
                   <a:srgbClr val="E0E0E0"/>
@@ -10399,20 +8296,82 @@
                 <a:cs typeface="Arimo"/>
                 <a:sym typeface="Arimo"/>
               </a:rPr>
-              <a:t> Only expected ports (</a:t>
-            </a:r>
+              <a:t>The system is now more resilient and secure against key external threats, providing enhanced operational continuity.</a:t>
+            </a:r>
+          </a:p>
+        </p:txBody>
+      </p:sp>
+      <p:sp>
+        <p:nvSpPr>
+          <p:cNvPr id="10" name="TextBox 10"/>
+          <p:cNvSpPr txBox="1"/>
+          <p:nvPr/>
+        </p:nvSpPr>
+        <p:spPr>
+          <a:xfrm>
+            <a:off x="713720" y="4638824"/>
+            <a:ext cx="8620125" cy="508635"/>
+          </a:xfrm>
+          <a:prstGeom prst="rect">
+            <a:avLst/>
+          </a:prstGeom>
+        </p:spPr>
+        <p:txBody>
+          <a:bodyPr lIns="0" tIns="0" rIns="0" bIns="0" rtlCol="0" anchor="t">
+            <a:spAutoFit/>
+          </a:bodyPr>
+          <a:lstStyle/>
+          <a:p>
+            <a:pPr marL="485775" lvl="1" indent="-242888" algn="l">
+              <a:lnSpc>
+                <a:spcPts val="4320"/>
+              </a:lnSpc>
+              <a:buFont typeface="Arial"/>
+              <a:buChar char="•"/>
+            </a:pPr>
             <a:r>
               <a:rPr lang="en-US" sz="2250">
                 <a:solidFill>
-                  <a:srgbClr val="DEFF9A"/>
+                  <a:srgbClr val="E0E0E0"/>
                 </a:solidFill>
                 <a:latin typeface="Arimo"/>
                 <a:ea typeface="Arimo"/>
                 <a:cs typeface="Arimo"/>
                 <a:sym typeface="Arimo"/>
               </a:rPr>
-              <a:t>80</a:t>
-            </a:r>
+              <a:t>Reduced Attack Surface (UFW + DMZ segmentation).</a:t>
+            </a:r>
+          </a:p>
+        </p:txBody>
+      </p:sp>
+      <p:sp>
+        <p:nvSpPr>
+          <p:cNvPr id="11" name="TextBox 11"/>
+          <p:cNvSpPr txBox="1"/>
+          <p:nvPr/>
+        </p:nvSpPr>
+        <p:spPr>
+          <a:xfrm>
+            <a:off x="713720" y="5318909"/>
+            <a:ext cx="8620125" cy="508635"/>
+          </a:xfrm>
+          <a:prstGeom prst="rect">
+            <a:avLst/>
+          </a:prstGeom>
+        </p:spPr>
+        <p:txBody>
+          <a:bodyPr lIns="0" tIns="0" rIns="0" bIns="0" rtlCol="0" anchor="t">
+            <a:spAutoFit/>
+          </a:bodyPr>
+          <a:lstStyle/>
+          <a:p>
+            <a:pPr marL="485775" lvl="1" indent="-242888" algn="l">
+              <a:lnSpc>
+                <a:spcPts val="4320"/>
+              </a:lnSpc>
+              <a:buFont typeface="Arial"/>
+              <a:buChar char="•"/>
+            </a:pPr>
             <a:r>
               <a:rPr lang="en-US" sz="2250">
                 <a:solidFill>
@@ -10423,178 +8382,50 @@
                 <a:cs typeface="Arimo"/>
                 <a:sym typeface="Arimo"/>
               </a:rPr>
-              <a:t>, </a:t>
-            </a:r>
+              <a:t>Isolated Vulnerable Services (Docker containerization).</a:t>
+            </a:r>
+          </a:p>
+        </p:txBody>
+      </p:sp>
+      <p:sp>
+        <p:nvSpPr>
+          <p:cNvPr id="12" name="TextBox 12"/>
+          <p:cNvSpPr txBox="1"/>
+          <p:nvPr/>
+        </p:nvSpPr>
+        <p:spPr>
+          <a:xfrm>
+            <a:off x="713720" y="5998994"/>
+            <a:ext cx="8620125" cy="508635"/>
+          </a:xfrm>
+          <a:prstGeom prst="rect">
+            <a:avLst/>
+          </a:prstGeom>
+        </p:spPr>
+        <p:txBody>
+          <a:bodyPr lIns="0" tIns="0" rIns="0" bIns="0" rtlCol="0" anchor="t">
+            <a:spAutoFit/>
+          </a:bodyPr>
+          <a:lstStyle/>
+          <a:p>
+            <a:pPr marL="485775" lvl="1" indent="-242888" algn="l">
+              <a:lnSpc>
+                <a:spcPts val="4320"/>
+              </a:lnSpc>
+              <a:buFont typeface="Arial"/>
+              <a:buChar char="•"/>
+            </a:pPr>
             <a:r>
               <a:rPr lang="en-US" sz="2250">
                 <a:solidFill>
-                  <a:srgbClr val="DEFF9A"/>
+                  <a:srgbClr val="E0E0E0"/>
                 </a:solidFill>
                 <a:latin typeface="Arimo"/>
                 <a:ea typeface="Arimo"/>
                 <a:cs typeface="Arimo"/>
                 <a:sym typeface="Arimo"/>
               </a:rPr>
-              <a:t>3000</a:t>
-            </a:r>
-            <a:r>
-              <a:rPr lang="en-US" sz="2250">
-                <a:solidFill>
-                  <a:srgbClr val="E0E0E0"/>
-                </a:solidFill>
-                <a:latin typeface="Arimo"/>
-                <a:ea typeface="Arimo"/>
-                <a:cs typeface="Arimo"/>
-                <a:sym typeface="Arimo"/>
-              </a:rPr>
-              <a:t>) were open. Services were successfully enumerated, confirming visibility controls.</a:t>
-            </a:r>
-          </a:p>
-        </p:txBody>
-      </p:sp>
-      <p:sp>
-        <p:nvSpPr>
-          <p:cNvPr name="TextBox 14" id="14"/>
-          <p:cNvSpPr txBox="true"/>
-          <p:nvPr/>
-        </p:nvSpPr>
-        <p:spPr>
-          <a:xfrm rot="0">
-            <a:off x="10158412" y="4051324"/>
-            <a:ext cx="6773227" cy="504825"/>
-          </a:xfrm>
-          <a:prstGeom prst="rect">
-            <a:avLst/>
-          </a:prstGeom>
-        </p:spPr>
-        <p:txBody>
-          <a:bodyPr anchor="t" rtlCol="false" tIns="0" lIns="0" bIns="0" rIns="0">
-            <a:spAutoFit/>
-          </a:bodyPr>
-          <a:lstStyle/>
-          <a:p>
-            <a:pPr algn="l">
-              <a:lnSpc>
-                <a:spcPts val="3779"/>
-              </a:lnSpc>
-            </a:pPr>
-            <a:r>
-              <a:rPr lang="en-US" sz="3150">
-                <a:solidFill>
-                  <a:srgbClr val="DEFF9A"/>
-                </a:solidFill>
-                <a:latin typeface="Arimo"/>
-                <a:ea typeface="Arimo"/>
-                <a:cs typeface="Arimo"/>
-                <a:sym typeface="Arimo"/>
-              </a:rPr>
-              <a:t>SURICATA IDS ALERTS</a:t>
-            </a:r>
-          </a:p>
-        </p:txBody>
-      </p:sp>
-      <p:sp>
-        <p:nvSpPr>
-          <p:cNvPr name="TextBox 15" id="15"/>
-          <p:cNvSpPr txBox="true"/>
-          <p:nvPr/>
-        </p:nvSpPr>
-        <p:spPr>
-          <a:xfrm rot="0">
-            <a:off x="10158412" y="4813324"/>
-            <a:ext cx="6686550" cy="1085850"/>
-          </a:xfrm>
-          <a:prstGeom prst="rect">
-            <a:avLst/>
-          </a:prstGeom>
-        </p:spPr>
-        <p:txBody>
-          <a:bodyPr anchor="t" rtlCol="false" tIns="0" lIns="0" bIns="0" rIns="0">
-            <a:spAutoFit/>
-          </a:bodyPr>
-          <a:lstStyle/>
-          <a:p>
-            <a:pPr algn="l">
-              <a:lnSpc>
-                <a:spcPts val="4320"/>
-              </a:lnSpc>
-            </a:pPr>
-            <a:r>
-              <a:rPr lang="en-US" b="true" sz="2250">
-                <a:solidFill>
-                  <a:srgbClr val="E0E0E0"/>
-                </a:solidFill>
-                <a:latin typeface="Arimo Bold"/>
-                <a:ea typeface="Arimo Bold"/>
-                <a:cs typeface="Arimo Bold"/>
-                <a:sym typeface="Arimo Bold"/>
-              </a:rPr>
-              <a:t>Method:</a:t>
-            </a:r>
-            <a:r>
-              <a:rPr lang="en-US" sz="2250">
-                <a:solidFill>
-                  <a:srgbClr val="E0E0E0"/>
-                </a:solidFill>
-                <a:latin typeface="Arimo"/>
-                <a:ea typeface="Arimo"/>
-                <a:cs typeface="Arimo"/>
-                <a:sym typeface="Arimo"/>
-              </a:rPr>
-              <a:t> Monitored IDS logs during the Nmap simulation.</a:t>
-            </a:r>
-          </a:p>
-        </p:txBody>
-      </p:sp>
-      <p:sp>
-        <p:nvSpPr>
-          <p:cNvPr name="TextBox 16" id="16"/>
-          <p:cNvSpPr txBox="true"/>
-          <p:nvPr/>
-        </p:nvSpPr>
-        <p:spPr>
-          <a:xfrm rot="0">
-            <a:off x="10158412" y="6299224"/>
-            <a:ext cx="6686550" cy="1051560"/>
-          </a:xfrm>
-          <a:prstGeom prst="rect">
-            <a:avLst/>
-          </a:prstGeom>
-        </p:spPr>
-        <p:txBody>
-          <a:bodyPr anchor="t" rtlCol="false" tIns="0" lIns="0" bIns="0" rIns="0">
-            <a:spAutoFit/>
-          </a:bodyPr>
-          <a:lstStyle/>
-          <a:p>
-            <a:pPr algn="l">
-              <a:lnSpc>
-                <a:spcPts val="4320"/>
-              </a:lnSpc>
-            </a:pPr>
-            <a:r>
-              <a:rPr lang="en-US" b="true" sz="2250">
-                <a:solidFill>
-                  <a:srgbClr val="E0E0E0"/>
-                </a:solidFill>
-                <a:latin typeface="Arimo Bold"/>
-                <a:ea typeface="Arimo Bold"/>
-                <a:cs typeface="Arimo Bold"/>
-                <a:sym typeface="Arimo Bold"/>
-              </a:rPr>
-              <a:t>Result:</a:t>
-            </a:r>
-            <a:r>
-              <a:rPr lang="en-US" sz="2250">
-                <a:solidFill>
-                  <a:srgbClr val="E0E0E0"/>
-                </a:solidFill>
-                <a:latin typeface="Arimo"/>
-                <a:ea typeface="Arimo"/>
-                <a:cs typeface="Arimo"/>
-                <a:sym typeface="Arimo"/>
-              </a:rPr>
-              <a:t> 78 alerts generated. The IDS is fully functional in real-time detection mode.</a:t>
+              <a:t>Continuous Threat Detection (Suricata IDS).</a:t>
             </a:r>
           </a:p>
         </p:txBody>
@@ -10608,13 +8439,14 @@
 </file>
 
 <file path=ppt/slides/slide8.xml><?xml version="1.0" encoding="utf-8"?>
-<p:sld xmlns:p="http://schemas.openxmlformats.org/presentationml/2006/main" xmlns:a="http://schemas.openxmlformats.org/drawingml/2006/main" xmlns:r="http://schemas.openxmlformats.org/officeDocument/2006/relationships">
+<p:sld xmlns:a="http://schemas.openxmlformats.org/drawingml/2006/main" xmlns:r="http://schemas.openxmlformats.org/officeDocument/2006/relationships" xmlns:p="http://schemas.openxmlformats.org/presentationml/2006/main">
   <p:cSld>
     <p:bg>
       <p:bgPr>
         <a:solidFill>
           <a:srgbClr val="111111"/>
         </a:solidFill>
+        <a:effectLst/>
       </p:bgPr>
     </p:bg>
     <p:spTree>
@@ -10633,14 +8465,14 @@
       </p:grpSpPr>
       <p:grpSp>
         <p:nvGrpSpPr>
-          <p:cNvPr name="Group 2" id="2"/>
+          <p:cNvPr id="2" name="Group 2"/>
           <p:cNvGrpSpPr>
-            <a:grpSpLocks noChangeAspect="true"/>
+            <a:grpSpLocks noChangeAspect="1"/>
           </p:cNvGrpSpPr>
           <p:nvPr/>
         </p:nvGrpSpPr>
         <p:grpSpPr>
-          <a:xfrm rot="0">
+          <a:xfrm>
             <a:off x="0" y="0"/>
             <a:ext cx="18288000" cy="10287000"/>
             <a:chOff x="0" y="0"/>
@@ -10649,12 +8481,12 @@
         </p:grpSpPr>
         <p:sp>
           <p:nvSpPr>
-            <p:cNvPr name="Freeform 3" id="3" descr="image.png"/>
+            <p:cNvPr id="3" name="Freeform 3" descr="image.png"/>
             <p:cNvSpPr/>
             <p:nvPr/>
           </p:nvSpPr>
           <p:spPr>
-            <a:xfrm flipH="false" flipV="false" rot="0">
+            <a:xfrm>
               <a:off x="0" y="0"/>
               <a:ext cx="24384000" cy="13716000"/>
             </a:xfrm>
@@ -10663,9 +8495,9 @@
               <a:gdLst/>
               <a:ahLst/>
               <a:cxnLst/>
-              <a:rect r="r" b="b" t="t" l="l"/>
+              <a:rect l="l" t="t" r="r" b="b"/>
               <a:pathLst>
-                <a:path h="13716000" w="24384000">
+                <a:path w="24384000" h="13716000">
                   <a:moveTo>
                     <a:pt x="0" y="0"/>
                   </a:moveTo>
@@ -10688,7 +8520,7 @@
             <a:blipFill>
               <a:blip r:embed="rId3"/>
               <a:stretch>
-                <a:fillRect l="0" t="0" r="0" b="0"/>
+                <a:fillRect/>
               </a:stretch>
             </a:blipFill>
           </p:spPr>
@@ -10696,460 +8528,12 @@
       </p:grpSp>
       <p:sp>
         <p:nvSpPr>
-          <p:cNvPr name="TextBox 4" id="4"/>
-          <p:cNvSpPr txBox="true"/>
+          <p:cNvPr id="4" name="TextBox 4"/>
+          <p:cNvSpPr txBox="1"/>
           <p:nvPr/>
         </p:nvSpPr>
         <p:spPr>
-          <a:xfrm rot="0">
-            <a:off x="857250" y="762000"/>
-            <a:ext cx="4610100" cy="918059"/>
-          </a:xfrm>
-          <a:prstGeom prst="rect">
-            <a:avLst/>
-          </a:prstGeom>
-        </p:spPr>
-        <p:txBody>
-          <a:bodyPr anchor="t" rtlCol="false" tIns="0" lIns="0" bIns="0" rIns="0">
-            <a:spAutoFit/>
-          </a:bodyPr>
-          <a:lstStyle/>
-          <a:p>
-            <a:pPr algn="l">
-              <a:lnSpc>
-                <a:spcPts val="7126"/>
-              </a:lnSpc>
-            </a:pPr>
-            <a:r>
-              <a:rPr lang="en-US" b="true" sz="5400">
-                <a:solidFill>
-                  <a:srgbClr val="F5F5F5"/>
-                </a:solidFill>
-                <a:latin typeface="Arimo Bold"/>
-                <a:ea typeface="Arimo Bold"/>
-                <a:cs typeface="Arimo Bold"/>
-                <a:sym typeface="Arimo Bold"/>
-              </a:rPr>
-              <a:t>CONCLUSION</a:t>
-            </a:r>
-          </a:p>
-        </p:txBody>
-      </p:sp>
-      <p:grpSp>
-        <p:nvGrpSpPr>
-          <p:cNvPr name="Group 5" id="5"/>
-          <p:cNvGrpSpPr/>
-          <p:nvPr/>
-        </p:nvGrpSpPr>
-        <p:grpSpPr>
-          <a:xfrm rot="0">
-            <a:off x="857250" y="1897335"/>
-            <a:ext cx="16573500" cy="14288"/>
-            <a:chOff x="0" y="0"/>
-            <a:chExt cx="22098000" cy="19050"/>
-          </a:xfrm>
-        </p:grpSpPr>
-        <p:sp>
-          <p:nvSpPr>
-            <p:cNvPr name="Freeform 6" id="6"/>
-            <p:cNvSpPr/>
-            <p:nvPr/>
-          </p:nvSpPr>
-          <p:spPr>
-            <a:xfrm flipH="false" flipV="false" rot="0">
-              <a:off x="0" y="0"/>
-              <a:ext cx="22098000" cy="19050"/>
-            </a:xfrm>
-            <a:custGeom>
-              <a:avLst/>
-              <a:gdLst/>
-              <a:ahLst/>
-              <a:cxnLst/>
-              <a:rect r="r" b="b" t="t" l="l"/>
-              <a:pathLst>
-                <a:path h="19050" w="22098000">
-                  <a:moveTo>
-                    <a:pt x="0" y="0"/>
-                  </a:moveTo>
-                  <a:lnTo>
-                    <a:pt x="22098000" y="0"/>
-                  </a:lnTo>
-                  <a:lnTo>
-                    <a:pt x="22098000" y="19050"/>
-                  </a:lnTo>
-                  <a:lnTo>
-                    <a:pt x="0" y="19050"/>
-                  </a:lnTo>
-                  <a:close/>
-                </a:path>
-              </a:pathLst>
-            </a:custGeom>
-            <a:solidFill>
-              <a:srgbClr val="333333"/>
-            </a:solidFill>
-            <a:ln w="12700">
-              <a:solidFill>
-                <a:srgbClr val="000000"/>
-              </a:solidFill>
-            </a:ln>
-          </p:spPr>
-        </p:sp>
-      </p:grpSp>
-      <p:sp>
-        <p:nvSpPr>
-          <p:cNvPr name="TextBox 7" id="7"/>
-          <p:cNvSpPr txBox="true"/>
-          <p:nvPr/>
-        </p:nvSpPr>
-        <p:spPr>
-          <a:xfrm rot="0">
-            <a:off x="857250" y="2111648"/>
-            <a:ext cx="10377014" cy="971550"/>
-          </a:xfrm>
-          <a:prstGeom prst="rect">
-            <a:avLst/>
-          </a:prstGeom>
-        </p:spPr>
-        <p:txBody>
-          <a:bodyPr anchor="t" rtlCol="false" tIns="0" lIns="0" bIns="0" rIns="0">
-            <a:spAutoFit/>
-          </a:bodyPr>
-          <a:lstStyle/>
-          <a:p>
-            <a:pPr algn="l">
-              <a:lnSpc>
-                <a:spcPts val="3779"/>
-              </a:lnSpc>
-            </a:pPr>
-            <a:r>
-              <a:rPr lang="en-US" sz="3150">
-                <a:solidFill>
-                  <a:srgbClr val="DEFF9A"/>
-                </a:solidFill>
-                <a:latin typeface="Arimo"/>
-                <a:ea typeface="Arimo"/>
-                <a:cs typeface="Arimo"/>
-                <a:sym typeface="Arimo"/>
-              </a:rPr>
-              <a:t>PROJECT SUMMARY: ENHANCED SECURITY POSTURE</a:t>
-            </a:r>
-          </a:p>
-        </p:txBody>
-      </p:sp>
-      <p:sp>
-        <p:nvSpPr>
-          <p:cNvPr name="TextBox 8" id="8"/>
-          <p:cNvSpPr txBox="true"/>
-          <p:nvPr/>
-        </p:nvSpPr>
-        <p:spPr>
-          <a:xfrm rot="0">
-            <a:off x="852488" y="3276748"/>
-            <a:ext cx="9229725" cy="1085850"/>
-          </a:xfrm>
-          <a:prstGeom prst="rect">
-            <a:avLst/>
-          </a:prstGeom>
-        </p:spPr>
-        <p:txBody>
-          <a:bodyPr anchor="t" rtlCol="false" tIns="0" lIns="0" bIns="0" rIns="0">
-            <a:spAutoFit/>
-          </a:bodyPr>
-          <a:lstStyle/>
-          <a:p>
-            <a:pPr algn="l">
-              <a:lnSpc>
-                <a:spcPts val="4320"/>
-              </a:lnSpc>
-            </a:pPr>
-            <a:r>
-              <a:rPr lang="en-US" sz="2250">
-                <a:solidFill>
-                  <a:srgbClr val="E0E0E0"/>
-                </a:solidFill>
-                <a:latin typeface="Arimo"/>
-                <a:ea typeface="Arimo"/>
-                <a:cs typeface="Arimo"/>
-                <a:sym typeface="Arimo"/>
-              </a:rPr>
-              <a:t>A secure, layered infrastructure was successfully designed, implemented, and validated for A2Z Corporation. Key outcomes include:</a:t>
-            </a:r>
-          </a:p>
-        </p:txBody>
-      </p:sp>
-      <p:sp>
-        <p:nvSpPr>
-          <p:cNvPr name="TextBox 9" id="9"/>
-          <p:cNvSpPr txBox="true"/>
-          <p:nvPr/>
-        </p:nvSpPr>
-        <p:spPr>
-          <a:xfrm rot="0">
-            <a:off x="852488" y="6783854"/>
-            <a:ext cx="9229725" cy="1085850"/>
-          </a:xfrm>
-          <a:prstGeom prst="rect">
-            <a:avLst/>
-          </a:prstGeom>
-        </p:spPr>
-        <p:txBody>
-          <a:bodyPr anchor="t" rtlCol="false" tIns="0" lIns="0" bIns="0" rIns="0">
-            <a:spAutoFit/>
-          </a:bodyPr>
-          <a:lstStyle/>
-          <a:p>
-            <a:pPr algn="l">
-              <a:lnSpc>
-                <a:spcPts val="4320"/>
-              </a:lnSpc>
-            </a:pPr>
-            <a:r>
-              <a:rPr lang="en-US" sz="2250">
-                <a:solidFill>
-                  <a:srgbClr val="E0E0E0"/>
-                </a:solidFill>
-                <a:latin typeface="Arimo"/>
-                <a:ea typeface="Arimo"/>
-                <a:cs typeface="Arimo"/>
-                <a:sym typeface="Arimo"/>
-              </a:rPr>
-              <a:t>The system is now more resilient and secure against key external threats, providing enhanced operational continuity.</a:t>
-            </a:r>
-          </a:p>
-        </p:txBody>
-      </p:sp>
-      <p:sp>
-        <p:nvSpPr>
-          <p:cNvPr name="TextBox 10" id="10"/>
-          <p:cNvSpPr txBox="true"/>
-          <p:nvPr/>
-        </p:nvSpPr>
-        <p:spPr>
-          <a:xfrm rot="0">
-            <a:off x="713720" y="4638824"/>
-            <a:ext cx="8620125" cy="508635"/>
-          </a:xfrm>
-          <a:prstGeom prst="rect">
-            <a:avLst/>
-          </a:prstGeom>
-        </p:spPr>
-        <p:txBody>
-          <a:bodyPr anchor="t" rtlCol="false" tIns="0" lIns="0" bIns="0" rIns="0">
-            <a:spAutoFit/>
-          </a:bodyPr>
-          <a:lstStyle/>
-          <a:p>
-            <a:pPr algn="l" marL="485775" indent="-242888" lvl="1">
-              <a:lnSpc>
-                <a:spcPts val="4320"/>
-              </a:lnSpc>
-              <a:buFont typeface="Arial"/>
-              <a:buChar char="•"/>
-            </a:pPr>
-            <a:r>
-              <a:rPr lang="en-US" sz="2250">
-                <a:solidFill>
-                  <a:srgbClr val="E0E0E0"/>
-                </a:solidFill>
-                <a:latin typeface="Arimo"/>
-                <a:ea typeface="Arimo"/>
-                <a:cs typeface="Arimo"/>
-                <a:sym typeface="Arimo"/>
-              </a:rPr>
-              <a:t>Reduced Attack Surface (UFW + DMZ segmentation).</a:t>
-            </a:r>
-          </a:p>
-        </p:txBody>
-      </p:sp>
-      <p:sp>
-        <p:nvSpPr>
-          <p:cNvPr name="TextBox 11" id="11"/>
-          <p:cNvSpPr txBox="true"/>
-          <p:nvPr/>
-        </p:nvSpPr>
-        <p:spPr>
-          <a:xfrm rot="0">
-            <a:off x="713720" y="5318909"/>
-            <a:ext cx="8620125" cy="508635"/>
-          </a:xfrm>
-          <a:prstGeom prst="rect">
-            <a:avLst/>
-          </a:prstGeom>
-        </p:spPr>
-        <p:txBody>
-          <a:bodyPr anchor="t" rtlCol="false" tIns="0" lIns="0" bIns="0" rIns="0">
-            <a:spAutoFit/>
-          </a:bodyPr>
-          <a:lstStyle/>
-          <a:p>
-            <a:pPr algn="l" marL="485775" indent="-242888" lvl="1">
-              <a:lnSpc>
-                <a:spcPts val="4320"/>
-              </a:lnSpc>
-              <a:buFont typeface="Arial"/>
-              <a:buChar char="•"/>
-            </a:pPr>
-            <a:r>
-              <a:rPr lang="en-US" sz="2250">
-                <a:solidFill>
-                  <a:srgbClr val="E0E0E0"/>
-                </a:solidFill>
-                <a:latin typeface="Arimo"/>
-                <a:ea typeface="Arimo"/>
-                <a:cs typeface="Arimo"/>
-                <a:sym typeface="Arimo"/>
-              </a:rPr>
-              <a:t>Isolated Vulnerable Services (Docker containerization).</a:t>
-            </a:r>
-          </a:p>
-        </p:txBody>
-      </p:sp>
-      <p:sp>
-        <p:nvSpPr>
-          <p:cNvPr name="TextBox 12" id="12"/>
-          <p:cNvSpPr txBox="true"/>
-          <p:nvPr/>
-        </p:nvSpPr>
-        <p:spPr>
-          <a:xfrm rot="0">
-            <a:off x="713720" y="5998994"/>
-            <a:ext cx="8620125" cy="508635"/>
-          </a:xfrm>
-          <a:prstGeom prst="rect">
-            <a:avLst/>
-          </a:prstGeom>
-        </p:spPr>
-        <p:txBody>
-          <a:bodyPr anchor="t" rtlCol="false" tIns="0" lIns="0" bIns="0" rIns="0">
-            <a:spAutoFit/>
-          </a:bodyPr>
-          <a:lstStyle/>
-          <a:p>
-            <a:pPr algn="l" marL="485775" indent="-242888" lvl="1">
-              <a:lnSpc>
-                <a:spcPts val="4320"/>
-              </a:lnSpc>
-              <a:buFont typeface="Arial"/>
-              <a:buChar char="•"/>
-            </a:pPr>
-            <a:r>
-              <a:rPr lang="en-US" sz="2250">
-                <a:solidFill>
-                  <a:srgbClr val="E0E0E0"/>
-                </a:solidFill>
-                <a:latin typeface="Arimo"/>
-                <a:ea typeface="Arimo"/>
-                <a:cs typeface="Arimo"/>
-                <a:sym typeface="Arimo"/>
-              </a:rPr>
-              <a:t>Continuous Threat Detection (Suricata IDS).</a:t>
-            </a:r>
-          </a:p>
-        </p:txBody>
-      </p:sp>
-    </p:spTree>
-  </p:cSld>
-  <p:clrMapOvr>
-    <a:masterClrMapping/>
-  </p:clrMapOvr>
-</p:sld>
-</file>
-
-<file path=ppt/slides/slide9.xml><?xml version="1.0" encoding="utf-8"?>
-<p:sld xmlns:p="http://schemas.openxmlformats.org/presentationml/2006/main" xmlns:a="http://schemas.openxmlformats.org/drawingml/2006/main" xmlns:r="http://schemas.openxmlformats.org/officeDocument/2006/relationships">
-  <p:cSld>
-    <p:bg>
-      <p:bgPr>
-        <a:solidFill>
-          <a:srgbClr val="111111"/>
-        </a:solidFill>
-      </p:bgPr>
-    </p:bg>
-    <p:spTree>
-      <p:nvGrpSpPr>
-        <p:cNvPr id="1" name=""/>
-        <p:cNvGrpSpPr/>
-        <p:nvPr/>
-      </p:nvGrpSpPr>
-      <p:grpSpPr>
-        <a:xfrm>
-          <a:off x="0" y="0"/>
-          <a:ext cx="0" cy="0"/>
-          <a:chOff x="0" y="0"/>
-          <a:chExt cx="0" cy="0"/>
-        </a:xfrm>
-      </p:grpSpPr>
-      <p:grpSp>
-        <p:nvGrpSpPr>
-          <p:cNvPr name="Group 2" id="2"/>
-          <p:cNvGrpSpPr>
-            <a:grpSpLocks noChangeAspect="true"/>
-          </p:cNvGrpSpPr>
-          <p:nvPr/>
-        </p:nvGrpSpPr>
-        <p:grpSpPr>
-          <a:xfrm rot="0">
-            <a:off x="0" y="0"/>
-            <a:ext cx="18288000" cy="10287000"/>
-            <a:chOff x="0" y="0"/>
-            <a:chExt cx="24384000" cy="13716000"/>
-          </a:xfrm>
-        </p:grpSpPr>
-        <p:sp>
-          <p:nvSpPr>
-            <p:cNvPr name="Freeform 3" id="3" descr="image.png"/>
-            <p:cNvSpPr/>
-            <p:nvPr/>
-          </p:nvSpPr>
-          <p:spPr>
-            <a:xfrm flipH="false" flipV="false" rot="0">
-              <a:off x="0" y="0"/>
-              <a:ext cx="24384000" cy="13716000"/>
-            </a:xfrm>
-            <a:custGeom>
-              <a:avLst/>
-              <a:gdLst/>
-              <a:ahLst/>
-              <a:cxnLst/>
-              <a:rect r="r" b="b" t="t" l="l"/>
-              <a:pathLst>
-                <a:path h="13716000" w="24384000">
-                  <a:moveTo>
-                    <a:pt x="0" y="0"/>
-                  </a:moveTo>
-                  <a:lnTo>
-                    <a:pt x="24384000" y="0"/>
-                  </a:lnTo>
-                  <a:lnTo>
-                    <a:pt x="24384000" y="13716000"/>
-                  </a:lnTo>
-                  <a:lnTo>
-                    <a:pt x="0" y="13716000"/>
-                  </a:lnTo>
-                  <a:lnTo>
-                    <a:pt x="0" y="0"/>
-                  </a:lnTo>
-                  <a:close/>
-                </a:path>
-              </a:pathLst>
-            </a:custGeom>
-            <a:blipFill>
-              <a:blip r:embed="rId3"/>
-              <a:stretch>
-                <a:fillRect l="0" t="0" r="0" b="0"/>
-              </a:stretch>
-            </a:blipFill>
-          </p:spPr>
-        </p:sp>
-      </p:grpSp>
-      <p:sp>
-        <p:nvSpPr>
-          <p:cNvPr name="TextBox 4" id="4"/>
-          <p:cNvSpPr txBox="true"/>
-          <p:nvPr/>
-        </p:nvSpPr>
-        <p:spPr>
-          <a:xfrm rot="0">
+          <a:xfrm>
             <a:off x="3481983" y="3776342"/>
             <a:ext cx="11324034" cy="2505715"/>
           </a:xfrm>
@@ -11158,7 +8542,7 @@
           </a:prstGeom>
         </p:spPr>
         <p:txBody>
-          <a:bodyPr anchor="t" rtlCol="false" tIns="0" lIns="0" bIns="0" rIns="0">
+          <a:bodyPr lIns="0" tIns="0" rIns="0" bIns="0" rtlCol="0" anchor="t">
             <a:spAutoFit/>
           </a:bodyPr>
           <a:lstStyle/>
@@ -11169,7 +8553,7 @@
               </a:lnSpc>
             </a:pPr>
             <a:r>
-              <a:rPr lang="en-US" b="true" sz="15000">
+              <a:rPr lang="en-US" sz="15000" b="1">
                 <a:solidFill>
                   <a:srgbClr val="F5F5F5"/>
                 </a:solidFill>
